--- a/AML Tuning.pptx
+++ b/AML Tuning.pptx
@@ -8,20 +8,24 @@
     <p:sldId id="274" r:id="rId2"/>
     <p:sldId id="275" r:id="rId3"/>
     <p:sldId id="293" r:id="rId4"/>
-    <p:sldId id="283" r:id="rId5"/>
-    <p:sldId id="282" r:id="rId6"/>
-    <p:sldId id="284" r:id="rId7"/>
-    <p:sldId id="281" r:id="rId8"/>
-    <p:sldId id="286" r:id="rId9"/>
-    <p:sldId id="287" r:id="rId10"/>
-    <p:sldId id="277" r:id="rId11"/>
-    <p:sldId id="288" r:id="rId12"/>
-    <p:sldId id="278" r:id="rId13"/>
-    <p:sldId id="289" r:id="rId14"/>
-    <p:sldId id="290" r:id="rId15"/>
-    <p:sldId id="280" r:id="rId16"/>
-    <p:sldId id="291" r:id="rId17"/>
-    <p:sldId id="292" r:id="rId18"/>
+    <p:sldId id="294" r:id="rId5"/>
+    <p:sldId id="295" r:id="rId6"/>
+    <p:sldId id="296" r:id="rId7"/>
+    <p:sldId id="297" r:id="rId8"/>
+    <p:sldId id="283" r:id="rId9"/>
+    <p:sldId id="282" r:id="rId10"/>
+    <p:sldId id="284" r:id="rId11"/>
+    <p:sldId id="281" r:id="rId12"/>
+    <p:sldId id="286" r:id="rId13"/>
+    <p:sldId id="287" r:id="rId14"/>
+    <p:sldId id="277" r:id="rId15"/>
+    <p:sldId id="288" r:id="rId16"/>
+    <p:sldId id="278" r:id="rId17"/>
+    <p:sldId id="289" r:id="rId18"/>
+    <p:sldId id="290" r:id="rId19"/>
+    <p:sldId id="280" r:id="rId20"/>
+    <p:sldId id="291" r:id="rId21"/>
+    <p:sldId id="292" r:id="rId22"/>
   </p:sldIdLst>
   <p:sldSz cx="12192000" cy="6858000"/>
   <p:notesSz cx="6858000" cy="9144000"/>
@@ -26247,2723 +26251,6 @@
         <p:spPr>
           <a:xfrm>
             <a:off x="299880" y="196684"/>
-            <a:ext cx="9979584" cy="446276"/>
-          </a:xfrm>
-          <a:prstGeom prst="rect">
-            <a:avLst/>
-          </a:prstGeom>
-          <a:noFill/>
-        </p:spPr>
-        <p:txBody>
-          <a:bodyPr wrap="square" rtlCol="0">
-            <a:spAutoFit/>
-          </a:bodyPr>
-          <a:lstStyle/>
-          <a:p>
-            <a:r>
-              <a:rPr lang="en-US" sz="2300" dirty="0">
-                <a:solidFill>
-                  <a:schemeClr val="accent1">
-                    <a:lumMod val="50000"/>
-                  </a:schemeClr>
-                </a:solidFill>
-                <a:latin typeface="Georgia Pro" panose="020F0502020204030204" pitchFamily="18" charset="0"/>
-              </a:rPr>
-              <a:t>Dashboard 2: Overview. Problem Statement</a:t>
-            </a:r>
-            <a:endParaRPr lang="en-IN" sz="2300" dirty="0">
-              <a:solidFill>
-                <a:schemeClr val="accent1">
-                  <a:lumMod val="50000"/>
-                </a:schemeClr>
-              </a:solidFill>
-              <a:latin typeface="Georgia Pro" panose="020F0502020204030204" pitchFamily="18" charset="0"/>
-            </a:endParaRPr>
-          </a:p>
-        </p:txBody>
-      </p:sp>
-      <p:sp>
-        <p:nvSpPr>
-          <p:cNvPr id="7" name="Content Placeholder 2">
-            <a:extLst>
-              <a:ext uri="{FF2B5EF4-FFF2-40B4-BE49-F238E27FC236}">
-                <a16:creationId xmlns:a16="http://schemas.microsoft.com/office/drawing/2014/main" id="{4F6E7C57-FDA4-0EA0-DD37-9A3F30183BCB}"/>
-              </a:ext>
-            </a:extLst>
-          </p:cNvPr>
-          <p:cNvSpPr>
-            <a:spLocks noGrp="1"/>
-          </p:cNvSpPr>
-          <p:nvPr>
-            <p:ph idx="1"/>
-          </p:nvPr>
-        </p:nvSpPr>
-        <p:spPr>
-          <a:xfrm>
-            <a:off x="299880" y="761236"/>
-            <a:ext cx="11469334" cy="5933186"/>
-          </a:xfrm>
-        </p:spPr>
-        <p:txBody>
-          <a:bodyPr>
-            <a:normAutofit/>
-          </a:bodyPr>
-          <a:lstStyle/>
-          <a:p>
-            <a:r>
-              <a:rPr lang="en-IN" sz="1400" b="1" kern="100" dirty="0">
-                <a:solidFill>
-                  <a:schemeClr val="accent1">
-                    <a:lumMod val="75000"/>
-                  </a:schemeClr>
-                </a:solidFill>
-                <a:effectLst/>
-                <a:latin typeface="Calibri" panose="020F0502020204030204" pitchFamily="34" charset="0"/>
-                <a:ea typeface="Calibri" panose="020F0502020204030204" pitchFamily="34" charset="0"/>
-                <a:cs typeface="Times New Roman" panose="02020603050405020304" pitchFamily="18" charset="0"/>
-              </a:rPr>
-              <a:t>CHARTS</a:t>
-            </a:r>
-          </a:p>
-          <a:p>
-            <a:pPr marL="342900" indent="-342900">
-              <a:lnSpc>
-                <a:spcPct val="150000"/>
-              </a:lnSpc>
-              <a:buFont typeface="+mj-lt"/>
-              <a:buAutoNum type="arabicPeriod"/>
-            </a:pPr>
-            <a:r>
-              <a:rPr lang="en-IN" sz="1100" b="1" kern="100" dirty="0">
-                <a:effectLst/>
-                <a:latin typeface="Calibri" panose="020F0502020204030204" pitchFamily="34" charset="0"/>
-                <a:ea typeface="Calibri" panose="020F0502020204030204" pitchFamily="34" charset="0"/>
-                <a:cs typeface="Times New Roman" panose="02020603050405020304" pitchFamily="18" charset="0"/>
-              </a:rPr>
-              <a:t>Monthly Trends by Issue Date (Line Chart):  </a:t>
-            </a:r>
-            <a:r>
-              <a:rPr lang="en-IN" sz="1100" kern="100" dirty="0">
-                <a:effectLst/>
-                <a:latin typeface="Calibri" panose="020F0502020204030204" pitchFamily="34" charset="0"/>
-                <a:ea typeface="Calibri" panose="020F0502020204030204" pitchFamily="34" charset="0"/>
-                <a:cs typeface="Times New Roman" panose="02020603050405020304" pitchFamily="18" charset="0"/>
-              </a:rPr>
-              <a:t>To </a:t>
-            </a:r>
-            <a:r>
-              <a:rPr lang="en-IN" sz="1100" dirty="0">
-                <a:effectLst/>
-                <a:latin typeface="Calibri" panose="020F0502020204030204" pitchFamily="34" charset="0"/>
-                <a:ea typeface="Calibri" panose="020F0502020204030204" pitchFamily="34" charset="0"/>
-                <a:cs typeface="Times New Roman" panose="02020603050405020304" pitchFamily="18" charset="0"/>
-              </a:rPr>
-              <a:t>identify seasonality and long-term trends in lending activities</a:t>
-            </a:r>
-            <a:endParaRPr lang="en-IN" sz="1100" kern="100" dirty="0">
-              <a:effectLst/>
-              <a:latin typeface="Calibri" panose="020F0502020204030204" pitchFamily="34" charset="0"/>
-              <a:ea typeface="Calibri" panose="020F0502020204030204" pitchFamily="34" charset="0"/>
-              <a:cs typeface="Times New Roman" panose="02020603050405020304" pitchFamily="18" charset="0"/>
-            </a:endParaRPr>
-          </a:p>
-          <a:p>
-            <a:pPr marL="342900" indent="-342900">
-              <a:lnSpc>
-                <a:spcPct val="150000"/>
-              </a:lnSpc>
-              <a:buFont typeface="+mj-lt"/>
-              <a:buAutoNum type="arabicPeriod"/>
-            </a:pPr>
-            <a:r>
-              <a:rPr lang="en-IN" sz="1100" b="1" dirty="0">
-                <a:effectLst/>
-                <a:latin typeface="Calibri" panose="020F0502020204030204" pitchFamily="34" charset="0"/>
-                <a:ea typeface="Calibri" panose="020F0502020204030204" pitchFamily="34" charset="0"/>
-                <a:cs typeface="Times New Roman" panose="02020603050405020304" pitchFamily="18" charset="0"/>
-              </a:rPr>
-              <a:t>Regional Analysis by State (Filled Map</a:t>
-            </a:r>
-            <a:r>
-              <a:rPr lang="en-IN" sz="1100" b="1" dirty="0">
-                <a:latin typeface="Calibri" panose="020F0502020204030204" pitchFamily="34" charset="0"/>
-                <a:ea typeface="Calibri" panose="020F0502020204030204" pitchFamily="34" charset="0"/>
-                <a:cs typeface="Times New Roman" panose="02020603050405020304" pitchFamily="18" charset="0"/>
-              </a:rPr>
-              <a:t>):</a:t>
-            </a:r>
-            <a:r>
-              <a:rPr lang="en-IN" sz="1100" dirty="0">
-                <a:latin typeface="Calibri" panose="020F0502020204030204" pitchFamily="34" charset="0"/>
-                <a:ea typeface="Calibri" panose="020F0502020204030204" pitchFamily="34" charset="0"/>
-                <a:cs typeface="Times New Roman" panose="02020603050405020304" pitchFamily="18" charset="0"/>
-              </a:rPr>
-              <a:t> To identify regions with significant lending activity and assess regional disparities</a:t>
-            </a:r>
-          </a:p>
-          <a:p>
-            <a:pPr marL="342900" indent="-342900">
-              <a:lnSpc>
-                <a:spcPct val="150000"/>
-              </a:lnSpc>
-              <a:buFont typeface="+mj-lt"/>
-              <a:buAutoNum type="arabicPeriod"/>
-            </a:pPr>
-            <a:r>
-              <a:rPr lang="en-IN" sz="1100" b="1" dirty="0">
-                <a:effectLst/>
-                <a:latin typeface="Calibri" panose="020F0502020204030204" pitchFamily="34" charset="0"/>
-                <a:ea typeface="Calibri" panose="020F0502020204030204" pitchFamily="34" charset="0"/>
-                <a:cs typeface="Times New Roman" panose="02020603050405020304" pitchFamily="18" charset="0"/>
-              </a:rPr>
-              <a:t>Loan Term Analysis (Donut Chart): </a:t>
-            </a:r>
-            <a:r>
-              <a:rPr lang="en-IN" sz="1100" dirty="0">
-                <a:latin typeface="Calibri" panose="020F0502020204030204" pitchFamily="34" charset="0"/>
-                <a:ea typeface="Calibri" panose="020F0502020204030204" pitchFamily="34" charset="0"/>
-                <a:cs typeface="Times New Roman" panose="02020603050405020304" pitchFamily="18" charset="0"/>
-              </a:rPr>
-              <a:t>To allow the client to understand the distribution of loans across various term lengths.</a:t>
-            </a:r>
-          </a:p>
-          <a:p>
-            <a:pPr marL="342900" indent="-342900">
-              <a:lnSpc>
-                <a:spcPct val="150000"/>
-              </a:lnSpc>
-              <a:buFont typeface="+mj-lt"/>
-              <a:buAutoNum type="arabicPeriod"/>
-            </a:pPr>
-            <a:r>
-              <a:rPr lang="en-IN" sz="1100" b="1" dirty="0">
-                <a:effectLst/>
-                <a:latin typeface="Calibri" panose="020F0502020204030204" pitchFamily="34" charset="0"/>
-                <a:ea typeface="Calibri" panose="020F0502020204030204" pitchFamily="34" charset="0"/>
-                <a:cs typeface="Times New Roman" panose="02020603050405020304" pitchFamily="18" charset="0"/>
-              </a:rPr>
-              <a:t>Employee Length Analysis (Bar Chart): </a:t>
-            </a:r>
-            <a:r>
-              <a:rPr lang="en-IN" sz="1100" dirty="0">
-                <a:latin typeface="Calibri" panose="020F0502020204030204" pitchFamily="34" charset="0"/>
-                <a:ea typeface="Calibri" panose="020F0502020204030204" pitchFamily="34" charset="0"/>
-                <a:cs typeface="Times New Roman" panose="02020603050405020304" pitchFamily="18" charset="0"/>
-              </a:rPr>
-              <a:t>How lending metrics are distributed among borrowers with different employment lengths, helping us assess the impact of employment history on loan applications.</a:t>
-            </a:r>
-          </a:p>
-          <a:p>
-            <a:pPr marL="342900" indent="-342900">
-              <a:lnSpc>
-                <a:spcPct val="150000"/>
-              </a:lnSpc>
-              <a:buFont typeface="+mj-lt"/>
-              <a:buAutoNum type="arabicPeriod"/>
-            </a:pPr>
-            <a:r>
-              <a:rPr lang="en-IN" sz="1100" b="1" dirty="0">
-                <a:effectLst/>
-                <a:latin typeface="Calibri" panose="020F0502020204030204" pitchFamily="34" charset="0"/>
-                <a:ea typeface="Calibri" panose="020F0502020204030204" pitchFamily="34" charset="0"/>
-                <a:cs typeface="Times New Roman" panose="02020603050405020304" pitchFamily="18" charset="0"/>
-              </a:rPr>
-              <a:t>Loan Purpose Breakdown (Bar Chart): W</a:t>
-            </a:r>
-            <a:r>
-              <a:rPr lang="en-IN" sz="1100" dirty="0">
-                <a:latin typeface="Calibri" panose="020F0502020204030204" pitchFamily="34" charset="0"/>
-                <a:ea typeface="Calibri" panose="020F0502020204030204" pitchFamily="34" charset="0"/>
-                <a:cs typeface="Times New Roman" panose="02020603050405020304" pitchFamily="18" charset="0"/>
-              </a:rPr>
-              <a:t>ill provide a visual breakdown of loan metrics based on the stated purposes of loans, aiding in the understanding of the primary reasons borrowers seek financing.</a:t>
-            </a:r>
-          </a:p>
-          <a:p>
-            <a:pPr marL="342900" indent="-342900">
-              <a:lnSpc>
-                <a:spcPct val="150000"/>
-              </a:lnSpc>
-              <a:buFont typeface="+mj-lt"/>
-              <a:buAutoNum type="arabicPeriod"/>
-            </a:pPr>
-            <a:r>
-              <a:rPr lang="en-IN" sz="1100" b="1" dirty="0">
-                <a:effectLst/>
-                <a:latin typeface="Calibri" panose="020F0502020204030204" pitchFamily="34" charset="0"/>
-                <a:ea typeface="Calibri" panose="020F0502020204030204" pitchFamily="34" charset="0"/>
-                <a:cs typeface="Times New Roman" panose="02020603050405020304" pitchFamily="18" charset="0"/>
-              </a:rPr>
-              <a:t>Home Ownership Analysis (Tree Map): </a:t>
-            </a:r>
-            <a:r>
-              <a:rPr lang="en-IN" sz="1100" dirty="0">
-                <a:latin typeface="Calibri" panose="020F0502020204030204" pitchFamily="34" charset="0"/>
-                <a:ea typeface="Calibri" panose="020F0502020204030204" pitchFamily="34" charset="0"/>
-                <a:cs typeface="Times New Roman" panose="02020603050405020304" pitchFamily="18" charset="0"/>
-              </a:rPr>
-              <a:t>For a hierarchical view of how home ownership impacts loan applications and disbursements.</a:t>
-            </a:r>
-            <a:endParaRPr lang="en-IN" sz="1100" b="1" kern="100" dirty="0">
-              <a:latin typeface="Calibri" panose="020F0502020204030204" pitchFamily="34" charset="0"/>
-              <a:ea typeface="Calibri" panose="020F0502020204030204" pitchFamily="34" charset="0"/>
-              <a:cs typeface="Times New Roman" panose="02020603050405020304" pitchFamily="18" charset="0"/>
-            </a:endParaRPr>
-          </a:p>
-          <a:p>
-            <a:r>
-              <a:rPr lang="en-IN" sz="1100" b="1" i="1" u="sng" kern="100" dirty="0">
-                <a:effectLst/>
-                <a:latin typeface="Calibri" panose="020F0502020204030204" pitchFamily="34" charset="0"/>
-                <a:ea typeface="Calibri" panose="020F0502020204030204" pitchFamily="34" charset="0"/>
-                <a:cs typeface="Times New Roman" panose="02020603050405020304" pitchFamily="18" charset="0"/>
-              </a:rPr>
-              <a:t>Metrics to be shown: 'Total Loan Applications,' 'Total Funded Amount,' and 'Total Amount Received'</a:t>
-            </a:r>
-          </a:p>
-        </p:txBody>
-      </p:sp>
-    </p:spTree>
-    <p:extLst>
-      <p:ext uri="{BB962C8B-B14F-4D97-AF65-F5344CB8AC3E}">
-        <p14:creationId xmlns:p14="http://schemas.microsoft.com/office/powerpoint/2010/main" val="96209696"/>
-      </p:ext>
-    </p:extLst>
-  </p:cSld>
-  <p:clrMapOvr>
-    <a:masterClrMapping/>
-  </p:clrMapOvr>
-</p:sld>
-</file>
-
-<file path=ppt/slides/slide11.xml><?xml version="1.0" encoding="utf-8"?>
-<p:sld xmlns:a="http://schemas.openxmlformats.org/drawingml/2006/main" xmlns:r="http://schemas.openxmlformats.org/officeDocument/2006/relationships" xmlns:p="http://schemas.openxmlformats.org/presentationml/2006/main">
-  <p:cSld>
-    <p:spTree>
-      <p:nvGrpSpPr>
-        <p:cNvPr id="1" name=""/>
-        <p:cNvGrpSpPr/>
-        <p:nvPr/>
-      </p:nvGrpSpPr>
-      <p:grpSpPr>
-        <a:xfrm>
-          <a:off x="0" y="0"/>
-          <a:ext cx="0" cy="0"/>
-          <a:chOff x="0" y="0"/>
-          <a:chExt cx="0" cy="0"/>
-        </a:xfrm>
-      </p:grpSpPr>
-      <p:cxnSp>
-        <p:nvCxnSpPr>
-          <p:cNvPr id="4" name="Straight Connector 3">
-            <a:extLst>
-              <a:ext uri="{FF2B5EF4-FFF2-40B4-BE49-F238E27FC236}">
-                <a16:creationId xmlns:a16="http://schemas.microsoft.com/office/drawing/2014/main" id="{2D5AE59F-CB3E-3DF5-5AA4-447172567935}"/>
-              </a:ext>
-            </a:extLst>
-          </p:cNvPr>
-          <p:cNvCxnSpPr/>
-          <p:nvPr/>
-        </p:nvCxnSpPr>
-        <p:spPr>
-          <a:xfrm>
-            <a:off x="422787" y="688259"/>
-            <a:ext cx="11346426" cy="0"/>
-          </a:xfrm>
-          <a:prstGeom prst="line">
-            <a:avLst/>
-          </a:prstGeom>
-        </p:spPr>
-        <p:style>
-          <a:lnRef idx="2">
-            <a:schemeClr val="accent1"/>
-          </a:lnRef>
-          <a:fillRef idx="0">
-            <a:schemeClr val="accent1"/>
-          </a:fillRef>
-          <a:effectRef idx="1">
-            <a:schemeClr val="accent1"/>
-          </a:effectRef>
-          <a:fontRef idx="minor">
-            <a:schemeClr val="tx1"/>
-          </a:fontRef>
-        </p:style>
-      </p:cxnSp>
-      <p:sp>
-        <p:nvSpPr>
-          <p:cNvPr id="7" name="TextBox 6">
-            <a:extLst>
-              <a:ext uri="{FF2B5EF4-FFF2-40B4-BE49-F238E27FC236}">
-                <a16:creationId xmlns:a16="http://schemas.microsoft.com/office/drawing/2014/main" id="{5D2F04BA-F0B8-E665-5C79-E01ED1505A9B}"/>
-              </a:ext>
-            </a:extLst>
-          </p:cNvPr>
-          <p:cNvSpPr txBox="1"/>
-          <p:nvPr/>
-        </p:nvSpPr>
-        <p:spPr>
-          <a:xfrm>
-            <a:off x="299880" y="196684"/>
-            <a:ext cx="9979584" cy="446276"/>
-          </a:xfrm>
-          <a:prstGeom prst="rect">
-            <a:avLst/>
-          </a:prstGeom>
-          <a:noFill/>
-        </p:spPr>
-        <p:txBody>
-          <a:bodyPr wrap="square" rtlCol="0">
-            <a:spAutoFit/>
-          </a:bodyPr>
-          <a:lstStyle/>
-          <a:p>
-            <a:r>
-              <a:rPr lang="en-US" sz="2300" dirty="0">
-                <a:solidFill>
-                  <a:schemeClr val="accent1">
-                    <a:lumMod val="50000"/>
-                  </a:schemeClr>
-                </a:solidFill>
-                <a:latin typeface="Georgia Pro" panose="020F0502020204030204" pitchFamily="18" charset="0"/>
-              </a:rPr>
-              <a:t>Dashboard 2: Overview</a:t>
-            </a:r>
-            <a:endParaRPr lang="en-IN" sz="2300" dirty="0">
-              <a:solidFill>
-                <a:schemeClr val="accent1">
-                  <a:lumMod val="50000"/>
-                </a:schemeClr>
-              </a:solidFill>
-              <a:latin typeface="Georgia Pro" panose="020F0502020204030204" pitchFamily="18" charset="0"/>
-            </a:endParaRPr>
-          </a:p>
-        </p:txBody>
-      </p:sp>
-      <p:sp>
-        <p:nvSpPr>
-          <p:cNvPr id="12" name="TextBox 11">
-            <a:extLst>
-              <a:ext uri="{FF2B5EF4-FFF2-40B4-BE49-F238E27FC236}">
-                <a16:creationId xmlns:a16="http://schemas.microsoft.com/office/drawing/2014/main" id="{5ABFA060-8C91-AA45-26B5-DCB7CBFC65CE}"/>
-              </a:ext>
-            </a:extLst>
-          </p:cNvPr>
-          <p:cNvSpPr txBox="1"/>
-          <p:nvPr/>
-        </p:nvSpPr>
-        <p:spPr>
-          <a:xfrm>
-            <a:off x="299879" y="718418"/>
-            <a:ext cx="11469334" cy="600164"/>
-          </a:xfrm>
-          <a:prstGeom prst="rect">
-            <a:avLst/>
-          </a:prstGeom>
-          <a:noFill/>
-        </p:spPr>
-        <p:txBody>
-          <a:bodyPr wrap="square" rtlCol="0">
-            <a:spAutoFit/>
-          </a:bodyPr>
-          <a:lstStyle/>
-          <a:p>
-            <a:pPr marL="171450" indent="-171450">
-              <a:buFont typeface="Arial" panose="020B0604020202020204" pitchFamily="34" charset="0"/>
-              <a:buChar char="•"/>
-            </a:pPr>
-            <a:r>
-              <a:rPr lang="en-IN" sz="1100" kern="100" dirty="0">
-                <a:effectLst/>
-                <a:latin typeface="Calibri" panose="020F0502020204030204" pitchFamily="34" charset="0"/>
-                <a:ea typeface="Calibri" panose="020F0502020204030204" pitchFamily="34" charset="0"/>
-                <a:cs typeface="Times New Roman" panose="02020603050405020304" pitchFamily="18" charset="0"/>
-              </a:rPr>
-              <a:t>SQL scripts were</a:t>
-            </a:r>
-            <a:r>
-              <a:rPr lang="en-IN" sz="1100" kern="100" dirty="0">
-                <a:latin typeface="Calibri" panose="020F0502020204030204" pitchFamily="34" charset="0"/>
-                <a:ea typeface="Calibri" panose="020F0502020204030204" pitchFamily="34" charset="0"/>
-                <a:cs typeface="Times New Roman" panose="02020603050405020304" pitchFamily="18" charset="0"/>
-              </a:rPr>
-              <a:t> written to generate results corresponding to the dashboard’s visualization results to validate the dashboard. Click </a:t>
-            </a:r>
-            <a:r>
-              <a:rPr lang="en-IN" sz="1100" kern="100" dirty="0">
-                <a:latin typeface="Calibri" panose="020F0502020204030204" pitchFamily="34" charset="0"/>
-                <a:ea typeface="Calibri" panose="020F0502020204030204" pitchFamily="34" charset="0"/>
-                <a:cs typeface="Times New Roman" panose="02020603050405020304" pitchFamily="18" charset="0"/>
-                <a:hlinkClick r:id="rId2"/>
-              </a:rPr>
-              <a:t>here</a:t>
-            </a:r>
-            <a:r>
-              <a:rPr lang="en-IN" sz="1100" kern="100" dirty="0">
-                <a:latin typeface="Calibri" panose="020F0502020204030204" pitchFamily="34" charset="0"/>
-                <a:ea typeface="Calibri" panose="020F0502020204030204" pitchFamily="34" charset="0"/>
-                <a:cs typeface="Times New Roman" panose="02020603050405020304" pitchFamily="18" charset="0"/>
-              </a:rPr>
-              <a:t> to explore the SQL scripts. Click </a:t>
-            </a:r>
-            <a:r>
-              <a:rPr lang="en-IN" sz="1100" kern="100" dirty="0">
-                <a:latin typeface="Calibri" panose="020F0502020204030204" pitchFamily="34" charset="0"/>
-                <a:ea typeface="Calibri" panose="020F0502020204030204" pitchFamily="34" charset="0"/>
-                <a:cs typeface="Times New Roman" panose="02020603050405020304" pitchFamily="18" charset="0"/>
-                <a:hlinkClick r:id="rId3"/>
-              </a:rPr>
-              <a:t>here</a:t>
-            </a:r>
-            <a:r>
-              <a:rPr lang="en-IN" sz="1100" kern="100" dirty="0">
-                <a:latin typeface="Calibri" panose="020F0502020204030204" pitchFamily="34" charset="0"/>
-                <a:ea typeface="Calibri" panose="020F0502020204030204" pitchFamily="34" charset="0"/>
-                <a:cs typeface="Times New Roman" panose="02020603050405020304" pitchFamily="18" charset="0"/>
-              </a:rPr>
-              <a:t> to download the Validation Report. </a:t>
-            </a:r>
-          </a:p>
-          <a:p>
-            <a:pPr marL="171450" indent="-171450">
-              <a:buFont typeface="Arial" panose="020B0604020202020204" pitchFamily="34" charset="0"/>
-              <a:buChar char="•"/>
-            </a:pPr>
-            <a:r>
-              <a:rPr lang="en-IN" sz="1100" kern="100" dirty="0">
-                <a:latin typeface="Calibri" panose="020F0502020204030204" pitchFamily="34" charset="0"/>
-                <a:ea typeface="Calibri" panose="020F0502020204030204" pitchFamily="34" charset="0"/>
-                <a:cs typeface="Times New Roman" panose="02020603050405020304" pitchFamily="18" charset="0"/>
-              </a:rPr>
-              <a:t>This dashboard has 22 Measures, 1 Field Parameter, 1 table and 1 group. Click </a:t>
-            </a:r>
-            <a:r>
-              <a:rPr lang="en-IN" sz="1100" kern="100" dirty="0">
-                <a:latin typeface="Calibri" panose="020F0502020204030204" pitchFamily="34" charset="0"/>
-                <a:ea typeface="Calibri" panose="020F0502020204030204" pitchFamily="34" charset="0"/>
-                <a:cs typeface="Times New Roman" panose="02020603050405020304" pitchFamily="18" charset="0"/>
-                <a:hlinkClick r:id="rId4"/>
-              </a:rPr>
-              <a:t>here</a:t>
-            </a:r>
-            <a:r>
-              <a:rPr lang="en-IN" sz="1100" kern="100" dirty="0">
-                <a:latin typeface="Calibri" panose="020F0502020204030204" pitchFamily="34" charset="0"/>
-                <a:ea typeface="Calibri" panose="020F0502020204030204" pitchFamily="34" charset="0"/>
-                <a:cs typeface="Times New Roman" panose="02020603050405020304" pitchFamily="18" charset="0"/>
-              </a:rPr>
-              <a:t> to download the DAX queries to generate the mentioned features.</a:t>
-            </a:r>
-          </a:p>
-        </p:txBody>
-      </p:sp>
-      <p:pic>
-        <p:nvPicPr>
-          <p:cNvPr id="3" name="Picture 2" descr="A screenshot of a computer screen&#10;&#10;Description automatically generated">
-            <a:extLst>
-              <a:ext uri="{FF2B5EF4-FFF2-40B4-BE49-F238E27FC236}">
-                <a16:creationId xmlns:a16="http://schemas.microsoft.com/office/drawing/2014/main" id="{AB42F759-54CF-975F-D9C9-B5ACD2044B0E}"/>
-              </a:ext>
-            </a:extLst>
-          </p:cNvPr>
-          <p:cNvPicPr>
-            <a:picLocks noChangeAspect="1"/>
-          </p:cNvPicPr>
-          <p:nvPr/>
-        </p:nvPicPr>
-        <p:blipFill>
-          <a:blip r:embed="rId5">
-            <a:extLst>
-              <a:ext uri="{28A0092B-C50C-407E-A947-70E740481C1C}">
-                <a14:useLocalDpi xmlns:a14="http://schemas.microsoft.com/office/drawing/2010/main" val="0"/>
-              </a:ext>
-            </a:extLst>
-          </a:blip>
-          <a:stretch>
-            <a:fillRect/>
-          </a:stretch>
-        </p:blipFill>
-        <p:spPr>
-          <a:xfrm>
-            <a:off x="1297496" y="1394040"/>
-            <a:ext cx="9597008" cy="5330932"/>
-          </a:xfrm>
-          <a:prstGeom prst="rect">
-            <a:avLst/>
-          </a:prstGeom>
-        </p:spPr>
-      </p:pic>
-    </p:spTree>
-    <p:extLst>
-      <p:ext uri="{BB962C8B-B14F-4D97-AF65-F5344CB8AC3E}">
-        <p14:creationId xmlns:p14="http://schemas.microsoft.com/office/powerpoint/2010/main" val="1305698101"/>
-      </p:ext>
-    </p:extLst>
-  </p:cSld>
-  <p:clrMapOvr>
-    <a:masterClrMapping/>
-  </p:clrMapOvr>
-</p:sld>
-</file>
-
-<file path=ppt/slides/slide12.xml><?xml version="1.0" encoding="utf-8"?>
-<p:sld xmlns:a="http://schemas.openxmlformats.org/drawingml/2006/main" xmlns:r="http://schemas.openxmlformats.org/officeDocument/2006/relationships" xmlns:p="http://schemas.openxmlformats.org/presentationml/2006/main">
-  <p:cSld>
-    <p:spTree>
-      <p:nvGrpSpPr>
-        <p:cNvPr id="1" name=""/>
-        <p:cNvGrpSpPr/>
-        <p:nvPr/>
-      </p:nvGrpSpPr>
-      <p:grpSpPr>
-        <a:xfrm>
-          <a:off x="0" y="0"/>
-          <a:ext cx="0" cy="0"/>
-          <a:chOff x="0" y="0"/>
-          <a:chExt cx="0" cy="0"/>
-        </a:xfrm>
-      </p:grpSpPr>
-      <p:cxnSp>
-        <p:nvCxnSpPr>
-          <p:cNvPr id="4" name="Straight Connector 3">
-            <a:extLst>
-              <a:ext uri="{FF2B5EF4-FFF2-40B4-BE49-F238E27FC236}">
-                <a16:creationId xmlns:a16="http://schemas.microsoft.com/office/drawing/2014/main" id="{FEC7D071-925A-A25D-E05E-32C77ACDD222}"/>
-              </a:ext>
-            </a:extLst>
-          </p:cNvPr>
-          <p:cNvCxnSpPr/>
-          <p:nvPr/>
-        </p:nvCxnSpPr>
-        <p:spPr>
-          <a:xfrm>
-            <a:off x="422787" y="688259"/>
-            <a:ext cx="11346426" cy="0"/>
-          </a:xfrm>
-          <a:prstGeom prst="line">
-            <a:avLst/>
-          </a:prstGeom>
-        </p:spPr>
-        <p:style>
-          <a:lnRef idx="2">
-            <a:schemeClr val="accent1"/>
-          </a:lnRef>
-          <a:fillRef idx="0">
-            <a:schemeClr val="accent1"/>
-          </a:fillRef>
-          <a:effectRef idx="1">
-            <a:schemeClr val="accent1"/>
-          </a:effectRef>
-          <a:fontRef idx="minor">
-            <a:schemeClr val="tx1"/>
-          </a:fontRef>
-        </p:style>
-      </p:cxnSp>
-      <p:sp>
-        <p:nvSpPr>
-          <p:cNvPr id="7" name="Content Placeholder 2">
-            <a:extLst>
-              <a:ext uri="{FF2B5EF4-FFF2-40B4-BE49-F238E27FC236}">
-                <a16:creationId xmlns:a16="http://schemas.microsoft.com/office/drawing/2014/main" id="{4F6E7C57-FDA4-0EA0-DD37-9A3F30183BCB}"/>
-              </a:ext>
-            </a:extLst>
-          </p:cNvPr>
-          <p:cNvSpPr>
-            <a:spLocks noGrp="1"/>
-          </p:cNvSpPr>
-          <p:nvPr>
-            <p:ph idx="1"/>
-          </p:nvPr>
-        </p:nvSpPr>
-        <p:spPr>
-          <a:xfrm>
-            <a:off x="299879" y="835232"/>
-            <a:ext cx="11469334" cy="5933186"/>
-          </a:xfrm>
-        </p:spPr>
-        <p:txBody>
-          <a:bodyPr>
-            <a:normAutofit/>
-          </a:bodyPr>
-          <a:lstStyle/>
-          <a:p>
-            <a:pPr>
-              <a:lnSpc>
-                <a:spcPct val="100000"/>
-              </a:lnSpc>
-            </a:pPr>
-            <a:r>
-              <a:rPr lang="en-IN" sz="1400" b="1" kern="100" dirty="0">
-                <a:solidFill>
-                  <a:schemeClr val="accent1">
-                    <a:lumMod val="75000"/>
-                  </a:schemeClr>
-                </a:solidFill>
-                <a:effectLst/>
-                <a:latin typeface="Calibri" panose="020F0502020204030204" pitchFamily="34" charset="0"/>
-                <a:ea typeface="Calibri" panose="020F0502020204030204" pitchFamily="34" charset="0"/>
-                <a:cs typeface="Times New Roman" panose="02020603050405020304" pitchFamily="18" charset="0"/>
-              </a:rPr>
-              <a:t>GRID</a:t>
-            </a:r>
-          </a:p>
-          <a:p>
-            <a:pPr marL="457200" lvl="1" indent="0">
-              <a:lnSpc>
-                <a:spcPct val="100000"/>
-              </a:lnSpc>
-              <a:buNone/>
-            </a:pPr>
-            <a:r>
-              <a:rPr lang="en-IN" sz="1100" kern="100" dirty="0">
-                <a:effectLst/>
-                <a:latin typeface="Calibri" panose="020F0502020204030204" pitchFamily="34" charset="0"/>
-                <a:ea typeface="Calibri" panose="020F0502020204030204" pitchFamily="34" charset="0"/>
-                <a:cs typeface="Times New Roman" panose="02020603050405020304" pitchFamily="18" charset="0"/>
-              </a:rPr>
-              <a:t>Need for a comprehensive 'Details Dashboard' that provides a consolidated view of all the essential information within our loan data. This Details Dashboard aims to offer a holistic snapshot of key loan-related metrics and data points, enabling users to access critical information efficiently.</a:t>
-            </a:r>
-          </a:p>
-          <a:p>
-            <a:pPr algn="just">
-              <a:lnSpc>
-                <a:spcPct val="100000"/>
-              </a:lnSpc>
-              <a:spcAft>
-                <a:spcPts val="800"/>
-              </a:spcAft>
-            </a:pPr>
-            <a:r>
-              <a:rPr lang="en-IN" sz="1400" b="1" kern="100" dirty="0">
-                <a:solidFill>
-                  <a:schemeClr val="accent1">
-                    <a:lumMod val="75000"/>
-                  </a:schemeClr>
-                </a:solidFill>
-                <a:effectLst/>
-                <a:latin typeface="Calibri" panose="020F0502020204030204" pitchFamily="34" charset="0"/>
-                <a:ea typeface="Calibri" panose="020F0502020204030204" pitchFamily="34" charset="0"/>
-                <a:cs typeface="Times New Roman" panose="02020603050405020304" pitchFamily="18" charset="0"/>
-              </a:rPr>
-              <a:t>Objective:</a:t>
-            </a:r>
-          </a:p>
-          <a:p>
-            <a:pPr marL="457200" lvl="1" indent="0" algn="just">
-              <a:lnSpc>
-                <a:spcPct val="100000"/>
-              </a:lnSpc>
-              <a:spcAft>
-                <a:spcPts val="800"/>
-              </a:spcAft>
-              <a:buNone/>
-            </a:pPr>
-            <a:r>
-              <a:rPr lang="en-IN" sz="1100" kern="100" dirty="0">
-                <a:effectLst/>
-                <a:latin typeface="Calibri" panose="020F0502020204030204" pitchFamily="34" charset="0"/>
-                <a:ea typeface="Calibri" panose="020F0502020204030204" pitchFamily="34" charset="0"/>
-                <a:cs typeface="Times New Roman" panose="02020603050405020304" pitchFamily="18" charset="0"/>
-              </a:rPr>
-              <a:t>The primary objective of the Details Dashboard is to provide a comprehensive and user-friendly interface for accessing vital loan data. It will serve as a one-stop solution for users seeking detailed insights into our loan portfolio, borrower profiles, and loan performance.</a:t>
-            </a:r>
-          </a:p>
-        </p:txBody>
-      </p:sp>
-      <p:sp>
-        <p:nvSpPr>
-          <p:cNvPr id="2" name="TextBox 1">
-            <a:extLst>
-              <a:ext uri="{FF2B5EF4-FFF2-40B4-BE49-F238E27FC236}">
-                <a16:creationId xmlns:a16="http://schemas.microsoft.com/office/drawing/2014/main" id="{2F00E685-236E-72A4-B986-9FAE9261022A}"/>
-              </a:ext>
-            </a:extLst>
-          </p:cNvPr>
-          <p:cNvSpPr txBox="1"/>
-          <p:nvPr/>
-        </p:nvSpPr>
-        <p:spPr>
-          <a:xfrm>
-            <a:off x="299880" y="196684"/>
-            <a:ext cx="9979584" cy="446276"/>
-          </a:xfrm>
-          <a:prstGeom prst="rect">
-            <a:avLst/>
-          </a:prstGeom>
-          <a:noFill/>
-        </p:spPr>
-        <p:txBody>
-          <a:bodyPr wrap="square" rtlCol="0">
-            <a:spAutoFit/>
-          </a:bodyPr>
-          <a:lstStyle/>
-          <a:p>
-            <a:r>
-              <a:rPr lang="en-US" sz="2300" dirty="0">
-                <a:solidFill>
-                  <a:schemeClr val="accent1">
-                    <a:lumMod val="50000"/>
-                  </a:schemeClr>
-                </a:solidFill>
-                <a:latin typeface="Georgia Pro" panose="020F0502020204030204" pitchFamily="18" charset="0"/>
-              </a:rPr>
-              <a:t>Dashboard 3: Details. Problem Statement</a:t>
-            </a:r>
-            <a:endParaRPr lang="en-IN" sz="2300" dirty="0">
-              <a:solidFill>
-                <a:schemeClr val="accent1">
-                  <a:lumMod val="50000"/>
-                </a:schemeClr>
-              </a:solidFill>
-              <a:latin typeface="Georgia Pro" panose="020F0502020204030204" pitchFamily="18" charset="0"/>
-            </a:endParaRPr>
-          </a:p>
-        </p:txBody>
-      </p:sp>
-    </p:spTree>
-    <p:extLst>
-      <p:ext uri="{BB962C8B-B14F-4D97-AF65-F5344CB8AC3E}">
-        <p14:creationId xmlns:p14="http://schemas.microsoft.com/office/powerpoint/2010/main" val="1515277213"/>
-      </p:ext>
-    </p:extLst>
-  </p:cSld>
-  <p:clrMapOvr>
-    <a:masterClrMapping/>
-  </p:clrMapOvr>
-</p:sld>
-</file>
-
-<file path=ppt/slides/slide13.xml><?xml version="1.0" encoding="utf-8"?>
-<p:sld xmlns:a="http://schemas.openxmlformats.org/drawingml/2006/main" xmlns:r="http://schemas.openxmlformats.org/officeDocument/2006/relationships" xmlns:p="http://schemas.openxmlformats.org/presentationml/2006/main">
-  <p:cSld>
-    <p:spTree>
-      <p:nvGrpSpPr>
-        <p:cNvPr id="1" name=""/>
-        <p:cNvGrpSpPr/>
-        <p:nvPr/>
-      </p:nvGrpSpPr>
-      <p:grpSpPr>
-        <a:xfrm>
-          <a:off x="0" y="0"/>
-          <a:ext cx="0" cy="0"/>
-          <a:chOff x="0" y="0"/>
-          <a:chExt cx="0" cy="0"/>
-        </a:xfrm>
-      </p:grpSpPr>
-      <p:cxnSp>
-        <p:nvCxnSpPr>
-          <p:cNvPr id="4" name="Straight Connector 3">
-            <a:extLst>
-              <a:ext uri="{FF2B5EF4-FFF2-40B4-BE49-F238E27FC236}">
-                <a16:creationId xmlns:a16="http://schemas.microsoft.com/office/drawing/2014/main" id="{2D5AE59F-CB3E-3DF5-5AA4-447172567935}"/>
-              </a:ext>
-            </a:extLst>
-          </p:cNvPr>
-          <p:cNvCxnSpPr/>
-          <p:nvPr/>
-        </p:nvCxnSpPr>
-        <p:spPr>
-          <a:xfrm>
-            <a:off x="422787" y="688259"/>
-            <a:ext cx="11346426" cy="0"/>
-          </a:xfrm>
-          <a:prstGeom prst="line">
-            <a:avLst/>
-          </a:prstGeom>
-        </p:spPr>
-        <p:style>
-          <a:lnRef idx="2">
-            <a:schemeClr val="accent1"/>
-          </a:lnRef>
-          <a:fillRef idx="0">
-            <a:schemeClr val="accent1"/>
-          </a:fillRef>
-          <a:effectRef idx="1">
-            <a:schemeClr val="accent1"/>
-          </a:effectRef>
-          <a:fontRef idx="minor">
-            <a:schemeClr val="tx1"/>
-          </a:fontRef>
-        </p:style>
-      </p:cxnSp>
-      <p:sp>
-        <p:nvSpPr>
-          <p:cNvPr id="7" name="TextBox 6">
-            <a:extLst>
-              <a:ext uri="{FF2B5EF4-FFF2-40B4-BE49-F238E27FC236}">
-                <a16:creationId xmlns:a16="http://schemas.microsoft.com/office/drawing/2014/main" id="{5D2F04BA-F0B8-E665-5C79-E01ED1505A9B}"/>
-              </a:ext>
-            </a:extLst>
-          </p:cNvPr>
-          <p:cNvSpPr txBox="1"/>
-          <p:nvPr/>
-        </p:nvSpPr>
-        <p:spPr>
-          <a:xfrm>
-            <a:off x="299880" y="196684"/>
-            <a:ext cx="9979584" cy="446276"/>
-          </a:xfrm>
-          <a:prstGeom prst="rect">
-            <a:avLst/>
-          </a:prstGeom>
-          <a:noFill/>
-        </p:spPr>
-        <p:txBody>
-          <a:bodyPr wrap="square" rtlCol="0">
-            <a:spAutoFit/>
-          </a:bodyPr>
-          <a:lstStyle/>
-          <a:p>
-            <a:r>
-              <a:rPr lang="en-US" sz="2300" dirty="0">
-                <a:solidFill>
-                  <a:schemeClr val="accent1">
-                    <a:lumMod val="50000"/>
-                  </a:schemeClr>
-                </a:solidFill>
-                <a:latin typeface="Georgia Pro" panose="020F0502020204030204" pitchFamily="18" charset="0"/>
-              </a:rPr>
-              <a:t>Dashboard 3: Details</a:t>
-            </a:r>
-            <a:endParaRPr lang="en-IN" sz="2300" dirty="0">
-              <a:solidFill>
-                <a:schemeClr val="accent1">
-                  <a:lumMod val="50000"/>
-                </a:schemeClr>
-              </a:solidFill>
-              <a:latin typeface="Georgia Pro" panose="020F0502020204030204" pitchFamily="18" charset="0"/>
-            </a:endParaRPr>
-          </a:p>
-        </p:txBody>
-      </p:sp>
-      <p:sp>
-        <p:nvSpPr>
-          <p:cNvPr id="12" name="TextBox 11">
-            <a:extLst>
-              <a:ext uri="{FF2B5EF4-FFF2-40B4-BE49-F238E27FC236}">
-                <a16:creationId xmlns:a16="http://schemas.microsoft.com/office/drawing/2014/main" id="{5ABFA060-8C91-AA45-26B5-DCB7CBFC65CE}"/>
-              </a:ext>
-            </a:extLst>
-          </p:cNvPr>
-          <p:cNvSpPr txBox="1"/>
-          <p:nvPr/>
-        </p:nvSpPr>
-        <p:spPr>
-          <a:xfrm>
-            <a:off x="299879" y="825717"/>
-            <a:ext cx="11469334" cy="261610"/>
-          </a:xfrm>
-          <a:prstGeom prst="rect">
-            <a:avLst/>
-          </a:prstGeom>
-          <a:noFill/>
-        </p:spPr>
-        <p:txBody>
-          <a:bodyPr wrap="square" rtlCol="0">
-            <a:spAutoFit/>
-          </a:bodyPr>
-          <a:lstStyle/>
-          <a:p>
-            <a:pPr marL="171450" indent="-171450">
-              <a:buFont typeface="Arial" panose="020B0604020202020204" pitchFamily="34" charset="0"/>
-              <a:buChar char="•"/>
-            </a:pPr>
-            <a:r>
-              <a:rPr lang="en-IN" sz="1100" kern="100" dirty="0">
-                <a:latin typeface="Calibri" panose="020F0502020204030204" pitchFamily="34" charset="0"/>
-                <a:ea typeface="Calibri" panose="020F0502020204030204" pitchFamily="34" charset="0"/>
-                <a:cs typeface="Times New Roman" panose="02020603050405020304" pitchFamily="18" charset="0"/>
-              </a:rPr>
-              <a:t>This dashboard has 22 Measures, 1 Field Parameter, 1 table and 1 group. Click </a:t>
-            </a:r>
-            <a:r>
-              <a:rPr lang="en-IN" sz="1100" kern="100" dirty="0">
-                <a:latin typeface="Calibri" panose="020F0502020204030204" pitchFamily="34" charset="0"/>
-                <a:ea typeface="Calibri" panose="020F0502020204030204" pitchFamily="34" charset="0"/>
-                <a:cs typeface="Times New Roman" panose="02020603050405020304" pitchFamily="18" charset="0"/>
-                <a:hlinkClick r:id="rId2"/>
-              </a:rPr>
-              <a:t>here</a:t>
-            </a:r>
-            <a:r>
-              <a:rPr lang="en-IN" sz="1100" kern="100" dirty="0">
-                <a:latin typeface="Calibri" panose="020F0502020204030204" pitchFamily="34" charset="0"/>
-                <a:ea typeface="Calibri" panose="020F0502020204030204" pitchFamily="34" charset="0"/>
-                <a:cs typeface="Times New Roman" panose="02020603050405020304" pitchFamily="18" charset="0"/>
-              </a:rPr>
-              <a:t> to download the DAX queries to generate the mentioned features.</a:t>
-            </a:r>
-          </a:p>
-        </p:txBody>
-      </p:sp>
-      <p:pic>
-        <p:nvPicPr>
-          <p:cNvPr id="6" name="Picture 5" descr="A screenshot of a computer screen&#10;&#10;Description automatically generated">
-            <a:extLst>
-              <a:ext uri="{FF2B5EF4-FFF2-40B4-BE49-F238E27FC236}">
-                <a16:creationId xmlns:a16="http://schemas.microsoft.com/office/drawing/2014/main" id="{4C14B61F-805A-A112-EF4D-EE6736BCA41A}"/>
-              </a:ext>
-            </a:extLst>
-          </p:cNvPr>
-          <p:cNvPicPr>
-            <a:picLocks noChangeAspect="1"/>
-          </p:cNvPicPr>
-          <p:nvPr/>
-        </p:nvPicPr>
-        <p:blipFill>
-          <a:blip r:embed="rId3">
-            <a:extLst>
-              <a:ext uri="{28A0092B-C50C-407E-A947-70E740481C1C}">
-                <a14:useLocalDpi xmlns:a14="http://schemas.microsoft.com/office/drawing/2010/main" val="0"/>
-              </a:ext>
-            </a:extLst>
-          </a:blip>
-          <a:stretch>
-            <a:fillRect/>
-          </a:stretch>
-        </p:blipFill>
-        <p:spPr>
-          <a:xfrm>
-            <a:off x="1128392" y="1270084"/>
-            <a:ext cx="9935216" cy="5531087"/>
-          </a:xfrm>
-          <a:prstGeom prst="rect">
-            <a:avLst/>
-          </a:prstGeom>
-        </p:spPr>
-      </p:pic>
-    </p:spTree>
-    <p:extLst>
-      <p:ext uri="{BB962C8B-B14F-4D97-AF65-F5344CB8AC3E}">
-        <p14:creationId xmlns:p14="http://schemas.microsoft.com/office/powerpoint/2010/main" val="3464544018"/>
-      </p:ext>
-    </p:extLst>
-  </p:cSld>
-  <p:clrMapOvr>
-    <a:masterClrMapping/>
-  </p:clrMapOvr>
-</p:sld>
-</file>
-
-<file path=ppt/slides/slide14.xml><?xml version="1.0" encoding="utf-8"?>
-<p:sld xmlns:a="http://schemas.openxmlformats.org/drawingml/2006/main" xmlns:r="http://schemas.openxmlformats.org/officeDocument/2006/relationships" xmlns:p="http://schemas.openxmlformats.org/presentationml/2006/main">
-  <p:cSld>
-    <p:spTree>
-      <p:nvGrpSpPr>
-        <p:cNvPr id="1" name=""/>
-        <p:cNvGrpSpPr/>
-        <p:nvPr/>
-      </p:nvGrpSpPr>
-      <p:grpSpPr>
-        <a:xfrm>
-          <a:off x="0" y="0"/>
-          <a:ext cx="0" cy="0"/>
-          <a:chOff x="0" y="0"/>
-          <a:chExt cx="0" cy="0"/>
-        </a:xfrm>
-      </p:grpSpPr>
-      <p:cxnSp>
-        <p:nvCxnSpPr>
-          <p:cNvPr id="4" name="Straight Connector 3">
-            <a:extLst>
-              <a:ext uri="{FF2B5EF4-FFF2-40B4-BE49-F238E27FC236}">
-                <a16:creationId xmlns:a16="http://schemas.microsoft.com/office/drawing/2014/main" id="{FEC7D071-925A-A25D-E05E-32C77ACDD222}"/>
-              </a:ext>
-            </a:extLst>
-          </p:cNvPr>
-          <p:cNvCxnSpPr/>
-          <p:nvPr/>
-        </p:nvCxnSpPr>
-        <p:spPr>
-          <a:xfrm>
-            <a:off x="422787" y="688259"/>
-            <a:ext cx="11346426" cy="0"/>
-          </a:xfrm>
-          <a:prstGeom prst="line">
-            <a:avLst/>
-          </a:prstGeom>
-        </p:spPr>
-        <p:style>
-          <a:lnRef idx="2">
-            <a:schemeClr val="accent1"/>
-          </a:lnRef>
-          <a:fillRef idx="0">
-            <a:schemeClr val="accent1"/>
-          </a:fillRef>
-          <a:effectRef idx="1">
-            <a:schemeClr val="accent1"/>
-          </a:effectRef>
-          <a:fontRef idx="minor">
-            <a:schemeClr val="tx1"/>
-          </a:fontRef>
-        </p:style>
-      </p:cxnSp>
-      <p:sp>
-        <p:nvSpPr>
-          <p:cNvPr id="5" name="TextBox 4">
-            <a:extLst>
-              <a:ext uri="{FF2B5EF4-FFF2-40B4-BE49-F238E27FC236}">
-                <a16:creationId xmlns:a16="http://schemas.microsoft.com/office/drawing/2014/main" id="{3F4FBE9D-3AEF-DE1B-64C1-120BA77CD7A8}"/>
-              </a:ext>
-            </a:extLst>
-          </p:cNvPr>
-          <p:cNvSpPr txBox="1"/>
-          <p:nvPr/>
-        </p:nvSpPr>
-        <p:spPr>
-          <a:xfrm>
-            <a:off x="299880" y="196684"/>
-            <a:ext cx="9979584" cy="446276"/>
-          </a:xfrm>
-          <a:prstGeom prst="rect">
-            <a:avLst/>
-          </a:prstGeom>
-          <a:noFill/>
-        </p:spPr>
-        <p:txBody>
-          <a:bodyPr wrap="square" rtlCol="0">
-            <a:spAutoFit/>
-          </a:bodyPr>
-          <a:lstStyle/>
-          <a:p>
-            <a:r>
-              <a:rPr lang="en-US" sz="2300" dirty="0">
-                <a:solidFill>
-                  <a:schemeClr val="accent1">
-                    <a:lumMod val="50000"/>
-                  </a:schemeClr>
-                </a:solidFill>
-                <a:latin typeface="Georgia Pro" panose="020F0502020204030204" pitchFamily="18" charset="0"/>
-              </a:rPr>
-              <a:t>Key Findings</a:t>
-            </a:r>
-            <a:endParaRPr lang="en-IN" sz="2300" dirty="0">
-              <a:solidFill>
-                <a:schemeClr val="accent1">
-                  <a:lumMod val="50000"/>
-                </a:schemeClr>
-              </a:solidFill>
-              <a:latin typeface="Georgia Pro" panose="020F0502020204030204" pitchFamily="18" charset="0"/>
-            </a:endParaRPr>
-          </a:p>
-        </p:txBody>
-      </p:sp>
-      <p:graphicFrame>
-        <p:nvGraphicFramePr>
-          <p:cNvPr id="10" name="Content Placeholder 9">
-            <a:extLst>
-              <a:ext uri="{FF2B5EF4-FFF2-40B4-BE49-F238E27FC236}">
-                <a16:creationId xmlns:a16="http://schemas.microsoft.com/office/drawing/2014/main" id="{EA85BCAF-DCD3-FBCB-BFF3-98E6AE3FF0BB}"/>
-              </a:ext>
-            </a:extLst>
-          </p:cNvPr>
-          <p:cNvGraphicFramePr>
-            <a:graphicFrameLocks noGrp="1"/>
-          </p:cNvGraphicFramePr>
-          <p:nvPr>
-            <p:ph idx="1"/>
-            <p:extLst>
-              <p:ext uri="{D42A27DB-BD31-4B8C-83A1-F6EECF244321}">
-                <p14:modId xmlns:p14="http://schemas.microsoft.com/office/powerpoint/2010/main" val="1567192060"/>
-              </p:ext>
-            </p:extLst>
-          </p:nvPr>
-        </p:nvGraphicFramePr>
-        <p:xfrm>
-          <a:off x="422787" y="763719"/>
-          <a:ext cx="11469333" cy="6004700"/>
-        </p:xfrm>
-        <a:graphic>
-          <a:graphicData uri="http://schemas.openxmlformats.org/drawingml/2006/diagram">
-            <dgm:relIds xmlns:dgm="http://schemas.openxmlformats.org/drawingml/2006/diagram" xmlns:r="http://schemas.openxmlformats.org/officeDocument/2006/relationships" r:dm="rId2" r:lo="rId3" r:qs="rId4" r:cs="rId5"/>
-          </a:graphicData>
-        </a:graphic>
-      </p:graphicFrame>
-    </p:spTree>
-    <p:extLst>
-      <p:ext uri="{BB962C8B-B14F-4D97-AF65-F5344CB8AC3E}">
-        <p14:creationId xmlns:p14="http://schemas.microsoft.com/office/powerpoint/2010/main" val="716571377"/>
-      </p:ext>
-    </p:extLst>
-  </p:cSld>
-  <p:clrMapOvr>
-    <a:masterClrMapping/>
-  </p:clrMapOvr>
-</p:sld>
-</file>
-
-<file path=ppt/slides/slide15.xml><?xml version="1.0" encoding="utf-8"?>
-<p:sld xmlns:a="http://schemas.openxmlformats.org/drawingml/2006/main" xmlns:r="http://schemas.openxmlformats.org/officeDocument/2006/relationships" xmlns:p="http://schemas.openxmlformats.org/presentationml/2006/main">
-  <p:cSld>
-    <p:spTree>
-      <p:nvGrpSpPr>
-        <p:cNvPr id="1" name=""/>
-        <p:cNvGrpSpPr/>
-        <p:nvPr/>
-      </p:nvGrpSpPr>
-      <p:grpSpPr>
-        <a:xfrm>
-          <a:off x="0" y="0"/>
-          <a:ext cx="0" cy="0"/>
-          <a:chOff x="0" y="0"/>
-          <a:chExt cx="0" cy="0"/>
-        </a:xfrm>
-      </p:grpSpPr>
-      <p:cxnSp>
-        <p:nvCxnSpPr>
-          <p:cNvPr id="4" name="Straight Connector 3">
-            <a:extLst>
-              <a:ext uri="{FF2B5EF4-FFF2-40B4-BE49-F238E27FC236}">
-                <a16:creationId xmlns:a16="http://schemas.microsoft.com/office/drawing/2014/main" id="{FEC7D071-925A-A25D-E05E-32C77ACDD222}"/>
-              </a:ext>
-            </a:extLst>
-          </p:cNvPr>
-          <p:cNvCxnSpPr/>
-          <p:nvPr/>
-        </p:nvCxnSpPr>
-        <p:spPr>
-          <a:xfrm>
-            <a:off x="422787" y="688259"/>
-            <a:ext cx="11346426" cy="0"/>
-          </a:xfrm>
-          <a:prstGeom prst="line">
-            <a:avLst/>
-          </a:prstGeom>
-        </p:spPr>
-        <p:style>
-          <a:lnRef idx="2">
-            <a:schemeClr val="accent1"/>
-          </a:lnRef>
-          <a:fillRef idx="0">
-            <a:schemeClr val="accent1"/>
-          </a:fillRef>
-          <a:effectRef idx="1">
-            <a:schemeClr val="accent1"/>
-          </a:effectRef>
-          <a:fontRef idx="minor">
-            <a:schemeClr val="tx1"/>
-          </a:fontRef>
-        </p:style>
-      </p:cxnSp>
-      <p:graphicFrame>
-        <p:nvGraphicFramePr>
-          <p:cNvPr id="3" name="Content Placeholder 2">
-            <a:extLst>
-              <a:ext uri="{FF2B5EF4-FFF2-40B4-BE49-F238E27FC236}">
-                <a16:creationId xmlns:a16="http://schemas.microsoft.com/office/drawing/2014/main" id="{76D75D09-15CD-1073-28AB-4C4EBDA749C7}"/>
-              </a:ext>
-            </a:extLst>
-          </p:cNvPr>
-          <p:cNvGraphicFramePr>
-            <a:graphicFrameLocks noGrp="1"/>
-          </p:cNvGraphicFramePr>
-          <p:nvPr>
-            <p:ph idx="1"/>
-            <p:extLst>
-              <p:ext uri="{D42A27DB-BD31-4B8C-83A1-F6EECF244321}">
-                <p14:modId xmlns:p14="http://schemas.microsoft.com/office/powerpoint/2010/main" val="574275047"/>
-              </p:ext>
-            </p:extLst>
-          </p:nvPr>
-        </p:nvGraphicFramePr>
-        <p:xfrm>
-          <a:off x="422787" y="763719"/>
-          <a:ext cx="11469334" cy="3879879"/>
-        </p:xfrm>
-        <a:graphic>
-          <a:graphicData uri="http://schemas.openxmlformats.org/drawingml/2006/diagram">
-            <dgm:relIds xmlns:dgm="http://schemas.openxmlformats.org/drawingml/2006/diagram" xmlns:r="http://schemas.openxmlformats.org/officeDocument/2006/relationships" r:dm="rId2" r:lo="rId3" r:qs="rId4" r:cs="rId5"/>
-          </a:graphicData>
-        </a:graphic>
-      </p:graphicFrame>
-      <p:sp>
-        <p:nvSpPr>
-          <p:cNvPr id="2" name="TextBox 1">
-            <a:extLst>
-              <a:ext uri="{FF2B5EF4-FFF2-40B4-BE49-F238E27FC236}">
-                <a16:creationId xmlns:a16="http://schemas.microsoft.com/office/drawing/2014/main" id="{2F00E685-236E-72A4-B986-9FAE9261022A}"/>
-              </a:ext>
-            </a:extLst>
-          </p:cNvPr>
-          <p:cNvSpPr txBox="1"/>
-          <p:nvPr/>
-        </p:nvSpPr>
-        <p:spPr>
-          <a:xfrm>
-            <a:off x="299880" y="196684"/>
-            <a:ext cx="9979584" cy="446276"/>
-          </a:xfrm>
-          <a:prstGeom prst="rect">
-            <a:avLst/>
-          </a:prstGeom>
-          <a:noFill/>
-        </p:spPr>
-        <p:txBody>
-          <a:bodyPr wrap="square" rtlCol="0">
-            <a:spAutoFit/>
-          </a:bodyPr>
-          <a:lstStyle/>
-          <a:p>
-            <a:r>
-              <a:rPr lang="en-US" sz="2300" dirty="0">
-                <a:solidFill>
-                  <a:schemeClr val="accent1">
-                    <a:lumMod val="50000"/>
-                  </a:schemeClr>
-                </a:solidFill>
-                <a:latin typeface="Georgia Pro" panose="020F0502020204030204" pitchFamily="18" charset="0"/>
-              </a:rPr>
-              <a:t>Key Findings continued..</a:t>
-            </a:r>
-            <a:endParaRPr lang="en-IN" sz="2300" dirty="0">
-              <a:solidFill>
-                <a:schemeClr val="accent1">
-                  <a:lumMod val="50000"/>
-                </a:schemeClr>
-              </a:solidFill>
-              <a:latin typeface="Georgia Pro" panose="020F0502020204030204" pitchFamily="18" charset="0"/>
-            </a:endParaRPr>
-          </a:p>
-        </p:txBody>
-      </p:sp>
-    </p:spTree>
-    <p:extLst>
-      <p:ext uri="{BB962C8B-B14F-4D97-AF65-F5344CB8AC3E}">
-        <p14:creationId xmlns:p14="http://schemas.microsoft.com/office/powerpoint/2010/main" val="818485776"/>
-      </p:ext>
-    </p:extLst>
-  </p:cSld>
-  <p:clrMapOvr>
-    <a:masterClrMapping/>
-  </p:clrMapOvr>
-</p:sld>
-</file>
-
-<file path=ppt/slides/slide16.xml><?xml version="1.0" encoding="utf-8"?>
-<p:sld xmlns:a="http://schemas.openxmlformats.org/drawingml/2006/main" xmlns:r="http://schemas.openxmlformats.org/officeDocument/2006/relationships" xmlns:p="http://schemas.openxmlformats.org/presentationml/2006/main">
-  <p:cSld>
-    <p:spTree>
-      <p:nvGrpSpPr>
-        <p:cNvPr id="1" name=""/>
-        <p:cNvGrpSpPr/>
-        <p:nvPr/>
-      </p:nvGrpSpPr>
-      <p:grpSpPr>
-        <a:xfrm>
-          <a:off x="0" y="0"/>
-          <a:ext cx="0" cy="0"/>
-          <a:chOff x="0" y="0"/>
-          <a:chExt cx="0" cy="0"/>
-        </a:xfrm>
-      </p:grpSpPr>
-      <p:cxnSp>
-        <p:nvCxnSpPr>
-          <p:cNvPr id="4" name="Straight Connector 3">
-            <a:extLst>
-              <a:ext uri="{FF2B5EF4-FFF2-40B4-BE49-F238E27FC236}">
-                <a16:creationId xmlns:a16="http://schemas.microsoft.com/office/drawing/2014/main" id="{FEC7D071-925A-A25D-E05E-32C77ACDD222}"/>
-              </a:ext>
-            </a:extLst>
-          </p:cNvPr>
-          <p:cNvCxnSpPr/>
-          <p:nvPr/>
-        </p:nvCxnSpPr>
-        <p:spPr>
-          <a:xfrm>
-            <a:off x="422787" y="688259"/>
-            <a:ext cx="11346426" cy="0"/>
-          </a:xfrm>
-          <a:prstGeom prst="line">
-            <a:avLst/>
-          </a:prstGeom>
-        </p:spPr>
-        <p:style>
-          <a:lnRef idx="2">
-            <a:schemeClr val="accent1"/>
-          </a:lnRef>
-          <a:fillRef idx="0">
-            <a:schemeClr val="accent1"/>
-          </a:fillRef>
-          <a:effectRef idx="1">
-            <a:schemeClr val="accent1"/>
-          </a:effectRef>
-          <a:fontRef idx="minor">
-            <a:schemeClr val="tx1"/>
-          </a:fontRef>
-        </p:style>
-      </p:cxnSp>
-      <p:graphicFrame>
-        <p:nvGraphicFramePr>
-          <p:cNvPr id="3" name="Content Placeholder 2">
-            <a:extLst>
-              <a:ext uri="{FF2B5EF4-FFF2-40B4-BE49-F238E27FC236}">
-                <a16:creationId xmlns:a16="http://schemas.microsoft.com/office/drawing/2014/main" id="{EA354DE1-D958-9C3D-5FB6-1A6EAC9E8692}"/>
-              </a:ext>
-            </a:extLst>
-          </p:cNvPr>
-          <p:cNvGraphicFramePr>
-            <a:graphicFrameLocks noGrp="1"/>
-          </p:cNvGraphicFramePr>
-          <p:nvPr>
-            <p:ph idx="1"/>
-            <p:extLst>
-              <p:ext uri="{D42A27DB-BD31-4B8C-83A1-F6EECF244321}">
-                <p14:modId xmlns:p14="http://schemas.microsoft.com/office/powerpoint/2010/main" val="2479699723"/>
-              </p:ext>
-            </p:extLst>
-          </p:nvPr>
-        </p:nvGraphicFramePr>
-        <p:xfrm>
-          <a:off x="422787" y="763719"/>
-          <a:ext cx="11469334" cy="5933186"/>
-        </p:xfrm>
-        <a:graphic>
-          <a:graphicData uri="http://schemas.openxmlformats.org/drawingml/2006/diagram">
-            <dgm:relIds xmlns:dgm="http://schemas.openxmlformats.org/drawingml/2006/diagram" xmlns:r="http://schemas.openxmlformats.org/officeDocument/2006/relationships" r:dm="rId2" r:lo="rId3" r:qs="rId4" r:cs="rId5"/>
-          </a:graphicData>
-        </a:graphic>
-      </p:graphicFrame>
-      <p:sp>
-        <p:nvSpPr>
-          <p:cNvPr id="2" name="TextBox 1">
-            <a:extLst>
-              <a:ext uri="{FF2B5EF4-FFF2-40B4-BE49-F238E27FC236}">
-                <a16:creationId xmlns:a16="http://schemas.microsoft.com/office/drawing/2014/main" id="{2F00E685-236E-72A4-B986-9FAE9261022A}"/>
-              </a:ext>
-            </a:extLst>
-          </p:cNvPr>
-          <p:cNvSpPr txBox="1"/>
-          <p:nvPr/>
-        </p:nvSpPr>
-        <p:spPr>
-          <a:xfrm>
-            <a:off x="299879" y="103484"/>
-            <a:ext cx="11892121" cy="584775"/>
-          </a:xfrm>
-          <a:prstGeom prst="rect">
-            <a:avLst/>
-          </a:prstGeom>
-          <a:noFill/>
-        </p:spPr>
-        <p:txBody>
-          <a:bodyPr wrap="square" rtlCol="0">
-            <a:spAutoFit/>
-          </a:bodyPr>
-          <a:lstStyle/>
-          <a:p>
-            <a:r>
-              <a:rPr lang="en-US" sz="2300" dirty="0">
-                <a:solidFill>
-                  <a:schemeClr val="accent1">
-                    <a:lumMod val="50000"/>
-                  </a:schemeClr>
-                </a:solidFill>
-                <a:latin typeface="Georgia Pro" panose="020F0502020204030204" pitchFamily="18" charset="0"/>
-              </a:rPr>
-              <a:t>Action Items</a:t>
-            </a:r>
-            <a:r>
-              <a:rPr lang="en-US" sz="2300" dirty="0">
-                <a:solidFill>
-                  <a:schemeClr val="accent1">
-                    <a:lumMod val="75000"/>
-                  </a:schemeClr>
-                </a:solidFill>
-                <a:latin typeface="Georgia Pro" panose="020F0502020204030204" pitchFamily="18" charset="0"/>
-              </a:rPr>
-              <a:t> </a:t>
-            </a:r>
-            <a:r>
-              <a:rPr lang="en-US" sz="3200" b="1" dirty="0">
-                <a:solidFill>
-                  <a:schemeClr val="accent2">
-                    <a:lumMod val="75000"/>
-                  </a:schemeClr>
-                </a:solidFill>
-              </a:rPr>
-              <a:t>TO CREATE BUSINESS IMPACT </a:t>
-            </a:r>
-            <a:r>
-              <a:rPr lang="en-US" sz="2300" dirty="0">
-                <a:solidFill>
-                  <a:schemeClr val="accent1">
-                    <a:lumMod val="50000"/>
-                  </a:schemeClr>
-                </a:solidFill>
-                <a:latin typeface="Georgia Pro" panose="020F0502020204030204" pitchFamily="18" charset="0"/>
-              </a:rPr>
-              <a:t>based on the Bank Loan Data Analysis</a:t>
-            </a:r>
-            <a:endParaRPr lang="en-IN" sz="2300" dirty="0">
-              <a:solidFill>
-                <a:schemeClr val="accent1">
-                  <a:lumMod val="50000"/>
-                </a:schemeClr>
-              </a:solidFill>
-              <a:latin typeface="Georgia Pro" panose="020F0502020204030204" pitchFamily="18" charset="0"/>
-            </a:endParaRPr>
-          </a:p>
-        </p:txBody>
-      </p:sp>
-    </p:spTree>
-    <p:extLst>
-      <p:ext uri="{BB962C8B-B14F-4D97-AF65-F5344CB8AC3E}">
-        <p14:creationId xmlns:p14="http://schemas.microsoft.com/office/powerpoint/2010/main" val="773744092"/>
-      </p:ext>
-    </p:extLst>
-  </p:cSld>
-  <p:clrMapOvr>
-    <a:masterClrMapping/>
-  </p:clrMapOvr>
-</p:sld>
-</file>
-
-<file path=ppt/slides/slide17.xml><?xml version="1.0" encoding="utf-8"?>
-<p:sld xmlns:a="http://schemas.openxmlformats.org/drawingml/2006/main" xmlns:r="http://schemas.openxmlformats.org/officeDocument/2006/relationships" xmlns:p="http://schemas.openxmlformats.org/presentationml/2006/main">
-  <p:cSld>
-    <p:spTree>
-      <p:nvGrpSpPr>
-        <p:cNvPr id="1" name=""/>
-        <p:cNvGrpSpPr/>
-        <p:nvPr/>
-      </p:nvGrpSpPr>
-      <p:grpSpPr>
-        <a:xfrm>
-          <a:off x="0" y="0"/>
-          <a:ext cx="0" cy="0"/>
-          <a:chOff x="0" y="0"/>
-          <a:chExt cx="0" cy="0"/>
-        </a:xfrm>
-      </p:grpSpPr>
-      <p:cxnSp>
-        <p:nvCxnSpPr>
-          <p:cNvPr id="4" name="Straight Connector 3">
-            <a:extLst>
-              <a:ext uri="{FF2B5EF4-FFF2-40B4-BE49-F238E27FC236}">
-                <a16:creationId xmlns:a16="http://schemas.microsoft.com/office/drawing/2014/main" id="{FEC7D071-925A-A25D-E05E-32C77ACDD222}"/>
-              </a:ext>
-            </a:extLst>
-          </p:cNvPr>
-          <p:cNvCxnSpPr/>
-          <p:nvPr/>
-        </p:nvCxnSpPr>
-        <p:spPr>
-          <a:xfrm>
-            <a:off x="422787" y="688259"/>
-            <a:ext cx="11346426" cy="0"/>
-          </a:xfrm>
-          <a:prstGeom prst="line">
-            <a:avLst/>
-          </a:prstGeom>
-        </p:spPr>
-        <p:style>
-          <a:lnRef idx="2">
-            <a:schemeClr val="accent1"/>
-          </a:lnRef>
-          <a:fillRef idx="0">
-            <a:schemeClr val="accent1"/>
-          </a:fillRef>
-          <a:effectRef idx="1">
-            <a:schemeClr val="accent1"/>
-          </a:effectRef>
-          <a:fontRef idx="minor">
-            <a:schemeClr val="tx1"/>
-          </a:fontRef>
-        </p:style>
-      </p:cxnSp>
-      <p:sp>
-        <p:nvSpPr>
-          <p:cNvPr id="2" name="TextBox 1">
-            <a:extLst>
-              <a:ext uri="{FF2B5EF4-FFF2-40B4-BE49-F238E27FC236}">
-                <a16:creationId xmlns:a16="http://schemas.microsoft.com/office/drawing/2014/main" id="{2F00E685-236E-72A4-B986-9FAE9261022A}"/>
-              </a:ext>
-            </a:extLst>
-          </p:cNvPr>
-          <p:cNvSpPr txBox="1"/>
-          <p:nvPr/>
-        </p:nvSpPr>
-        <p:spPr>
-          <a:xfrm>
-            <a:off x="299880" y="196684"/>
-            <a:ext cx="9979584" cy="446276"/>
-          </a:xfrm>
-          <a:prstGeom prst="rect">
-            <a:avLst/>
-          </a:prstGeom>
-          <a:noFill/>
-        </p:spPr>
-        <p:txBody>
-          <a:bodyPr wrap="square" rtlCol="0">
-            <a:spAutoFit/>
-          </a:bodyPr>
-          <a:lstStyle/>
-          <a:p>
-            <a:r>
-              <a:rPr lang="en-US" sz="2300" dirty="0">
-                <a:solidFill>
-                  <a:schemeClr val="accent1">
-                    <a:lumMod val="50000"/>
-                  </a:schemeClr>
-                </a:solidFill>
-                <a:latin typeface="Georgia Pro" panose="020F0502020204030204" pitchFamily="18" charset="0"/>
-              </a:rPr>
-              <a:t>Conclusion</a:t>
-            </a:r>
-            <a:endParaRPr lang="en-IN" sz="2300" dirty="0">
-              <a:solidFill>
-                <a:schemeClr val="accent1">
-                  <a:lumMod val="50000"/>
-                </a:schemeClr>
-              </a:solidFill>
-              <a:latin typeface="Georgia Pro" panose="020F0502020204030204" pitchFamily="18" charset="0"/>
-            </a:endParaRPr>
-          </a:p>
-        </p:txBody>
-      </p:sp>
-      <p:sp>
-        <p:nvSpPr>
-          <p:cNvPr id="7" name="Content Placeholder 6">
-            <a:extLst>
-              <a:ext uri="{FF2B5EF4-FFF2-40B4-BE49-F238E27FC236}">
-                <a16:creationId xmlns:a16="http://schemas.microsoft.com/office/drawing/2014/main" id="{531E6270-E078-BD6F-49D4-80AD6E1EB91D}"/>
-              </a:ext>
-            </a:extLst>
-          </p:cNvPr>
-          <p:cNvSpPr>
-            <a:spLocks noGrp="1"/>
-          </p:cNvSpPr>
-          <p:nvPr>
-            <p:ph idx="1"/>
-          </p:nvPr>
-        </p:nvSpPr>
-        <p:spPr>
-          <a:xfrm>
-            <a:off x="299879" y="901393"/>
-            <a:ext cx="11469333" cy="4351338"/>
-          </a:xfrm>
-        </p:spPr>
-        <p:txBody>
-          <a:bodyPr>
-            <a:normAutofit/>
-          </a:bodyPr>
-          <a:lstStyle/>
-          <a:p>
-            <a:pPr>
-              <a:lnSpc>
-                <a:spcPct val="100000"/>
-              </a:lnSpc>
-              <a:buFont typeface="Arial" panose="020B0604020202020204" pitchFamily="34" charset="0"/>
-              <a:buChar char="•"/>
-            </a:pPr>
-            <a:r>
-              <a:rPr lang="en-US" sz="1200" b="1" dirty="0">
-                <a:solidFill>
-                  <a:schemeClr val="accent1">
-                    <a:lumMod val="75000"/>
-                  </a:schemeClr>
-                </a:solidFill>
-              </a:rPr>
-              <a:t>Comprehensive Analysis</a:t>
-            </a:r>
-            <a:r>
-              <a:rPr lang="en-US" sz="1200" dirty="0">
-                <a:solidFill>
-                  <a:schemeClr val="accent1">
-                    <a:lumMod val="75000"/>
-                  </a:schemeClr>
-                </a:solidFill>
-              </a:rPr>
-              <a:t>: </a:t>
-            </a:r>
-            <a:r>
-              <a:rPr lang="en-US" sz="1200" dirty="0"/>
-              <a:t>This project demonstrates the power of data analysis and visualization in providing a detailed understanding of the bank’s loan portfolio. By leveraging advanced analytical tools, the bank can gain valuable insights into loan performance and borrower behavior.</a:t>
-            </a:r>
-          </a:p>
-          <a:p>
-            <a:pPr>
-              <a:lnSpc>
-                <a:spcPct val="100000"/>
-              </a:lnSpc>
-              <a:buFont typeface="Arial" panose="020B0604020202020204" pitchFamily="34" charset="0"/>
-              <a:buChar char="•"/>
-            </a:pPr>
-            <a:r>
-              <a:rPr lang="en-US" sz="1200" b="1" dirty="0">
-                <a:solidFill>
-                  <a:schemeClr val="accent1">
-                    <a:lumMod val="75000"/>
-                  </a:schemeClr>
-                </a:solidFill>
-              </a:rPr>
-              <a:t>Informed Strategies</a:t>
-            </a:r>
-            <a:r>
-              <a:rPr lang="en-US" sz="1200" dirty="0">
-                <a:solidFill>
-                  <a:schemeClr val="accent1">
-                    <a:lumMod val="75000"/>
-                  </a:schemeClr>
-                </a:solidFill>
-              </a:rPr>
-              <a:t>: </a:t>
-            </a:r>
-            <a:r>
-              <a:rPr lang="en-US" sz="1200" dirty="0"/>
-              <a:t>The findings support strategic decision-making by identifying key trends, risks, and opportunities within the loan portfolio. This enables the bank to implement data-driven strategies that optimize lending practices, manage risks, and enhance overall operational efficiency.</a:t>
-            </a:r>
-          </a:p>
-          <a:p>
-            <a:pPr>
-              <a:lnSpc>
-                <a:spcPct val="100000"/>
-              </a:lnSpc>
-              <a:buFont typeface="Arial" panose="020B0604020202020204" pitchFamily="34" charset="0"/>
-              <a:buChar char="•"/>
-            </a:pPr>
-            <a:r>
-              <a:rPr lang="en-US" sz="1200" b="1" dirty="0">
-                <a:solidFill>
-                  <a:schemeClr val="accent1">
-                    <a:lumMod val="75000"/>
-                  </a:schemeClr>
-                </a:solidFill>
-              </a:rPr>
-              <a:t>Future Outlook</a:t>
-            </a:r>
-            <a:r>
-              <a:rPr lang="en-US" sz="1200" dirty="0">
-                <a:solidFill>
-                  <a:schemeClr val="accent1">
-                    <a:lumMod val="75000"/>
-                  </a:schemeClr>
-                </a:solidFill>
-              </a:rPr>
-              <a:t>: </a:t>
-            </a:r>
-            <a:r>
-              <a:rPr lang="en-US" sz="1200" dirty="0"/>
-              <a:t>Continuous monitoring and analysis are essential for maintaining a healthy loan portfolio. By integrating predictive analytics and machine learning models, the bank can further improve risk management and capitalize on growth opportunities.</a:t>
-            </a:r>
-          </a:p>
-          <a:p>
-            <a:pPr>
-              <a:lnSpc>
-                <a:spcPct val="100000"/>
-              </a:lnSpc>
-              <a:buFont typeface="Arial" panose="020B0604020202020204" pitchFamily="34" charset="0"/>
-              <a:buChar char="•"/>
-            </a:pPr>
-            <a:r>
-              <a:rPr lang="en-US" sz="1200" b="1" dirty="0">
-                <a:solidFill>
-                  <a:schemeClr val="accent1">
-                    <a:lumMod val="75000"/>
-                  </a:schemeClr>
-                </a:solidFill>
-              </a:rPr>
-              <a:t>Call to Action</a:t>
-            </a:r>
-            <a:r>
-              <a:rPr lang="en-US" sz="1200" dirty="0">
-                <a:solidFill>
-                  <a:schemeClr val="accent1">
-                    <a:lumMod val="75000"/>
-                  </a:schemeClr>
-                </a:solidFill>
-              </a:rPr>
-              <a:t>: </a:t>
-            </a:r>
-            <a:r>
-              <a:rPr lang="en-US" sz="1200" dirty="0"/>
-              <a:t>To sustain growth and maintain a competitive edge, it is crucial to invest in advanced analytical capabilities, embrace innovation, and stay attuned to market dynamics and customer needs.</a:t>
-            </a:r>
-          </a:p>
-          <a:p>
-            <a:pPr>
-              <a:lnSpc>
-                <a:spcPct val="100000"/>
-              </a:lnSpc>
-            </a:pPr>
-            <a:endParaRPr lang="en-US" sz="1200" b="1" dirty="0">
-              <a:solidFill>
-                <a:schemeClr val="accent1">
-                  <a:lumMod val="75000"/>
-                </a:schemeClr>
-              </a:solidFill>
-            </a:endParaRPr>
-          </a:p>
-          <a:p>
-            <a:pPr marL="0" indent="0">
-              <a:lnSpc>
-                <a:spcPct val="100000"/>
-              </a:lnSpc>
-              <a:buNone/>
-            </a:pPr>
-            <a:r>
-              <a:rPr lang="en-US" sz="1600" dirty="0">
-                <a:solidFill>
-                  <a:schemeClr val="accent1">
-                    <a:lumMod val="75000"/>
-                  </a:schemeClr>
-                </a:solidFill>
-                <a:latin typeface="Georgia Pro" panose="02040502050405020303" pitchFamily="18" charset="0"/>
-              </a:rPr>
-              <a:t>     </a:t>
-            </a:r>
-            <a:r>
-              <a:rPr lang="en-US" sz="2000" dirty="0">
-                <a:solidFill>
-                  <a:schemeClr val="accent1">
-                    <a:lumMod val="50000"/>
-                  </a:schemeClr>
-                </a:solidFill>
-                <a:latin typeface="Georgia Pro" panose="02040502050405020303" pitchFamily="18" charset="0"/>
-              </a:rPr>
-              <a:t>Final Thoughts</a:t>
-            </a:r>
-          </a:p>
-          <a:p>
-            <a:pPr>
-              <a:lnSpc>
-                <a:spcPct val="100000"/>
-              </a:lnSpc>
-              <a:buFont typeface="Arial" panose="020B0604020202020204" pitchFamily="34" charset="0"/>
-              <a:buChar char="•"/>
-            </a:pPr>
-            <a:r>
-              <a:rPr lang="en-US" sz="1200" dirty="0"/>
-              <a:t>This comprehensive analysis and the resulting insights underscore the importance of leveraging data-driven approaches to navigate the complexities of the financial landscape. By embracing these strategies, the bank can achieve sustainable growth, enhance customer satisfaction, and secure a robust financial future.</a:t>
-            </a:r>
-          </a:p>
-          <a:p>
-            <a:pPr>
-              <a:lnSpc>
-                <a:spcPct val="100000"/>
-              </a:lnSpc>
-            </a:pPr>
-            <a:endParaRPr lang="en-IN" sz="1200" dirty="0"/>
-          </a:p>
-        </p:txBody>
-      </p:sp>
-    </p:spTree>
-    <p:extLst>
-      <p:ext uri="{BB962C8B-B14F-4D97-AF65-F5344CB8AC3E}">
-        <p14:creationId xmlns:p14="http://schemas.microsoft.com/office/powerpoint/2010/main" val="3102374026"/>
-      </p:ext>
-    </p:extLst>
-  </p:cSld>
-  <p:clrMapOvr>
-    <a:masterClrMapping/>
-  </p:clrMapOvr>
-</p:sld>
-</file>
-
-<file path=ppt/slides/slide2.xml><?xml version="1.0" encoding="utf-8"?>
-<p:sld xmlns:a="http://schemas.openxmlformats.org/drawingml/2006/main" xmlns:r="http://schemas.openxmlformats.org/officeDocument/2006/relationships" xmlns:p="http://schemas.openxmlformats.org/presentationml/2006/main">
-  <p:cSld>
-    <p:spTree>
-      <p:nvGrpSpPr>
-        <p:cNvPr id="1" name=""/>
-        <p:cNvGrpSpPr/>
-        <p:nvPr/>
-      </p:nvGrpSpPr>
-      <p:grpSpPr>
-        <a:xfrm>
-          <a:off x="0" y="0"/>
-          <a:ext cx="0" cy="0"/>
-          <a:chOff x="0" y="0"/>
-          <a:chExt cx="0" cy="0"/>
-        </a:xfrm>
-      </p:grpSpPr>
-      <p:cxnSp>
-        <p:nvCxnSpPr>
-          <p:cNvPr id="4" name="Straight Connector 3">
-            <a:extLst>
-              <a:ext uri="{FF2B5EF4-FFF2-40B4-BE49-F238E27FC236}">
-                <a16:creationId xmlns:a16="http://schemas.microsoft.com/office/drawing/2014/main" id="{FEC7D071-925A-A25D-E05E-32C77ACDD222}"/>
-              </a:ext>
-            </a:extLst>
-          </p:cNvPr>
-          <p:cNvCxnSpPr/>
-          <p:nvPr/>
-        </p:nvCxnSpPr>
-        <p:spPr>
-          <a:xfrm>
-            <a:off x="422787" y="688259"/>
-            <a:ext cx="11346426" cy="0"/>
-          </a:xfrm>
-          <a:prstGeom prst="line">
-            <a:avLst/>
-          </a:prstGeom>
-        </p:spPr>
-        <p:style>
-          <a:lnRef idx="2">
-            <a:schemeClr val="accent1"/>
-          </a:lnRef>
-          <a:fillRef idx="0">
-            <a:schemeClr val="accent1"/>
-          </a:fillRef>
-          <a:effectRef idx="1">
-            <a:schemeClr val="accent1"/>
-          </a:effectRef>
-          <a:fontRef idx="minor">
-            <a:schemeClr val="tx1"/>
-          </a:fontRef>
-        </p:style>
-      </p:cxnSp>
-      <p:sp>
-        <p:nvSpPr>
-          <p:cNvPr id="5" name="TextBox 4">
-            <a:extLst>
-              <a:ext uri="{FF2B5EF4-FFF2-40B4-BE49-F238E27FC236}">
-                <a16:creationId xmlns:a16="http://schemas.microsoft.com/office/drawing/2014/main" id="{3F4FBE9D-3AEF-DE1B-64C1-120BA77CD7A8}"/>
-              </a:ext>
-            </a:extLst>
-          </p:cNvPr>
-          <p:cNvSpPr txBox="1"/>
-          <p:nvPr/>
-        </p:nvSpPr>
-        <p:spPr>
-          <a:xfrm>
-            <a:off x="299880" y="196684"/>
-            <a:ext cx="9979584" cy="446276"/>
-          </a:xfrm>
-          <a:prstGeom prst="rect">
-            <a:avLst/>
-          </a:prstGeom>
-          <a:noFill/>
-        </p:spPr>
-        <p:txBody>
-          <a:bodyPr wrap="square" rtlCol="0">
-            <a:spAutoFit/>
-          </a:bodyPr>
-          <a:lstStyle/>
-          <a:p>
-            <a:r>
-              <a:rPr lang="en-US" sz="2300" dirty="0">
-                <a:solidFill>
-                  <a:schemeClr val="accent1">
-                    <a:lumMod val="50000"/>
-                  </a:schemeClr>
-                </a:solidFill>
-                <a:latin typeface="Georgia Pro" panose="020F0502020204030204" pitchFamily="18" charset="0"/>
-              </a:rPr>
-              <a:t>Index</a:t>
-            </a:r>
-            <a:endParaRPr lang="en-IN" sz="2300" dirty="0">
-              <a:solidFill>
-                <a:schemeClr val="accent1">
-                  <a:lumMod val="50000"/>
-                </a:schemeClr>
-              </a:solidFill>
-              <a:latin typeface="Georgia Pro" panose="020F0502020204030204" pitchFamily="18" charset="0"/>
-            </a:endParaRPr>
-          </a:p>
-        </p:txBody>
-      </p:sp>
-      <p:sp>
-        <p:nvSpPr>
-          <p:cNvPr id="7" name="Content Placeholder 2">
-            <a:extLst>
-              <a:ext uri="{FF2B5EF4-FFF2-40B4-BE49-F238E27FC236}">
-                <a16:creationId xmlns:a16="http://schemas.microsoft.com/office/drawing/2014/main" id="{4F6E7C57-FDA4-0EA0-DD37-9A3F30183BCB}"/>
-              </a:ext>
-            </a:extLst>
-          </p:cNvPr>
-          <p:cNvSpPr>
-            <a:spLocks noGrp="1"/>
-          </p:cNvSpPr>
-          <p:nvPr>
-            <p:ph idx="1"/>
-          </p:nvPr>
-        </p:nvSpPr>
-        <p:spPr>
-          <a:xfrm>
-            <a:off x="299879" y="924813"/>
-            <a:ext cx="11469334" cy="5933186"/>
-          </a:xfrm>
-        </p:spPr>
-        <p:txBody>
-          <a:bodyPr>
-            <a:normAutofit/>
-          </a:bodyPr>
-          <a:lstStyle/>
-          <a:p>
-            <a:pPr marL="342900" indent="-342900">
-              <a:lnSpc>
-                <a:spcPct val="100000"/>
-              </a:lnSpc>
-              <a:buFont typeface="+mj-lt"/>
-              <a:buAutoNum type="arabicPeriod"/>
-            </a:pPr>
-            <a:r>
-              <a:rPr lang="en-IN" sz="1100" dirty="0">
-                <a:latin typeface="Georgia Pro" panose="02040502050405020303" pitchFamily="18" charset="0"/>
-              </a:rPr>
-              <a:t>Index</a:t>
-            </a:r>
-          </a:p>
-          <a:p>
-            <a:pPr marL="342900" indent="-342900">
-              <a:lnSpc>
-                <a:spcPct val="100000"/>
-              </a:lnSpc>
-              <a:buFont typeface="+mj-lt"/>
-              <a:buAutoNum type="arabicPeriod"/>
-            </a:pPr>
-            <a:endParaRPr lang="en-IN" sz="1100" dirty="0">
-              <a:latin typeface="Georgia Pro" panose="02040502050405020303" pitchFamily="18" charset="0"/>
-            </a:endParaRPr>
-          </a:p>
-          <a:p>
-            <a:pPr marL="342900" indent="-342900">
-              <a:lnSpc>
-                <a:spcPct val="100000"/>
-              </a:lnSpc>
-              <a:buFont typeface="+mj-lt"/>
-              <a:buAutoNum type="arabicPeriod"/>
-            </a:pPr>
-            <a:r>
-              <a:rPr lang="en-IN" sz="1100" dirty="0">
-                <a:latin typeface="Georgia Pro" panose="02040502050405020303" pitchFamily="18" charset="0"/>
-              </a:rPr>
-              <a:t>Document Management Control</a:t>
-            </a:r>
-          </a:p>
-          <a:p>
-            <a:pPr marL="342900" indent="-342900">
-              <a:lnSpc>
-                <a:spcPct val="100000"/>
-              </a:lnSpc>
-              <a:buFont typeface="+mj-lt"/>
-              <a:buAutoNum type="arabicPeriod"/>
-            </a:pPr>
-            <a:endParaRPr lang="en-IN" sz="1100" dirty="0">
-              <a:latin typeface="Georgia Pro" panose="02040502050405020303" pitchFamily="18" charset="0"/>
-            </a:endParaRPr>
-          </a:p>
-          <a:p>
-            <a:pPr marL="342900" indent="-342900">
-              <a:lnSpc>
-                <a:spcPct val="100000"/>
-              </a:lnSpc>
-              <a:buFont typeface="+mj-lt"/>
-              <a:buAutoNum type="arabicPeriod"/>
-            </a:pPr>
-            <a:r>
-              <a:rPr lang="en-IN" sz="1100" dirty="0">
-                <a:latin typeface="Georgia Pro" panose="02040502050405020303" pitchFamily="18" charset="0"/>
-              </a:rPr>
-              <a:t>Introduction</a:t>
-            </a:r>
-          </a:p>
-          <a:p>
-            <a:pPr marL="342900" indent="-342900">
-              <a:lnSpc>
-                <a:spcPct val="100000"/>
-              </a:lnSpc>
-              <a:buFont typeface="+mj-lt"/>
-              <a:buAutoNum type="arabicPeriod"/>
-            </a:pPr>
-            <a:endParaRPr lang="en-IN" sz="1100" dirty="0">
-              <a:latin typeface="Georgia Pro" panose="02040502050405020303" pitchFamily="18" charset="0"/>
-            </a:endParaRPr>
-          </a:p>
-          <a:p>
-            <a:pPr marL="342900" indent="-342900">
-              <a:lnSpc>
-                <a:spcPct val="100000"/>
-              </a:lnSpc>
-              <a:buFont typeface="+mj-lt"/>
-              <a:buAutoNum type="arabicPeriod"/>
-            </a:pPr>
-            <a:r>
-              <a:rPr lang="en-US" sz="1100" dirty="0">
-                <a:latin typeface="Georgia Pro" panose="020F0502020204030204" pitchFamily="18" charset="0"/>
-              </a:rPr>
-              <a:t>Project Overview</a:t>
-            </a:r>
-          </a:p>
-          <a:p>
-            <a:pPr marL="342900" indent="-342900">
-              <a:lnSpc>
-                <a:spcPct val="100000"/>
-              </a:lnSpc>
-              <a:buFont typeface="+mj-lt"/>
-              <a:buAutoNum type="arabicPeriod"/>
-            </a:pPr>
-            <a:endParaRPr lang="en-US" sz="1100" dirty="0">
-              <a:latin typeface="Georgia Pro" panose="020F0502020204030204" pitchFamily="18" charset="0"/>
-            </a:endParaRPr>
-          </a:p>
-          <a:p>
-            <a:pPr marL="342900" indent="-342900">
-              <a:lnSpc>
-                <a:spcPct val="100000"/>
-              </a:lnSpc>
-              <a:buFont typeface="+mj-lt"/>
-              <a:buAutoNum type="arabicPeriod"/>
-            </a:pPr>
-            <a:r>
-              <a:rPr lang="en-IN" sz="1100" dirty="0">
-                <a:latin typeface="Georgia Pro" panose="020F0502020204030204" pitchFamily="18" charset="0"/>
-              </a:rPr>
-              <a:t>Data Sourcing and Preprocessing</a:t>
-            </a:r>
-          </a:p>
-          <a:p>
-            <a:pPr marL="342900" indent="-342900">
-              <a:lnSpc>
-                <a:spcPct val="100000"/>
-              </a:lnSpc>
-              <a:buFont typeface="+mj-lt"/>
-              <a:buAutoNum type="arabicPeriod"/>
-            </a:pPr>
-            <a:endParaRPr lang="en-IN" sz="1100" dirty="0">
-              <a:latin typeface="Georgia Pro" panose="020F0502020204030204" pitchFamily="18" charset="0"/>
-            </a:endParaRPr>
-          </a:p>
-          <a:p>
-            <a:pPr marL="342900" indent="-342900">
-              <a:lnSpc>
-                <a:spcPct val="100000"/>
-              </a:lnSpc>
-              <a:buFont typeface="+mj-lt"/>
-              <a:buAutoNum type="arabicPeriod"/>
-            </a:pPr>
-            <a:r>
-              <a:rPr lang="en-IN" sz="1100" dirty="0">
-                <a:latin typeface="Georgia Pro" panose="020F0502020204030204" pitchFamily="18" charset="0"/>
-              </a:rPr>
-              <a:t>Problem Statements, Visualizations and Supportive Documents</a:t>
-            </a:r>
-          </a:p>
-          <a:p>
-            <a:pPr marL="800100" lvl="1" indent="-342900">
-              <a:lnSpc>
-                <a:spcPct val="100000"/>
-              </a:lnSpc>
-              <a:buFont typeface="+mj-lt"/>
-              <a:buAutoNum type="arabicPeriod"/>
-            </a:pPr>
-            <a:r>
-              <a:rPr lang="en-IN" sz="1100" dirty="0">
-                <a:latin typeface="Georgia Pro" panose="020F0502020204030204" pitchFamily="18" charset="0"/>
-              </a:rPr>
-              <a:t>Dashboard 1: Summary</a:t>
-            </a:r>
-          </a:p>
-          <a:p>
-            <a:pPr marL="800100" lvl="1" indent="-342900">
-              <a:lnSpc>
-                <a:spcPct val="100000"/>
-              </a:lnSpc>
-              <a:buFont typeface="+mj-lt"/>
-              <a:buAutoNum type="arabicPeriod"/>
-            </a:pPr>
-            <a:r>
-              <a:rPr lang="en-IN" sz="1100" dirty="0">
-                <a:latin typeface="Georgia Pro" panose="020F0502020204030204" pitchFamily="18" charset="0"/>
-              </a:rPr>
-              <a:t>Dashboard 2: Overview</a:t>
-            </a:r>
-          </a:p>
-          <a:p>
-            <a:pPr marL="800100" lvl="1" indent="-342900">
-              <a:lnSpc>
-                <a:spcPct val="100000"/>
-              </a:lnSpc>
-              <a:buFont typeface="+mj-lt"/>
-              <a:buAutoNum type="arabicPeriod"/>
-            </a:pPr>
-            <a:r>
-              <a:rPr lang="en-IN" sz="1100" dirty="0">
-                <a:latin typeface="Georgia Pro" panose="020F0502020204030204" pitchFamily="18" charset="0"/>
-              </a:rPr>
-              <a:t>Dashboard 3: Details</a:t>
-            </a:r>
-          </a:p>
-          <a:p>
-            <a:pPr marL="342900" indent="-342900">
-              <a:lnSpc>
-                <a:spcPct val="100000"/>
-              </a:lnSpc>
-              <a:buFont typeface="+mj-lt"/>
-              <a:buAutoNum type="arabicPeriod"/>
-            </a:pPr>
-            <a:endParaRPr lang="en-IN" sz="1500" dirty="0">
-              <a:latin typeface="Georgia Pro" panose="020F0502020204030204" pitchFamily="18" charset="0"/>
-            </a:endParaRPr>
-          </a:p>
-          <a:p>
-            <a:pPr marL="342900" indent="-342900">
-              <a:lnSpc>
-                <a:spcPct val="100000"/>
-              </a:lnSpc>
-              <a:buFont typeface="+mj-lt"/>
-              <a:buAutoNum type="arabicPeriod"/>
-            </a:pPr>
-            <a:r>
-              <a:rPr lang="en-IN" sz="1100" dirty="0">
-                <a:latin typeface="Georgia Pro" panose="020F0502020204030204" pitchFamily="18" charset="0"/>
-              </a:rPr>
-              <a:t>Key Findings</a:t>
-            </a:r>
-          </a:p>
-          <a:p>
-            <a:pPr marL="342900" indent="-342900">
-              <a:lnSpc>
-                <a:spcPct val="100000"/>
-              </a:lnSpc>
-              <a:buFont typeface="+mj-lt"/>
-              <a:buAutoNum type="arabicPeriod"/>
-            </a:pPr>
-            <a:endParaRPr lang="en-IN" sz="1100" dirty="0">
-              <a:latin typeface="Georgia Pro" panose="020F0502020204030204" pitchFamily="18" charset="0"/>
-            </a:endParaRPr>
-          </a:p>
-          <a:p>
-            <a:pPr marL="342900" indent="-342900">
-              <a:lnSpc>
-                <a:spcPct val="100000"/>
-              </a:lnSpc>
-              <a:buFont typeface="+mj-lt"/>
-              <a:buAutoNum type="arabicPeriod"/>
-            </a:pPr>
-            <a:r>
-              <a:rPr lang="en-IN" sz="1100" dirty="0">
-                <a:latin typeface="Georgia Pro" panose="020F0502020204030204" pitchFamily="18" charset="0"/>
-              </a:rPr>
-              <a:t>Business Impact</a:t>
-            </a:r>
-          </a:p>
-          <a:p>
-            <a:pPr marL="342900" indent="-342900">
-              <a:lnSpc>
-                <a:spcPct val="100000"/>
-              </a:lnSpc>
-              <a:buFont typeface="+mj-lt"/>
-              <a:buAutoNum type="arabicPeriod"/>
-            </a:pPr>
-            <a:endParaRPr lang="en-IN" sz="1500" dirty="0">
-              <a:latin typeface="Georgia Pro" panose="020F0502020204030204" pitchFamily="18" charset="0"/>
-            </a:endParaRPr>
-          </a:p>
-          <a:p>
-            <a:pPr marL="457200" lvl="1" indent="0">
-              <a:lnSpc>
-                <a:spcPct val="100000"/>
-              </a:lnSpc>
-              <a:buNone/>
-            </a:pPr>
-            <a:endParaRPr lang="en-US" sz="1100" dirty="0">
-              <a:latin typeface="Georgia Pro" panose="020F0502020204030204" pitchFamily="18" charset="0"/>
-            </a:endParaRPr>
-          </a:p>
-          <a:p>
-            <a:pPr marL="800100" lvl="1" indent="-342900">
-              <a:lnSpc>
-                <a:spcPct val="100000"/>
-              </a:lnSpc>
-              <a:buFont typeface="+mj-lt"/>
-              <a:buAutoNum type="arabicPeriod"/>
-            </a:pPr>
-            <a:endParaRPr lang="en-IN" sz="1100" dirty="0">
-              <a:latin typeface="Georgia Pro" panose="020F0502020204030204" pitchFamily="18" charset="0"/>
-            </a:endParaRPr>
-          </a:p>
-          <a:p>
-            <a:pPr marL="800100" lvl="1" indent="-342900">
-              <a:lnSpc>
-                <a:spcPct val="100000"/>
-              </a:lnSpc>
-              <a:buFont typeface="+mj-lt"/>
-              <a:buAutoNum type="arabicPeriod"/>
-            </a:pPr>
-            <a:endParaRPr lang="en-IN" sz="1100" dirty="0">
-              <a:latin typeface="Georgia Pro" panose="020F0502020204030204" pitchFamily="18" charset="0"/>
-            </a:endParaRPr>
-          </a:p>
-          <a:p>
-            <a:pPr marL="800100" lvl="1" indent="-342900">
-              <a:lnSpc>
-                <a:spcPct val="100000"/>
-              </a:lnSpc>
-              <a:buFont typeface="+mj-lt"/>
-              <a:buAutoNum type="arabicPeriod"/>
-            </a:pPr>
-            <a:endParaRPr lang="en-US" sz="1100" dirty="0">
-              <a:latin typeface="Georgia Pro" panose="020F0502020204030204" pitchFamily="18" charset="0"/>
-            </a:endParaRPr>
-          </a:p>
-          <a:p>
-            <a:pPr marL="800100" lvl="1" indent="-342900">
-              <a:lnSpc>
-                <a:spcPct val="100000"/>
-              </a:lnSpc>
-              <a:buFont typeface="+mj-lt"/>
-              <a:buAutoNum type="arabicPeriod"/>
-            </a:pPr>
-            <a:endParaRPr lang="en-IN" sz="1100" dirty="0">
-              <a:latin typeface="Georgia Pro" panose="020F0502020204030204" pitchFamily="18" charset="0"/>
-            </a:endParaRPr>
-          </a:p>
-          <a:p>
-            <a:pPr marL="800100" lvl="1" indent="-342900">
-              <a:lnSpc>
-                <a:spcPct val="100000"/>
-              </a:lnSpc>
-              <a:buFont typeface="+mj-lt"/>
-              <a:buAutoNum type="arabicPeriod"/>
-            </a:pPr>
-            <a:endParaRPr lang="en-IN" sz="700" dirty="0">
-              <a:latin typeface="Georgia Pro" panose="020F0502020204030204" pitchFamily="18" charset="0"/>
-            </a:endParaRPr>
-          </a:p>
-        </p:txBody>
-      </p:sp>
-    </p:spTree>
-    <p:extLst>
-      <p:ext uri="{BB962C8B-B14F-4D97-AF65-F5344CB8AC3E}">
-        <p14:creationId xmlns:p14="http://schemas.microsoft.com/office/powerpoint/2010/main" val="3851210129"/>
-      </p:ext>
-    </p:extLst>
-  </p:cSld>
-  <p:clrMapOvr>
-    <a:masterClrMapping/>
-  </p:clrMapOvr>
-</p:sld>
-</file>
-
-<file path=ppt/slides/slide3.xml><?xml version="1.0" encoding="utf-8"?>
-<p:sld xmlns:a="http://schemas.openxmlformats.org/drawingml/2006/main" xmlns:r="http://schemas.openxmlformats.org/officeDocument/2006/relationships" xmlns:p="http://schemas.openxmlformats.org/presentationml/2006/main">
-  <p:cSld>
-    <p:spTree>
-      <p:nvGrpSpPr>
-        <p:cNvPr id="1" name=""/>
-        <p:cNvGrpSpPr/>
-        <p:nvPr/>
-      </p:nvGrpSpPr>
-      <p:grpSpPr>
-        <a:xfrm>
-          <a:off x="0" y="0"/>
-          <a:ext cx="0" cy="0"/>
-          <a:chOff x="0" y="0"/>
-          <a:chExt cx="0" cy="0"/>
-        </a:xfrm>
-      </p:grpSpPr>
-      <p:cxnSp>
-        <p:nvCxnSpPr>
-          <p:cNvPr id="4" name="Straight Connector 3">
-            <a:extLst>
-              <a:ext uri="{FF2B5EF4-FFF2-40B4-BE49-F238E27FC236}">
-                <a16:creationId xmlns:a16="http://schemas.microsoft.com/office/drawing/2014/main" id="{FEC7D071-925A-A25D-E05E-32C77ACDD222}"/>
-              </a:ext>
-            </a:extLst>
-          </p:cNvPr>
-          <p:cNvCxnSpPr/>
-          <p:nvPr/>
-        </p:nvCxnSpPr>
-        <p:spPr>
-          <a:xfrm>
-            <a:off x="422787" y="688259"/>
-            <a:ext cx="11346426" cy="0"/>
-          </a:xfrm>
-          <a:prstGeom prst="line">
-            <a:avLst/>
-          </a:prstGeom>
-        </p:spPr>
-        <p:style>
-          <a:lnRef idx="2">
-            <a:schemeClr val="accent1"/>
-          </a:lnRef>
-          <a:fillRef idx="0">
-            <a:schemeClr val="accent1"/>
-          </a:fillRef>
-          <a:effectRef idx="1">
-            <a:schemeClr val="accent1"/>
-          </a:effectRef>
-          <a:fontRef idx="minor">
-            <a:schemeClr val="tx1"/>
-          </a:fontRef>
-        </p:style>
-      </p:cxnSp>
-    </p:spTree>
-    <p:extLst>
-      <p:ext uri="{BB962C8B-B14F-4D97-AF65-F5344CB8AC3E}">
-        <p14:creationId xmlns:p14="http://schemas.microsoft.com/office/powerpoint/2010/main" val="4057643714"/>
-      </p:ext>
-    </p:extLst>
-  </p:cSld>
-  <p:clrMapOvr>
-    <a:masterClrMapping/>
-  </p:clrMapOvr>
-</p:sld>
-</file>
-
-<file path=ppt/slides/slide4.xml><?xml version="1.0" encoding="utf-8"?>
-<p:sld xmlns:a="http://schemas.openxmlformats.org/drawingml/2006/main" xmlns:r="http://schemas.openxmlformats.org/officeDocument/2006/relationships" xmlns:p="http://schemas.openxmlformats.org/presentationml/2006/main">
-  <p:cSld>
-    <p:spTree>
-      <p:nvGrpSpPr>
-        <p:cNvPr id="1" name=""/>
-        <p:cNvGrpSpPr/>
-        <p:nvPr/>
-      </p:nvGrpSpPr>
-      <p:grpSpPr>
-        <a:xfrm>
-          <a:off x="0" y="0"/>
-          <a:ext cx="0" cy="0"/>
-          <a:chOff x="0" y="0"/>
-          <a:chExt cx="0" cy="0"/>
-        </a:xfrm>
-      </p:grpSpPr>
-      <p:cxnSp>
-        <p:nvCxnSpPr>
-          <p:cNvPr id="4" name="Straight Connector 3">
-            <a:extLst>
-              <a:ext uri="{FF2B5EF4-FFF2-40B4-BE49-F238E27FC236}">
-                <a16:creationId xmlns:a16="http://schemas.microsoft.com/office/drawing/2014/main" id="{FEC7D071-925A-A25D-E05E-32C77ACDD222}"/>
-              </a:ext>
-            </a:extLst>
-          </p:cNvPr>
-          <p:cNvCxnSpPr/>
-          <p:nvPr/>
-        </p:nvCxnSpPr>
-        <p:spPr>
-          <a:xfrm>
-            <a:off x="422787" y="688259"/>
-            <a:ext cx="11346426" cy="0"/>
-          </a:xfrm>
-          <a:prstGeom prst="line">
-            <a:avLst/>
-          </a:prstGeom>
-        </p:spPr>
-        <p:style>
-          <a:lnRef idx="2">
-            <a:schemeClr val="accent1"/>
-          </a:lnRef>
-          <a:fillRef idx="0">
-            <a:schemeClr val="accent1"/>
-          </a:fillRef>
-          <a:effectRef idx="1">
-            <a:schemeClr val="accent1"/>
-          </a:effectRef>
-          <a:fontRef idx="minor">
-            <a:schemeClr val="tx1"/>
-          </a:fontRef>
-        </p:style>
-      </p:cxnSp>
-      <p:sp>
-        <p:nvSpPr>
-          <p:cNvPr id="5" name="TextBox 4">
-            <a:extLst>
-              <a:ext uri="{FF2B5EF4-FFF2-40B4-BE49-F238E27FC236}">
-                <a16:creationId xmlns:a16="http://schemas.microsoft.com/office/drawing/2014/main" id="{3F4FBE9D-3AEF-DE1B-64C1-120BA77CD7A8}"/>
-              </a:ext>
-            </a:extLst>
-          </p:cNvPr>
-          <p:cNvSpPr txBox="1"/>
-          <p:nvPr/>
-        </p:nvSpPr>
-        <p:spPr>
-          <a:xfrm>
-            <a:off x="309712" y="166563"/>
-            <a:ext cx="9979584" cy="446276"/>
-          </a:xfrm>
-          <a:prstGeom prst="rect">
-            <a:avLst/>
-          </a:prstGeom>
-          <a:noFill/>
-        </p:spPr>
-        <p:txBody>
-          <a:bodyPr wrap="square" rtlCol="0">
-            <a:spAutoFit/>
-          </a:bodyPr>
-          <a:lstStyle/>
-          <a:p>
-            <a:r>
-              <a:rPr lang="en-US" sz="2300" dirty="0">
-                <a:solidFill>
-                  <a:schemeClr val="accent1">
-                    <a:lumMod val="50000"/>
-                  </a:schemeClr>
-                </a:solidFill>
-                <a:latin typeface="Georgia Pro" panose="020F0502020204030204" pitchFamily="18" charset="0"/>
-              </a:rPr>
-              <a:t>Introduction</a:t>
-            </a:r>
-            <a:endParaRPr lang="en-IN" sz="2300" dirty="0">
-              <a:solidFill>
-                <a:schemeClr val="accent1">
-                  <a:lumMod val="50000"/>
-                </a:schemeClr>
-              </a:solidFill>
-              <a:latin typeface="Georgia Pro" panose="020F0502020204030204" pitchFamily="18" charset="0"/>
-            </a:endParaRPr>
-          </a:p>
-        </p:txBody>
-      </p:sp>
-      <p:graphicFrame>
-        <p:nvGraphicFramePr>
-          <p:cNvPr id="9" name="Content Placeholder 8">
-            <a:extLst>
-              <a:ext uri="{FF2B5EF4-FFF2-40B4-BE49-F238E27FC236}">
-                <a16:creationId xmlns:a16="http://schemas.microsoft.com/office/drawing/2014/main" id="{85E7ED15-3F7C-0E96-34A4-6DE6C2ACC86C}"/>
-              </a:ext>
-            </a:extLst>
-          </p:cNvPr>
-          <p:cNvGraphicFramePr>
-            <a:graphicFrameLocks noGrp="1"/>
-          </p:cNvGraphicFramePr>
-          <p:nvPr>
-            <p:ph idx="1"/>
-            <p:extLst>
-              <p:ext uri="{D42A27DB-BD31-4B8C-83A1-F6EECF244321}">
-                <p14:modId xmlns:p14="http://schemas.microsoft.com/office/powerpoint/2010/main" val="2121732930"/>
-              </p:ext>
-            </p:extLst>
-          </p:nvPr>
-        </p:nvGraphicFramePr>
-        <p:xfrm>
-          <a:off x="422787" y="718419"/>
-          <a:ext cx="11469334" cy="5933186"/>
-        </p:xfrm>
-        <a:graphic>
-          <a:graphicData uri="http://schemas.openxmlformats.org/drawingml/2006/diagram">
-            <dgm:relIds xmlns:dgm="http://schemas.openxmlformats.org/drawingml/2006/diagram" xmlns:r="http://schemas.openxmlformats.org/officeDocument/2006/relationships" r:dm="rId2" r:lo="rId3" r:qs="rId4" r:cs="rId5"/>
-          </a:graphicData>
-        </a:graphic>
-      </p:graphicFrame>
-    </p:spTree>
-    <p:extLst>
-      <p:ext uri="{BB962C8B-B14F-4D97-AF65-F5344CB8AC3E}">
-        <p14:creationId xmlns:p14="http://schemas.microsoft.com/office/powerpoint/2010/main" val="2071541558"/>
-      </p:ext>
-    </p:extLst>
-  </p:cSld>
-  <p:clrMapOvr>
-    <a:masterClrMapping/>
-  </p:clrMapOvr>
-</p:sld>
-</file>
-
-<file path=ppt/slides/slide5.xml><?xml version="1.0" encoding="utf-8"?>
-<p:sld xmlns:a="http://schemas.openxmlformats.org/drawingml/2006/main" xmlns:r="http://schemas.openxmlformats.org/officeDocument/2006/relationships" xmlns:p="http://schemas.openxmlformats.org/presentationml/2006/main">
-  <p:cSld>
-    <p:spTree>
-      <p:nvGrpSpPr>
-        <p:cNvPr id="1" name=""/>
-        <p:cNvGrpSpPr/>
-        <p:nvPr/>
-      </p:nvGrpSpPr>
-      <p:grpSpPr>
-        <a:xfrm>
-          <a:off x="0" y="0"/>
-          <a:ext cx="0" cy="0"/>
-          <a:chOff x="0" y="0"/>
-          <a:chExt cx="0" cy="0"/>
-        </a:xfrm>
-      </p:grpSpPr>
-      <p:cxnSp>
-        <p:nvCxnSpPr>
-          <p:cNvPr id="4" name="Straight Connector 3">
-            <a:extLst>
-              <a:ext uri="{FF2B5EF4-FFF2-40B4-BE49-F238E27FC236}">
-                <a16:creationId xmlns:a16="http://schemas.microsoft.com/office/drawing/2014/main" id="{FEC7D071-925A-A25D-E05E-32C77ACDD222}"/>
-              </a:ext>
-            </a:extLst>
-          </p:cNvPr>
-          <p:cNvCxnSpPr/>
-          <p:nvPr/>
-        </p:nvCxnSpPr>
-        <p:spPr>
-          <a:xfrm>
-            <a:off x="422787" y="688259"/>
-            <a:ext cx="11346426" cy="0"/>
-          </a:xfrm>
-          <a:prstGeom prst="line">
-            <a:avLst/>
-          </a:prstGeom>
-        </p:spPr>
-        <p:style>
-          <a:lnRef idx="2">
-            <a:schemeClr val="accent1"/>
-          </a:lnRef>
-          <a:fillRef idx="0">
-            <a:schemeClr val="accent1"/>
-          </a:fillRef>
-          <a:effectRef idx="1">
-            <a:schemeClr val="accent1"/>
-          </a:effectRef>
-          <a:fontRef idx="minor">
-            <a:schemeClr val="tx1"/>
-          </a:fontRef>
-        </p:style>
-      </p:cxnSp>
-      <p:sp>
-        <p:nvSpPr>
-          <p:cNvPr id="5" name="TextBox 4">
-            <a:extLst>
-              <a:ext uri="{FF2B5EF4-FFF2-40B4-BE49-F238E27FC236}">
-                <a16:creationId xmlns:a16="http://schemas.microsoft.com/office/drawing/2014/main" id="{3F4FBE9D-3AEF-DE1B-64C1-120BA77CD7A8}"/>
-              </a:ext>
-            </a:extLst>
-          </p:cNvPr>
-          <p:cNvSpPr txBox="1"/>
-          <p:nvPr/>
-        </p:nvSpPr>
-        <p:spPr>
-          <a:xfrm>
-            <a:off x="299880" y="196684"/>
-            <a:ext cx="9979584" cy="446276"/>
-          </a:xfrm>
-          <a:prstGeom prst="rect">
-            <a:avLst/>
-          </a:prstGeom>
-          <a:noFill/>
-        </p:spPr>
-        <p:txBody>
-          <a:bodyPr wrap="square" rtlCol="0">
-            <a:spAutoFit/>
-          </a:bodyPr>
-          <a:lstStyle/>
-          <a:p>
-            <a:r>
-              <a:rPr lang="en-US" sz="2300" dirty="0">
-                <a:solidFill>
-                  <a:schemeClr val="accent1">
-                    <a:lumMod val="50000"/>
-                  </a:schemeClr>
-                </a:solidFill>
-                <a:latin typeface="Georgia Pro" panose="020F0502020204030204" pitchFamily="18" charset="0"/>
-              </a:rPr>
-              <a:t>Project Overview</a:t>
-            </a:r>
-            <a:endParaRPr lang="en-IN" sz="2300" dirty="0">
-              <a:solidFill>
-                <a:schemeClr val="accent1">
-                  <a:lumMod val="50000"/>
-                </a:schemeClr>
-              </a:solidFill>
-              <a:latin typeface="Georgia Pro" panose="020F0502020204030204" pitchFamily="18" charset="0"/>
-            </a:endParaRPr>
-          </a:p>
-        </p:txBody>
-      </p:sp>
-      <p:graphicFrame>
-        <p:nvGraphicFramePr>
-          <p:cNvPr id="13" name="Content Placeholder 12">
-            <a:extLst>
-              <a:ext uri="{FF2B5EF4-FFF2-40B4-BE49-F238E27FC236}">
-                <a16:creationId xmlns:a16="http://schemas.microsoft.com/office/drawing/2014/main" id="{FFBD53CF-02D0-9B51-5DDF-89EAEDB80DA2}"/>
-              </a:ext>
-            </a:extLst>
-          </p:cNvPr>
-          <p:cNvGraphicFramePr>
-            <a:graphicFrameLocks noGrp="1"/>
-          </p:cNvGraphicFramePr>
-          <p:nvPr>
-            <p:ph idx="1"/>
-            <p:extLst>
-              <p:ext uri="{D42A27DB-BD31-4B8C-83A1-F6EECF244321}">
-                <p14:modId xmlns:p14="http://schemas.microsoft.com/office/powerpoint/2010/main" val="4057921441"/>
-              </p:ext>
-            </p:extLst>
-          </p:nvPr>
-        </p:nvGraphicFramePr>
-        <p:xfrm>
-          <a:off x="361333" y="669136"/>
-          <a:ext cx="11496370" cy="6188863"/>
-        </p:xfrm>
-        <a:graphic>
-          <a:graphicData uri="http://schemas.openxmlformats.org/drawingml/2006/diagram">
-            <dgm:relIds xmlns:dgm="http://schemas.openxmlformats.org/drawingml/2006/diagram" xmlns:r="http://schemas.openxmlformats.org/officeDocument/2006/relationships" r:dm="rId2" r:lo="rId3" r:qs="rId4" r:cs="rId5"/>
-          </a:graphicData>
-        </a:graphic>
-      </p:graphicFrame>
-    </p:spTree>
-    <p:extLst>
-      <p:ext uri="{BB962C8B-B14F-4D97-AF65-F5344CB8AC3E}">
-        <p14:creationId xmlns:p14="http://schemas.microsoft.com/office/powerpoint/2010/main" val="840516372"/>
-      </p:ext>
-    </p:extLst>
-  </p:cSld>
-  <p:clrMapOvr>
-    <a:masterClrMapping/>
-  </p:clrMapOvr>
-</p:sld>
-</file>
-
-<file path=ppt/slides/slide6.xml><?xml version="1.0" encoding="utf-8"?>
-<p:sld xmlns:a="http://schemas.openxmlformats.org/drawingml/2006/main" xmlns:r="http://schemas.openxmlformats.org/officeDocument/2006/relationships" xmlns:p="http://schemas.openxmlformats.org/presentationml/2006/main">
-  <p:cSld>
-    <p:spTree>
-      <p:nvGrpSpPr>
-        <p:cNvPr id="1" name=""/>
-        <p:cNvGrpSpPr/>
-        <p:nvPr/>
-      </p:nvGrpSpPr>
-      <p:grpSpPr>
-        <a:xfrm>
-          <a:off x="0" y="0"/>
-          <a:ext cx="0" cy="0"/>
-          <a:chOff x="0" y="0"/>
-          <a:chExt cx="0" cy="0"/>
-        </a:xfrm>
-      </p:grpSpPr>
-      <p:cxnSp>
-        <p:nvCxnSpPr>
-          <p:cNvPr id="4" name="Straight Connector 3">
-            <a:extLst>
-              <a:ext uri="{FF2B5EF4-FFF2-40B4-BE49-F238E27FC236}">
-                <a16:creationId xmlns:a16="http://schemas.microsoft.com/office/drawing/2014/main" id="{FEC7D071-925A-A25D-E05E-32C77ACDD222}"/>
-              </a:ext>
-            </a:extLst>
-          </p:cNvPr>
-          <p:cNvCxnSpPr/>
-          <p:nvPr/>
-        </p:nvCxnSpPr>
-        <p:spPr>
-          <a:xfrm>
-            <a:off x="422787" y="688259"/>
-            <a:ext cx="11346426" cy="0"/>
-          </a:xfrm>
-          <a:prstGeom prst="line">
-            <a:avLst/>
-          </a:prstGeom>
-        </p:spPr>
-        <p:style>
-          <a:lnRef idx="2">
-            <a:schemeClr val="accent1"/>
-          </a:lnRef>
-          <a:fillRef idx="0">
-            <a:schemeClr val="accent1"/>
-          </a:fillRef>
-          <a:effectRef idx="1">
-            <a:schemeClr val="accent1"/>
-          </a:effectRef>
-          <a:fontRef idx="minor">
-            <a:schemeClr val="tx1"/>
-          </a:fontRef>
-        </p:style>
-      </p:cxnSp>
-      <p:sp>
-        <p:nvSpPr>
-          <p:cNvPr id="5" name="TextBox 4">
-            <a:extLst>
-              <a:ext uri="{FF2B5EF4-FFF2-40B4-BE49-F238E27FC236}">
-                <a16:creationId xmlns:a16="http://schemas.microsoft.com/office/drawing/2014/main" id="{3F4FBE9D-3AEF-DE1B-64C1-120BA77CD7A8}"/>
-              </a:ext>
-            </a:extLst>
-          </p:cNvPr>
-          <p:cNvSpPr txBox="1"/>
-          <p:nvPr/>
-        </p:nvSpPr>
-        <p:spPr>
-          <a:xfrm>
-            <a:off x="299880" y="196684"/>
             <a:ext cx="9979584" cy="461665"/>
           </a:xfrm>
           <a:prstGeom prst="rect">
@@ -29098,7 +26385,7 @@
 </p:sld>
 </file>
 
-<file path=ppt/slides/slide7.xml><?xml version="1.0" encoding="utf-8"?>
+<file path=ppt/slides/slide11.xml><?xml version="1.0" encoding="utf-8"?>
 <p:sld xmlns:a="http://schemas.openxmlformats.org/drawingml/2006/main" xmlns:r="http://schemas.openxmlformats.org/officeDocument/2006/relationships" xmlns:p="http://schemas.openxmlformats.org/presentationml/2006/main">
   <p:cSld>
     <p:spTree>
@@ -29205,7 +26492,7 @@
 </p:sld>
 </file>
 
-<file path=ppt/slides/slide8.xml><?xml version="1.0" encoding="utf-8"?>
+<file path=ppt/slides/slide12.xml><?xml version="1.0" encoding="utf-8"?>
 <p:sld xmlns:a="http://schemas.openxmlformats.org/drawingml/2006/main" xmlns:r="http://schemas.openxmlformats.org/officeDocument/2006/relationships" xmlns:p="http://schemas.openxmlformats.org/presentationml/2006/main">
   <p:cSld>
     <p:spTree>
@@ -29898,7 +27185,7 @@
 </p:sld>
 </file>
 
-<file path=ppt/slides/slide9.xml><?xml version="1.0" encoding="utf-8"?>
+<file path=ppt/slides/slide13.xml><?xml version="1.0" encoding="utf-8"?>
 <p:sld xmlns:a="http://schemas.openxmlformats.org/drawingml/2006/main" xmlns:r="http://schemas.openxmlformats.org/officeDocument/2006/relationships" xmlns:p="http://schemas.openxmlformats.org/presentationml/2006/main">
   <p:cSld>
     <p:spTree>
@@ -30161,6 +27448,6314 @@
     <p:extLst>
       <p:ext uri="{BB962C8B-B14F-4D97-AF65-F5344CB8AC3E}">
         <p14:creationId xmlns:p14="http://schemas.microsoft.com/office/powerpoint/2010/main" val="3302213971"/>
+      </p:ext>
+    </p:extLst>
+  </p:cSld>
+  <p:clrMapOvr>
+    <a:masterClrMapping/>
+  </p:clrMapOvr>
+</p:sld>
+</file>
+
+<file path=ppt/slides/slide14.xml><?xml version="1.0" encoding="utf-8"?>
+<p:sld xmlns:a="http://schemas.openxmlformats.org/drawingml/2006/main" xmlns:r="http://schemas.openxmlformats.org/officeDocument/2006/relationships" xmlns:p="http://schemas.openxmlformats.org/presentationml/2006/main">
+  <p:cSld>
+    <p:spTree>
+      <p:nvGrpSpPr>
+        <p:cNvPr id="1" name=""/>
+        <p:cNvGrpSpPr/>
+        <p:nvPr/>
+      </p:nvGrpSpPr>
+      <p:grpSpPr>
+        <a:xfrm>
+          <a:off x="0" y="0"/>
+          <a:ext cx="0" cy="0"/>
+          <a:chOff x="0" y="0"/>
+          <a:chExt cx="0" cy="0"/>
+        </a:xfrm>
+      </p:grpSpPr>
+      <p:cxnSp>
+        <p:nvCxnSpPr>
+          <p:cNvPr id="4" name="Straight Connector 3">
+            <a:extLst>
+              <a:ext uri="{FF2B5EF4-FFF2-40B4-BE49-F238E27FC236}">
+                <a16:creationId xmlns:a16="http://schemas.microsoft.com/office/drawing/2014/main" id="{FEC7D071-925A-A25D-E05E-32C77ACDD222}"/>
+              </a:ext>
+            </a:extLst>
+          </p:cNvPr>
+          <p:cNvCxnSpPr/>
+          <p:nvPr/>
+        </p:nvCxnSpPr>
+        <p:spPr>
+          <a:xfrm>
+            <a:off x="422787" y="688259"/>
+            <a:ext cx="11346426" cy="0"/>
+          </a:xfrm>
+          <a:prstGeom prst="line">
+            <a:avLst/>
+          </a:prstGeom>
+        </p:spPr>
+        <p:style>
+          <a:lnRef idx="2">
+            <a:schemeClr val="accent1"/>
+          </a:lnRef>
+          <a:fillRef idx="0">
+            <a:schemeClr val="accent1"/>
+          </a:fillRef>
+          <a:effectRef idx="1">
+            <a:schemeClr val="accent1"/>
+          </a:effectRef>
+          <a:fontRef idx="minor">
+            <a:schemeClr val="tx1"/>
+          </a:fontRef>
+        </p:style>
+      </p:cxnSp>
+      <p:sp>
+        <p:nvSpPr>
+          <p:cNvPr id="5" name="TextBox 4">
+            <a:extLst>
+              <a:ext uri="{FF2B5EF4-FFF2-40B4-BE49-F238E27FC236}">
+                <a16:creationId xmlns:a16="http://schemas.microsoft.com/office/drawing/2014/main" id="{3F4FBE9D-3AEF-DE1B-64C1-120BA77CD7A8}"/>
+              </a:ext>
+            </a:extLst>
+          </p:cNvPr>
+          <p:cNvSpPr txBox="1"/>
+          <p:nvPr/>
+        </p:nvSpPr>
+        <p:spPr>
+          <a:xfrm>
+            <a:off x="299880" y="196684"/>
+            <a:ext cx="9979584" cy="446276"/>
+          </a:xfrm>
+          <a:prstGeom prst="rect">
+            <a:avLst/>
+          </a:prstGeom>
+          <a:noFill/>
+        </p:spPr>
+        <p:txBody>
+          <a:bodyPr wrap="square" rtlCol="0">
+            <a:spAutoFit/>
+          </a:bodyPr>
+          <a:lstStyle/>
+          <a:p>
+            <a:r>
+              <a:rPr lang="en-US" sz="2300" dirty="0">
+                <a:solidFill>
+                  <a:schemeClr val="accent1">
+                    <a:lumMod val="50000"/>
+                  </a:schemeClr>
+                </a:solidFill>
+                <a:latin typeface="Georgia Pro" panose="020F0502020204030204" pitchFamily="18" charset="0"/>
+              </a:rPr>
+              <a:t>Dashboard 2: Overview. Problem Statement</a:t>
+            </a:r>
+            <a:endParaRPr lang="en-IN" sz="2300" dirty="0">
+              <a:solidFill>
+                <a:schemeClr val="accent1">
+                  <a:lumMod val="50000"/>
+                </a:schemeClr>
+              </a:solidFill>
+              <a:latin typeface="Georgia Pro" panose="020F0502020204030204" pitchFamily="18" charset="0"/>
+            </a:endParaRPr>
+          </a:p>
+        </p:txBody>
+      </p:sp>
+      <p:sp>
+        <p:nvSpPr>
+          <p:cNvPr id="7" name="Content Placeholder 2">
+            <a:extLst>
+              <a:ext uri="{FF2B5EF4-FFF2-40B4-BE49-F238E27FC236}">
+                <a16:creationId xmlns:a16="http://schemas.microsoft.com/office/drawing/2014/main" id="{4F6E7C57-FDA4-0EA0-DD37-9A3F30183BCB}"/>
+              </a:ext>
+            </a:extLst>
+          </p:cNvPr>
+          <p:cNvSpPr>
+            <a:spLocks noGrp="1"/>
+          </p:cNvSpPr>
+          <p:nvPr>
+            <p:ph idx="1"/>
+          </p:nvPr>
+        </p:nvSpPr>
+        <p:spPr>
+          <a:xfrm>
+            <a:off x="299880" y="761236"/>
+            <a:ext cx="11469334" cy="5933186"/>
+          </a:xfrm>
+        </p:spPr>
+        <p:txBody>
+          <a:bodyPr>
+            <a:normAutofit/>
+          </a:bodyPr>
+          <a:lstStyle/>
+          <a:p>
+            <a:r>
+              <a:rPr lang="en-IN" sz="1400" b="1" kern="100" dirty="0">
+                <a:solidFill>
+                  <a:schemeClr val="accent1">
+                    <a:lumMod val="75000"/>
+                  </a:schemeClr>
+                </a:solidFill>
+                <a:effectLst/>
+                <a:latin typeface="Calibri" panose="020F0502020204030204" pitchFamily="34" charset="0"/>
+                <a:ea typeface="Calibri" panose="020F0502020204030204" pitchFamily="34" charset="0"/>
+                <a:cs typeface="Times New Roman" panose="02020603050405020304" pitchFamily="18" charset="0"/>
+              </a:rPr>
+              <a:t>CHARTS</a:t>
+            </a:r>
+          </a:p>
+          <a:p>
+            <a:pPr marL="342900" indent="-342900">
+              <a:lnSpc>
+                <a:spcPct val="150000"/>
+              </a:lnSpc>
+              <a:buFont typeface="+mj-lt"/>
+              <a:buAutoNum type="arabicPeriod"/>
+            </a:pPr>
+            <a:r>
+              <a:rPr lang="en-IN" sz="1100" b="1" kern="100" dirty="0">
+                <a:effectLst/>
+                <a:latin typeface="Calibri" panose="020F0502020204030204" pitchFamily="34" charset="0"/>
+                <a:ea typeface="Calibri" panose="020F0502020204030204" pitchFamily="34" charset="0"/>
+                <a:cs typeface="Times New Roman" panose="02020603050405020304" pitchFamily="18" charset="0"/>
+              </a:rPr>
+              <a:t>Monthly Trends by Issue Date (Line Chart):  </a:t>
+            </a:r>
+            <a:r>
+              <a:rPr lang="en-IN" sz="1100" kern="100" dirty="0">
+                <a:effectLst/>
+                <a:latin typeface="Calibri" panose="020F0502020204030204" pitchFamily="34" charset="0"/>
+                <a:ea typeface="Calibri" panose="020F0502020204030204" pitchFamily="34" charset="0"/>
+                <a:cs typeface="Times New Roman" panose="02020603050405020304" pitchFamily="18" charset="0"/>
+              </a:rPr>
+              <a:t>To </a:t>
+            </a:r>
+            <a:r>
+              <a:rPr lang="en-IN" sz="1100" dirty="0">
+                <a:effectLst/>
+                <a:latin typeface="Calibri" panose="020F0502020204030204" pitchFamily="34" charset="0"/>
+                <a:ea typeface="Calibri" panose="020F0502020204030204" pitchFamily="34" charset="0"/>
+                <a:cs typeface="Times New Roman" panose="02020603050405020304" pitchFamily="18" charset="0"/>
+              </a:rPr>
+              <a:t>identify seasonality and long-term trends in lending activities</a:t>
+            </a:r>
+            <a:endParaRPr lang="en-IN" sz="1100" kern="100" dirty="0">
+              <a:effectLst/>
+              <a:latin typeface="Calibri" panose="020F0502020204030204" pitchFamily="34" charset="0"/>
+              <a:ea typeface="Calibri" panose="020F0502020204030204" pitchFamily="34" charset="0"/>
+              <a:cs typeface="Times New Roman" panose="02020603050405020304" pitchFamily="18" charset="0"/>
+            </a:endParaRPr>
+          </a:p>
+          <a:p>
+            <a:pPr marL="342900" indent="-342900">
+              <a:lnSpc>
+                <a:spcPct val="150000"/>
+              </a:lnSpc>
+              <a:buFont typeface="+mj-lt"/>
+              <a:buAutoNum type="arabicPeriod"/>
+            </a:pPr>
+            <a:r>
+              <a:rPr lang="en-IN" sz="1100" b="1" dirty="0">
+                <a:effectLst/>
+                <a:latin typeface="Calibri" panose="020F0502020204030204" pitchFamily="34" charset="0"/>
+                <a:ea typeface="Calibri" panose="020F0502020204030204" pitchFamily="34" charset="0"/>
+                <a:cs typeface="Times New Roman" panose="02020603050405020304" pitchFamily="18" charset="0"/>
+              </a:rPr>
+              <a:t>Regional Analysis by State (Filled Map</a:t>
+            </a:r>
+            <a:r>
+              <a:rPr lang="en-IN" sz="1100" b="1" dirty="0">
+                <a:latin typeface="Calibri" panose="020F0502020204030204" pitchFamily="34" charset="0"/>
+                <a:ea typeface="Calibri" panose="020F0502020204030204" pitchFamily="34" charset="0"/>
+                <a:cs typeface="Times New Roman" panose="02020603050405020304" pitchFamily="18" charset="0"/>
+              </a:rPr>
+              <a:t>):</a:t>
+            </a:r>
+            <a:r>
+              <a:rPr lang="en-IN" sz="1100" dirty="0">
+                <a:latin typeface="Calibri" panose="020F0502020204030204" pitchFamily="34" charset="0"/>
+                <a:ea typeface="Calibri" panose="020F0502020204030204" pitchFamily="34" charset="0"/>
+                <a:cs typeface="Times New Roman" panose="02020603050405020304" pitchFamily="18" charset="0"/>
+              </a:rPr>
+              <a:t> To identify regions with significant lending activity and assess regional disparities</a:t>
+            </a:r>
+          </a:p>
+          <a:p>
+            <a:pPr marL="342900" indent="-342900">
+              <a:lnSpc>
+                <a:spcPct val="150000"/>
+              </a:lnSpc>
+              <a:buFont typeface="+mj-lt"/>
+              <a:buAutoNum type="arabicPeriod"/>
+            </a:pPr>
+            <a:r>
+              <a:rPr lang="en-IN" sz="1100" b="1" dirty="0">
+                <a:effectLst/>
+                <a:latin typeface="Calibri" panose="020F0502020204030204" pitchFamily="34" charset="0"/>
+                <a:ea typeface="Calibri" panose="020F0502020204030204" pitchFamily="34" charset="0"/>
+                <a:cs typeface="Times New Roman" panose="02020603050405020304" pitchFamily="18" charset="0"/>
+              </a:rPr>
+              <a:t>Loan Term Analysis (Donut Chart): </a:t>
+            </a:r>
+            <a:r>
+              <a:rPr lang="en-IN" sz="1100" dirty="0">
+                <a:latin typeface="Calibri" panose="020F0502020204030204" pitchFamily="34" charset="0"/>
+                <a:ea typeface="Calibri" panose="020F0502020204030204" pitchFamily="34" charset="0"/>
+                <a:cs typeface="Times New Roman" panose="02020603050405020304" pitchFamily="18" charset="0"/>
+              </a:rPr>
+              <a:t>To allow the client to understand the distribution of loans across various term lengths.</a:t>
+            </a:r>
+          </a:p>
+          <a:p>
+            <a:pPr marL="342900" indent="-342900">
+              <a:lnSpc>
+                <a:spcPct val="150000"/>
+              </a:lnSpc>
+              <a:buFont typeface="+mj-lt"/>
+              <a:buAutoNum type="arabicPeriod"/>
+            </a:pPr>
+            <a:r>
+              <a:rPr lang="en-IN" sz="1100" b="1" dirty="0">
+                <a:effectLst/>
+                <a:latin typeface="Calibri" panose="020F0502020204030204" pitchFamily="34" charset="0"/>
+                <a:ea typeface="Calibri" panose="020F0502020204030204" pitchFamily="34" charset="0"/>
+                <a:cs typeface="Times New Roman" panose="02020603050405020304" pitchFamily="18" charset="0"/>
+              </a:rPr>
+              <a:t>Employee Length Analysis (Bar Chart): </a:t>
+            </a:r>
+            <a:r>
+              <a:rPr lang="en-IN" sz="1100" dirty="0">
+                <a:latin typeface="Calibri" panose="020F0502020204030204" pitchFamily="34" charset="0"/>
+                <a:ea typeface="Calibri" panose="020F0502020204030204" pitchFamily="34" charset="0"/>
+                <a:cs typeface="Times New Roman" panose="02020603050405020304" pitchFamily="18" charset="0"/>
+              </a:rPr>
+              <a:t>How lending metrics are distributed among borrowers with different employment lengths, helping us assess the impact of employment history on loan applications.</a:t>
+            </a:r>
+          </a:p>
+          <a:p>
+            <a:pPr marL="342900" indent="-342900">
+              <a:lnSpc>
+                <a:spcPct val="150000"/>
+              </a:lnSpc>
+              <a:buFont typeface="+mj-lt"/>
+              <a:buAutoNum type="arabicPeriod"/>
+            </a:pPr>
+            <a:r>
+              <a:rPr lang="en-IN" sz="1100" b="1" dirty="0">
+                <a:effectLst/>
+                <a:latin typeface="Calibri" panose="020F0502020204030204" pitchFamily="34" charset="0"/>
+                <a:ea typeface="Calibri" panose="020F0502020204030204" pitchFamily="34" charset="0"/>
+                <a:cs typeface="Times New Roman" panose="02020603050405020304" pitchFamily="18" charset="0"/>
+              </a:rPr>
+              <a:t>Loan Purpose Breakdown (Bar Chart): W</a:t>
+            </a:r>
+            <a:r>
+              <a:rPr lang="en-IN" sz="1100" dirty="0">
+                <a:latin typeface="Calibri" panose="020F0502020204030204" pitchFamily="34" charset="0"/>
+                <a:ea typeface="Calibri" panose="020F0502020204030204" pitchFamily="34" charset="0"/>
+                <a:cs typeface="Times New Roman" panose="02020603050405020304" pitchFamily="18" charset="0"/>
+              </a:rPr>
+              <a:t>ill provide a visual breakdown of loan metrics based on the stated purposes of loans, aiding in the understanding of the primary reasons borrowers seek financing.</a:t>
+            </a:r>
+          </a:p>
+          <a:p>
+            <a:pPr marL="342900" indent="-342900">
+              <a:lnSpc>
+                <a:spcPct val="150000"/>
+              </a:lnSpc>
+              <a:buFont typeface="+mj-lt"/>
+              <a:buAutoNum type="arabicPeriod"/>
+            </a:pPr>
+            <a:r>
+              <a:rPr lang="en-IN" sz="1100" b="1" dirty="0">
+                <a:effectLst/>
+                <a:latin typeface="Calibri" panose="020F0502020204030204" pitchFamily="34" charset="0"/>
+                <a:ea typeface="Calibri" panose="020F0502020204030204" pitchFamily="34" charset="0"/>
+                <a:cs typeface="Times New Roman" panose="02020603050405020304" pitchFamily="18" charset="0"/>
+              </a:rPr>
+              <a:t>Home Ownership Analysis (Tree Map): </a:t>
+            </a:r>
+            <a:r>
+              <a:rPr lang="en-IN" sz="1100" dirty="0">
+                <a:latin typeface="Calibri" panose="020F0502020204030204" pitchFamily="34" charset="0"/>
+                <a:ea typeface="Calibri" panose="020F0502020204030204" pitchFamily="34" charset="0"/>
+                <a:cs typeface="Times New Roman" panose="02020603050405020304" pitchFamily="18" charset="0"/>
+              </a:rPr>
+              <a:t>For a hierarchical view of how home ownership impacts loan applications and disbursements.</a:t>
+            </a:r>
+            <a:endParaRPr lang="en-IN" sz="1100" b="1" kern="100" dirty="0">
+              <a:latin typeface="Calibri" panose="020F0502020204030204" pitchFamily="34" charset="0"/>
+              <a:ea typeface="Calibri" panose="020F0502020204030204" pitchFamily="34" charset="0"/>
+              <a:cs typeface="Times New Roman" panose="02020603050405020304" pitchFamily="18" charset="0"/>
+            </a:endParaRPr>
+          </a:p>
+          <a:p>
+            <a:r>
+              <a:rPr lang="en-IN" sz="1100" b="1" i="1" u="sng" kern="100" dirty="0">
+                <a:effectLst/>
+                <a:latin typeface="Calibri" panose="020F0502020204030204" pitchFamily="34" charset="0"/>
+                <a:ea typeface="Calibri" panose="020F0502020204030204" pitchFamily="34" charset="0"/>
+                <a:cs typeface="Times New Roman" panose="02020603050405020304" pitchFamily="18" charset="0"/>
+              </a:rPr>
+              <a:t>Metrics to be shown: 'Total Loan Applications,' 'Total Funded Amount,' and 'Total Amount Received'</a:t>
+            </a:r>
+          </a:p>
+        </p:txBody>
+      </p:sp>
+    </p:spTree>
+    <p:extLst>
+      <p:ext uri="{BB962C8B-B14F-4D97-AF65-F5344CB8AC3E}">
+        <p14:creationId xmlns:p14="http://schemas.microsoft.com/office/powerpoint/2010/main" val="96209696"/>
+      </p:ext>
+    </p:extLst>
+  </p:cSld>
+  <p:clrMapOvr>
+    <a:masterClrMapping/>
+  </p:clrMapOvr>
+</p:sld>
+</file>
+
+<file path=ppt/slides/slide15.xml><?xml version="1.0" encoding="utf-8"?>
+<p:sld xmlns:a="http://schemas.openxmlformats.org/drawingml/2006/main" xmlns:r="http://schemas.openxmlformats.org/officeDocument/2006/relationships" xmlns:p="http://schemas.openxmlformats.org/presentationml/2006/main">
+  <p:cSld>
+    <p:spTree>
+      <p:nvGrpSpPr>
+        <p:cNvPr id="1" name=""/>
+        <p:cNvGrpSpPr/>
+        <p:nvPr/>
+      </p:nvGrpSpPr>
+      <p:grpSpPr>
+        <a:xfrm>
+          <a:off x="0" y="0"/>
+          <a:ext cx="0" cy="0"/>
+          <a:chOff x="0" y="0"/>
+          <a:chExt cx="0" cy="0"/>
+        </a:xfrm>
+      </p:grpSpPr>
+      <p:cxnSp>
+        <p:nvCxnSpPr>
+          <p:cNvPr id="4" name="Straight Connector 3">
+            <a:extLst>
+              <a:ext uri="{FF2B5EF4-FFF2-40B4-BE49-F238E27FC236}">
+                <a16:creationId xmlns:a16="http://schemas.microsoft.com/office/drawing/2014/main" id="{2D5AE59F-CB3E-3DF5-5AA4-447172567935}"/>
+              </a:ext>
+            </a:extLst>
+          </p:cNvPr>
+          <p:cNvCxnSpPr/>
+          <p:nvPr/>
+        </p:nvCxnSpPr>
+        <p:spPr>
+          <a:xfrm>
+            <a:off x="422787" y="688259"/>
+            <a:ext cx="11346426" cy="0"/>
+          </a:xfrm>
+          <a:prstGeom prst="line">
+            <a:avLst/>
+          </a:prstGeom>
+        </p:spPr>
+        <p:style>
+          <a:lnRef idx="2">
+            <a:schemeClr val="accent1"/>
+          </a:lnRef>
+          <a:fillRef idx="0">
+            <a:schemeClr val="accent1"/>
+          </a:fillRef>
+          <a:effectRef idx="1">
+            <a:schemeClr val="accent1"/>
+          </a:effectRef>
+          <a:fontRef idx="minor">
+            <a:schemeClr val="tx1"/>
+          </a:fontRef>
+        </p:style>
+      </p:cxnSp>
+      <p:sp>
+        <p:nvSpPr>
+          <p:cNvPr id="7" name="TextBox 6">
+            <a:extLst>
+              <a:ext uri="{FF2B5EF4-FFF2-40B4-BE49-F238E27FC236}">
+                <a16:creationId xmlns:a16="http://schemas.microsoft.com/office/drawing/2014/main" id="{5D2F04BA-F0B8-E665-5C79-E01ED1505A9B}"/>
+              </a:ext>
+            </a:extLst>
+          </p:cNvPr>
+          <p:cNvSpPr txBox="1"/>
+          <p:nvPr/>
+        </p:nvSpPr>
+        <p:spPr>
+          <a:xfrm>
+            <a:off x="299880" y="196684"/>
+            <a:ext cx="9979584" cy="446276"/>
+          </a:xfrm>
+          <a:prstGeom prst="rect">
+            <a:avLst/>
+          </a:prstGeom>
+          <a:noFill/>
+        </p:spPr>
+        <p:txBody>
+          <a:bodyPr wrap="square" rtlCol="0">
+            <a:spAutoFit/>
+          </a:bodyPr>
+          <a:lstStyle/>
+          <a:p>
+            <a:r>
+              <a:rPr lang="en-US" sz="2300" dirty="0">
+                <a:solidFill>
+                  <a:schemeClr val="accent1">
+                    <a:lumMod val="50000"/>
+                  </a:schemeClr>
+                </a:solidFill>
+                <a:latin typeface="Georgia Pro" panose="020F0502020204030204" pitchFamily="18" charset="0"/>
+              </a:rPr>
+              <a:t>Dashboard 2: Overview</a:t>
+            </a:r>
+            <a:endParaRPr lang="en-IN" sz="2300" dirty="0">
+              <a:solidFill>
+                <a:schemeClr val="accent1">
+                  <a:lumMod val="50000"/>
+                </a:schemeClr>
+              </a:solidFill>
+              <a:latin typeface="Georgia Pro" panose="020F0502020204030204" pitchFamily="18" charset="0"/>
+            </a:endParaRPr>
+          </a:p>
+        </p:txBody>
+      </p:sp>
+      <p:sp>
+        <p:nvSpPr>
+          <p:cNvPr id="12" name="TextBox 11">
+            <a:extLst>
+              <a:ext uri="{FF2B5EF4-FFF2-40B4-BE49-F238E27FC236}">
+                <a16:creationId xmlns:a16="http://schemas.microsoft.com/office/drawing/2014/main" id="{5ABFA060-8C91-AA45-26B5-DCB7CBFC65CE}"/>
+              </a:ext>
+            </a:extLst>
+          </p:cNvPr>
+          <p:cNvSpPr txBox="1"/>
+          <p:nvPr/>
+        </p:nvSpPr>
+        <p:spPr>
+          <a:xfrm>
+            <a:off x="299879" y="718418"/>
+            <a:ext cx="11469334" cy="600164"/>
+          </a:xfrm>
+          <a:prstGeom prst="rect">
+            <a:avLst/>
+          </a:prstGeom>
+          <a:noFill/>
+        </p:spPr>
+        <p:txBody>
+          <a:bodyPr wrap="square" rtlCol="0">
+            <a:spAutoFit/>
+          </a:bodyPr>
+          <a:lstStyle/>
+          <a:p>
+            <a:pPr marL="171450" indent="-171450">
+              <a:buFont typeface="Arial" panose="020B0604020202020204" pitchFamily="34" charset="0"/>
+              <a:buChar char="•"/>
+            </a:pPr>
+            <a:r>
+              <a:rPr lang="en-IN" sz="1100" kern="100" dirty="0">
+                <a:effectLst/>
+                <a:latin typeface="Calibri" panose="020F0502020204030204" pitchFamily="34" charset="0"/>
+                <a:ea typeface="Calibri" panose="020F0502020204030204" pitchFamily="34" charset="0"/>
+                <a:cs typeface="Times New Roman" panose="02020603050405020304" pitchFamily="18" charset="0"/>
+              </a:rPr>
+              <a:t>SQL scripts were</a:t>
+            </a:r>
+            <a:r>
+              <a:rPr lang="en-IN" sz="1100" kern="100" dirty="0">
+                <a:latin typeface="Calibri" panose="020F0502020204030204" pitchFamily="34" charset="0"/>
+                <a:ea typeface="Calibri" panose="020F0502020204030204" pitchFamily="34" charset="0"/>
+                <a:cs typeface="Times New Roman" panose="02020603050405020304" pitchFamily="18" charset="0"/>
+              </a:rPr>
+              <a:t> written to generate results corresponding to the dashboard’s visualization results to validate the dashboard. Click </a:t>
+            </a:r>
+            <a:r>
+              <a:rPr lang="en-IN" sz="1100" kern="100" dirty="0">
+                <a:latin typeface="Calibri" panose="020F0502020204030204" pitchFamily="34" charset="0"/>
+                <a:ea typeface="Calibri" panose="020F0502020204030204" pitchFamily="34" charset="0"/>
+                <a:cs typeface="Times New Roman" panose="02020603050405020304" pitchFamily="18" charset="0"/>
+                <a:hlinkClick r:id="rId2"/>
+              </a:rPr>
+              <a:t>here</a:t>
+            </a:r>
+            <a:r>
+              <a:rPr lang="en-IN" sz="1100" kern="100" dirty="0">
+                <a:latin typeface="Calibri" panose="020F0502020204030204" pitchFamily="34" charset="0"/>
+                <a:ea typeface="Calibri" panose="020F0502020204030204" pitchFamily="34" charset="0"/>
+                <a:cs typeface="Times New Roman" panose="02020603050405020304" pitchFamily="18" charset="0"/>
+              </a:rPr>
+              <a:t> to explore the SQL scripts. Click </a:t>
+            </a:r>
+            <a:r>
+              <a:rPr lang="en-IN" sz="1100" kern="100" dirty="0">
+                <a:latin typeface="Calibri" panose="020F0502020204030204" pitchFamily="34" charset="0"/>
+                <a:ea typeface="Calibri" panose="020F0502020204030204" pitchFamily="34" charset="0"/>
+                <a:cs typeface="Times New Roman" panose="02020603050405020304" pitchFamily="18" charset="0"/>
+                <a:hlinkClick r:id="rId3"/>
+              </a:rPr>
+              <a:t>here</a:t>
+            </a:r>
+            <a:r>
+              <a:rPr lang="en-IN" sz="1100" kern="100" dirty="0">
+                <a:latin typeface="Calibri" panose="020F0502020204030204" pitchFamily="34" charset="0"/>
+                <a:ea typeface="Calibri" panose="020F0502020204030204" pitchFamily="34" charset="0"/>
+                <a:cs typeface="Times New Roman" panose="02020603050405020304" pitchFamily="18" charset="0"/>
+              </a:rPr>
+              <a:t> to download the Validation Report. </a:t>
+            </a:r>
+          </a:p>
+          <a:p>
+            <a:pPr marL="171450" indent="-171450">
+              <a:buFont typeface="Arial" panose="020B0604020202020204" pitchFamily="34" charset="0"/>
+              <a:buChar char="•"/>
+            </a:pPr>
+            <a:r>
+              <a:rPr lang="en-IN" sz="1100" kern="100" dirty="0">
+                <a:latin typeface="Calibri" panose="020F0502020204030204" pitchFamily="34" charset="0"/>
+                <a:ea typeface="Calibri" panose="020F0502020204030204" pitchFamily="34" charset="0"/>
+                <a:cs typeface="Times New Roman" panose="02020603050405020304" pitchFamily="18" charset="0"/>
+              </a:rPr>
+              <a:t>This dashboard has 22 Measures, 1 Field Parameter, 1 table and 1 group. Click </a:t>
+            </a:r>
+            <a:r>
+              <a:rPr lang="en-IN" sz="1100" kern="100" dirty="0">
+                <a:latin typeface="Calibri" panose="020F0502020204030204" pitchFamily="34" charset="0"/>
+                <a:ea typeface="Calibri" panose="020F0502020204030204" pitchFamily="34" charset="0"/>
+                <a:cs typeface="Times New Roman" panose="02020603050405020304" pitchFamily="18" charset="0"/>
+                <a:hlinkClick r:id="rId4"/>
+              </a:rPr>
+              <a:t>here</a:t>
+            </a:r>
+            <a:r>
+              <a:rPr lang="en-IN" sz="1100" kern="100" dirty="0">
+                <a:latin typeface="Calibri" panose="020F0502020204030204" pitchFamily="34" charset="0"/>
+                <a:ea typeface="Calibri" panose="020F0502020204030204" pitchFamily="34" charset="0"/>
+                <a:cs typeface="Times New Roman" panose="02020603050405020304" pitchFamily="18" charset="0"/>
+              </a:rPr>
+              <a:t> to download the DAX queries to generate the mentioned features.</a:t>
+            </a:r>
+          </a:p>
+        </p:txBody>
+      </p:sp>
+      <p:pic>
+        <p:nvPicPr>
+          <p:cNvPr id="3" name="Picture 2" descr="A screenshot of a computer screen&#10;&#10;Description automatically generated">
+            <a:extLst>
+              <a:ext uri="{FF2B5EF4-FFF2-40B4-BE49-F238E27FC236}">
+                <a16:creationId xmlns:a16="http://schemas.microsoft.com/office/drawing/2014/main" id="{AB42F759-54CF-975F-D9C9-B5ACD2044B0E}"/>
+              </a:ext>
+            </a:extLst>
+          </p:cNvPr>
+          <p:cNvPicPr>
+            <a:picLocks noChangeAspect="1"/>
+          </p:cNvPicPr>
+          <p:nvPr/>
+        </p:nvPicPr>
+        <p:blipFill>
+          <a:blip r:embed="rId5">
+            <a:extLst>
+              <a:ext uri="{28A0092B-C50C-407E-A947-70E740481C1C}">
+                <a14:useLocalDpi xmlns:a14="http://schemas.microsoft.com/office/drawing/2010/main" val="0"/>
+              </a:ext>
+            </a:extLst>
+          </a:blip>
+          <a:stretch>
+            <a:fillRect/>
+          </a:stretch>
+        </p:blipFill>
+        <p:spPr>
+          <a:xfrm>
+            <a:off x="1297496" y="1394040"/>
+            <a:ext cx="9597008" cy="5330932"/>
+          </a:xfrm>
+          <a:prstGeom prst="rect">
+            <a:avLst/>
+          </a:prstGeom>
+        </p:spPr>
+      </p:pic>
+    </p:spTree>
+    <p:extLst>
+      <p:ext uri="{BB962C8B-B14F-4D97-AF65-F5344CB8AC3E}">
+        <p14:creationId xmlns:p14="http://schemas.microsoft.com/office/powerpoint/2010/main" val="1305698101"/>
+      </p:ext>
+    </p:extLst>
+  </p:cSld>
+  <p:clrMapOvr>
+    <a:masterClrMapping/>
+  </p:clrMapOvr>
+</p:sld>
+</file>
+
+<file path=ppt/slides/slide16.xml><?xml version="1.0" encoding="utf-8"?>
+<p:sld xmlns:a="http://schemas.openxmlformats.org/drawingml/2006/main" xmlns:r="http://schemas.openxmlformats.org/officeDocument/2006/relationships" xmlns:p="http://schemas.openxmlformats.org/presentationml/2006/main">
+  <p:cSld>
+    <p:spTree>
+      <p:nvGrpSpPr>
+        <p:cNvPr id="1" name=""/>
+        <p:cNvGrpSpPr/>
+        <p:nvPr/>
+      </p:nvGrpSpPr>
+      <p:grpSpPr>
+        <a:xfrm>
+          <a:off x="0" y="0"/>
+          <a:ext cx="0" cy="0"/>
+          <a:chOff x="0" y="0"/>
+          <a:chExt cx="0" cy="0"/>
+        </a:xfrm>
+      </p:grpSpPr>
+      <p:cxnSp>
+        <p:nvCxnSpPr>
+          <p:cNvPr id="4" name="Straight Connector 3">
+            <a:extLst>
+              <a:ext uri="{FF2B5EF4-FFF2-40B4-BE49-F238E27FC236}">
+                <a16:creationId xmlns:a16="http://schemas.microsoft.com/office/drawing/2014/main" id="{FEC7D071-925A-A25D-E05E-32C77ACDD222}"/>
+              </a:ext>
+            </a:extLst>
+          </p:cNvPr>
+          <p:cNvCxnSpPr/>
+          <p:nvPr/>
+        </p:nvCxnSpPr>
+        <p:spPr>
+          <a:xfrm>
+            <a:off x="422787" y="688259"/>
+            <a:ext cx="11346426" cy="0"/>
+          </a:xfrm>
+          <a:prstGeom prst="line">
+            <a:avLst/>
+          </a:prstGeom>
+        </p:spPr>
+        <p:style>
+          <a:lnRef idx="2">
+            <a:schemeClr val="accent1"/>
+          </a:lnRef>
+          <a:fillRef idx="0">
+            <a:schemeClr val="accent1"/>
+          </a:fillRef>
+          <a:effectRef idx="1">
+            <a:schemeClr val="accent1"/>
+          </a:effectRef>
+          <a:fontRef idx="minor">
+            <a:schemeClr val="tx1"/>
+          </a:fontRef>
+        </p:style>
+      </p:cxnSp>
+      <p:sp>
+        <p:nvSpPr>
+          <p:cNvPr id="7" name="Content Placeholder 2">
+            <a:extLst>
+              <a:ext uri="{FF2B5EF4-FFF2-40B4-BE49-F238E27FC236}">
+                <a16:creationId xmlns:a16="http://schemas.microsoft.com/office/drawing/2014/main" id="{4F6E7C57-FDA4-0EA0-DD37-9A3F30183BCB}"/>
+              </a:ext>
+            </a:extLst>
+          </p:cNvPr>
+          <p:cNvSpPr>
+            <a:spLocks noGrp="1"/>
+          </p:cNvSpPr>
+          <p:nvPr>
+            <p:ph idx="1"/>
+          </p:nvPr>
+        </p:nvSpPr>
+        <p:spPr>
+          <a:xfrm>
+            <a:off x="299879" y="835232"/>
+            <a:ext cx="11469334" cy="5933186"/>
+          </a:xfrm>
+        </p:spPr>
+        <p:txBody>
+          <a:bodyPr>
+            <a:normAutofit/>
+          </a:bodyPr>
+          <a:lstStyle/>
+          <a:p>
+            <a:pPr>
+              <a:lnSpc>
+                <a:spcPct val="100000"/>
+              </a:lnSpc>
+            </a:pPr>
+            <a:r>
+              <a:rPr lang="en-IN" sz="1400" b="1" kern="100" dirty="0">
+                <a:solidFill>
+                  <a:schemeClr val="accent1">
+                    <a:lumMod val="75000"/>
+                  </a:schemeClr>
+                </a:solidFill>
+                <a:effectLst/>
+                <a:latin typeface="Calibri" panose="020F0502020204030204" pitchFamily="34" charset="0"/>
+                <a:ea typeface="Calibri" panose="020F0502020204030204" pitchFamily="34" charset="0"/>
+                <a:cs typeface="Times New Roman" panose="02020603050405020304" pitchFamily="18" charset="0"/>
+              </a:rPr>
+              <a:t>GRID</a:t>
+            </a:r>
+          </a:p>
+          <a:p>
+            <a:pPr marL="457200" lvl="1" indent="0">
+              <a:lnSpc>
+                <a:spcPct val="100000"/>
+              </a:lnSpc>
+              <a:buNone/>
+            </a:pPr>
+            <a:r>
+              <a:rPr lang="en-IN" sz="1100" kern="100" dirty="0">
+                <a:effectLst/>
+                <a:latin typeface="Calibri" panose="020F0502020204030204" pitchFamily="34" charset="0"/>
+                <a:ea typeface="Calibri" panose="020F0502020204030204" pitchFamily="34" charset="0"/>
+                <a:cs typeface="Times New Roman" panose="02020603050405020304" pitchFamily="18" charset="0"/>
+              </a:rPr>
+              <a:t>Need for a comprehensive 'Details Dashboard' that provides a consolidated view of all the essential information within our loan data. This Details Dashboard aims to offer a holistic snapshot of key loan-related metrics and data points, enabling users to access critical information efficiently.</a:t>
+            </a:r>
+          </a:p>
+          <a:p>
+            <a:pPr algn="just">
+              <a:lnSpc>
+                <a:spcPct val="100000"/>
+              </a:lnSpc>
+              <a:spcAft>
+                <a:spcPts val="800"/>
+              </a:spcAft>
+            </a:pPr>
+            <a:r>
+              <a:rPr lang="en-IN" sz="1400" b="1" kern="100" dirty="0">
+                <a:solidFill>
+                  <a:schemeClr val="accent1">
+                    <a:lumMod val="75000"/>
+                  </a:schemeClr>
+                </a:solidFill>
+                <a:effectLst/>
+                <a:latin typeface="Calibri" panose="020F0502020204030204" pitchFamily="34" charset="0"/>
+                <a:ea typeface="Calibri" panose="020F0502020204030204" pitchFamily="34" charset="0"/>
+                <a:cs typeface="Times New Roman" panose="02020603050405020304" pitchFamily="18" charset="0"/>
+              </a:rPr>
+              <a:t>Objective:</a:t>
+            </a:r>
+          </a:p>
+          <a:p>
+            <a:pPr marL="457200" lvl="1" indent="0" algn="just">
+              <a:lnSpc>
+                <a:spcPct val="100000"/>
+              </a:lnSpc>
+              <a:spcAft>
+                <a:spcPts val="800"/>
+              </a:spcAft>
+              <a:buNone/>
+            </a:pPr>
+            <a:r>
+              <a:rPr lang="en-IN" sz="1100" kern="100" dirty="0">
+                <a:effectLst/>
+                <a:latin typeface="Calibri" panose="020F0502020204030204" pitchFamily="34" charset="0"/>
+                <a:ea typeface="Calibri" panose="020F0502020204030204" pitchFamily="34" charset="0"/>
+                <a:cs typeface="Times New Roman" panose="02020603050405020304" pitchFamily="18" charset="0"/>
+              </a:rPr>
+              <a:t>The primary objective of the Details Dashboard is to provide a comprehensive and user-friendly interface for accessing vital loan data. It will serve as a one-stop solution for users seeking detailed insights into our loan portfolio, borrower profiles, and loan performance.</a:t>
+            </a:r>
+          </a:p>
+        </p:txBody>
+      </p:sp>
+      <p:sp>
+        <p:nvSpPr>
+          <p:cNvPr id="2" name="TextBox 1">
+            <a:extLst>
+              <a:ext uri="{FF2B5EF4-FFF2-40B4-BE49-F238E27FC236}">
+                <a16:creationId xmlns:a16="http://schemas.microsoft.com/office/drawing/2014/main" id="{2F00E685-236E-72A4-B986-9FAE9261022A}"/>
+              </a:ext>
+            </a:extLst>
+          </p:cNvPr>
+          <p:cNvSpPr txBox="1"/>
+          <p:nvPr/>
+        </p:nvSpPr>
+        <p:spPr>
+          <a:xfrm>
+            <a:off x="299880" y="196684"/>
+            <a:ext cx="9979584" cy="446276"/>
+          </a:xfrm>
+          <a:prstGeom prst="rect">
+            <a:avLst/>
+          </a:prstGeom>
+          <a:noFill/>
+        </p:spPr>
+        <p:txBody>
+          <a:bodyPr wrap="square" rtlCol="0">
+            <a:spAutoFit/>
+          </a:bodyPr>
+          <a:lstStyle/>
+          <a:p>
+            <a:r>
+              <a:rPr lang="en-US" sz="2300" dirty="0">
+                <a:solidFill>
+                  <a:schemeClr val="accent1">
+                    <a:lumMod val="50000"/>
+                  </a:schemeClr>
+                </a:solidFill>
+                <a:latin typeface="Georgia Pro" panose="020F0502020204030204" pitchFamily="18" charset="0"/>
+              </a:rPr>
+              <a:t>Dashboard 3: Details. Problem Statement</a:t>
+            </a:r>
+            <a:endParaRPr lang="en-IN" sz="2300" dirty="0">
+              <a:solidFill>
+                <a:schemeClr val="accent1">
+                  <a:lumMod val="50000"/>
+                </a:schemeClr>
+              </a:solidFill>
+              <a:latin typeface="Georgia Pro" panose="020F0502020204030204" pitchFamily="18" charset="0"/>
+            </a:endParaRPr>
+          </a:p>
+        </p:txBody>
+      </p:sp>
+    </p:spTree>
+    <p:extLst>
+      <p:ext uri="{BB962C8B-B14F-4D97-AF65-F5344CB8AC3E}">
+        <p14:creationId xmlns:p14="http://schemas.microsoft.com/office/powerpoint/2010/main" val="1515277213"/>
+      </p:ext>
+    </p:extLst>
+  </p:cSld>
+  <p:clrMapOvr>
+    <a:masterClrMapping/>
+  </p:clrMapOvr>
+</p:sld>
+</file>
+
+<file path=ppt/slides/slide17.xml><?xml version="1.0" encoding="utf-8"?>
+<p:sld xmlns:a="http://schemas.openxmlformats.org/drawingml/2006/main" xmlns:r="http://schemas.openxmlformats.org/officeDocument/2006/relationships" xmlns:p="http://schemas.openxmlformats.org/presentationml/2006/main">
+  <p:cSld>
+    <p:spTree>
+      <p:nvGrpSpPr>
+        <p:cNvPr id="1" name=""/>
+        <p:cNvGrpSpPr/>
+        <p:nvPr/>
+      </p:nvGrpSpPr>
+      <p:grpSpPr>
+        <a:xfrm>
+          <a:off x="0" y="0"/>
+          <a:ext cx="0" cy="0"/>
+          <a:chOff x="0" y="0"/>
+          <a:chExt cx="0" cy="0"/>
+        </a:xfrm>
+      </p:grpSpPr>
+      <p:cxnSp>
+        <p:nvCxnSpPr>
+          <p:cNvPr id="4" name="Straight Connector 3">
+            <a:extLst>
+              <a:ext uri="{FF2B5EF4-FFF2-40B4-BE49-F238E27FC236}">
+                <a16:creationId xmlns:a16="http://schemas.microsoft.com/office/drawing/2014/main" id="{2D5AE59F-CB3E-3DF5-5AA4-447172567935}"/>
+              </a:ext>
+            </a:extLst>
+          </p:cNvPr>
+          <p:cNvCxnSpPr/>
+          <p:nvPr/>
+        </p:nvCxnSpPr>
+        <p:spPr>
+          <a:xfrm>
+            <a:off x="422787" y="688259"/>
+            <a:ext cx="11346426" cy="0"/>
+          </a:xfrm>
+          <a:prstGeom prst="line">
+            <a:avLst/>
+          </a:prstGeom>
+        </p:spPr>
+        <p:style>
+          <a:lnRef idx="2">
+            <a:schemeClr val="accent1"/>
+          </a:lnRef>
+          <a:fillRef idx="0">
+            <a:schemeClr val="accent1"/>
+          </a:fillRef>
+          <a:effectRef idx="1">
+            <a:schemeClr val="accent1"/>
+          </a:effectRef>
+          <a:fontRef idx="minor">
+            <a:schemeClr val="tx1"/>
+          </a:fontRef>
+        </p:style>
+      </p:cxnSp>
+      <p:sp>
+        <p:nvSpPr>
+          <p:cNvPr id="7" name="TextBox 6">
+            <a:extLst>
+              <a:ext uri="{FF2B5EF4-FFF2-40B4-BE49-F238E27FC236}">
+                <a16:creationId xmlns:a16="http://schemas.microsoft.com/office/drawing/2014/main" id="{5D2F04BA-F0B8-E665-5C79-E01ED1505A9B}"/>
+              </a:ext>
+            </a:extLst>
+          </p:cNvPr>
+          <p:cNvSpPr txBox="1"/>
+          <p:nvPr/>
+        </p:nvSpPr>
+        <p:spPr>
+          <a:xfrm>
+            <a:off x="299880" y="196684"/>
+            <a:ext cx="9979584" cy="446276"/>
+          </a:xfrm>
+          <a:prstGeom prst="rect">
+            <a:avLst/>
+          </a:prstGeom>
+          <a:noFill/>
+        </p:spPr>
+        <p:txBody>
+          <a:bodyPr wrap="square" rtlCol="0">
+            <a:spAutoFit/>
+          </a:bodyPr>
+          <a:lstStyle/>
+          <a:p>
+            <a:r>
+              <a:rPr lang="en-US" sz="2300" dirty="0">
+                <a:solidFill>
+                  <a:schemeClr val="accent1">
+                    <a:lumMod val="50000"/>
+                  </a:schemeClr>
+                </a:solidFill>
+                <a:latin typeface="Georgia Pro" panose="020F0502020204030204" pitchFamily="18" charset="0"/>
+              </a:rPr>
+              <a:t>Dashboard 3: Details</a:t>
+            </a:r>
+            <a:endParaRPr lang="en-IN" sz="2300" dirty="0">
+              <a:solidFill>
+                <a:schemeClr val="accent1">
+                  <a:lumMod val="50000"/>
+                </a:schemeClr>
+              </a:solidFill>
+              <a:latin typeface="Georgia Pro" panose="020F0502020204030204" pitchFamily="18" charset="0"/>
+            </a:endParaRPr>
+          </a:p>
+        </p:txBody>
+      </p:sp>
+      <p:sp>
+        <p:nvSpPr>
+          <p:cNvPr id="12" name="TextBox 11">
+            <a:extLst>
+              <a:ext uri="{FF2B5EF4-FFF2-40B4-BE49-F238E27FC236}">
+                <a16:creationId xmlns:a16="http://schemas.microsoft.com/office/drawing/2014/main" id="{5ABFA060-8C91-AA45-26B5-DCB7CBFC65CE}"/>
+              </a:ext>
+            </a:extLst>
+          </p:cNvPr>
+          <p:cNvSpPr txBox="1"/>
+          <p:nvPr/>
+        </p:nvSpPr>
+        <p:spPr>
+          <a:xfrm>
+            <a:off x="299879" y="825717"/>
+            <a:ext cx="11469334" cy="261610"/>
+          </a:xfrm>
+          <a:prstGeom prst="rect">
+            <a:avLst/>
+          </a:prstGeom>
+          <a:noFill/>
+        </p:spPr>
+        <p:txBody>
+          <a:bodyPr wrap="square" rtlCol="0">
+            <a:spAutoFit/>
+          </a:bodyPr>
+          <a:lstStyle/>
+          <a:p>
+            <a:pPr marL="171450" indent="-171450">
+              <a:buFont typeface="Arial" panose="020B0604020202020204" pitchFamily="34" charset="0"/>
+              <a:buChar char="•"/>
+            </a:pPr>
+            <a:r>
+              <a:rPr lang="en-IN" sz="1100" kern="100" dirty="0">
+                <a:latin typeface="Calibri" panose="020F0502020204030204" pitchFamily="34" charset="0"/>
+                <a:ea typeface="Calibri" panose="020F0502020204030204" pitchFamily="34" charset="0"/>
+                <a:cs typeface="Times New Roman" panose="02020603050405020304" pitchFamily="18" charset="0"/>
+              </a:rPr>
+              <a:t>This dashboard has 22 Measures, 1 Field Parameter, 1 table and 1 group. Click </a:t>
+            </a:r>
+            <a:r>
+              <a:rPr lang="en-IN" sz="1100" kern="100" dirty="0">
+                <a:latin typeface="Calibri" panose="020F0502020204030204" pitchFamily="34" charset="0"/>
+                <a:ea typeface="Calibri" panose="020F0502020204030204" pitchFamily="34" charset="0"/>
+                <a:cs typeface="Times New Roman" panose="02020603050405020304" pitchFamily="18" charset="0"/>
+                <a:hlinkClick r:id="rId2"/>
+              </a:rPr>
+              <a:t>here</a:t>
+            </a:r>
+            <a:r>
+              <a:rPr lang="en-IN" sz="1100" kern="100" dirty="0">
+                <a:latin typeface="Calibri" panose="020F0502020204030204" pitchFamily="34" charset="0"/>
+                <a:ea typeface="Calibri" panose="020F0502020204030204" pitchFamily="34" charset="0"/>
+                <a:cs typeface="Times New Roman" panose="02020603050405020304" pitchFamily="18" charset="0"/>
+              </a:rPr>
+              <a:t> to download the DAX queries to generate the mentioned features.</a:t>
+            </a:r>
+          </a:p>
+        </p:txBody>
+      </p:sp>
+      <p:pic>
+        <p:nvPicPr>
+          <p:cNvPr id="6" name="Picture 5" descr="A screenshot of a computer screen&#10;&#10;Description automatically generated">
+            <a:extLst>
+              <a:ext uri="{FF2B5EF4-FFF2-40B4-BE49-F238E27FC236}">
+                <a16:creationId xmlns:a16="http://schemas.microsoft.com/office/drawing/2014/main" id="{4C14B61F-805A-A112-EF4D-EE6736BCA41A}"/>
+              </a:ext>
+            </a:extLst>
+          </p:cNvPr>
+          <p:cNvPicPr>
+            <a:picLocks noChangeAspect="1"/>
+          </p:cNvPicPr>
+          <p:nvPr/>
+        </p:nvPicPr>
+        <p:blipFill>
+          <a:blip r:embed="rId3">
+            <a:extLst>
+              <a:ext uri="{28A0092B-C50C-407E-A947-70E740481C1C}">
+                <a14:useLocalDpi xmlns:a14="http://schemas.microsoft.com/office/drawing/2010/main" val="0"/>
+              </a:ext>
+            </a:extLst>
+          </a:blip>
+          <a:stretch>
+            <a:fillRect/>
+          </a:stretch>
+        </p:blipFill>
+        <p:spPr>
+          <a:xfrm>
+            <a:off x="1128392" y="1270084"/>
+            <a:ext cx="9935216" cy="5531087"/>
+          </a:xfrm>
+          <a:prstGeom prst="rect">
+            <a:avLst/>
+          </a:prstGeom>
+        </p:spPr>
+      </p:pic>
+    </p:spTree>
+    <p:extLst>
+      <p:ext uri="{BB962C8B-B14F-4D97-AF65-F5344CB8AC3E}">
+        <p14:creationId xmlns:p14="http://schemas.microsoft.com/office/powerpoint/2010/main" val="3464544018"/>
+      </p:ext>
+    </p:extLst>
+  </p:cSld>
+  <p:clrMapOvr>
+    <a:masterClrMapping/>
+  </p:clrMapOvr>
+</p:sld>
+</file>
+
+<file path=ppt/slides/slide18.xml><?xml version="1.0" encoding="utf-8"?>
+<p:sld xmlns:a="http://schemas.openxmlformats.org/drawingml/2006/main" xmlns:r="http://schemas.openxmlformats.org/officeDocument/2006/relationships" xmlns:p="http://schemas.openxmlformats.org/presentationml/2006/main">
+  <p:cSld>
+    <p:spTree>
+      <p:nvGrpSpPr>
+        <p:cNvPr id="1" name=""/>
+        <p:cNvGrpSpPr/>
+        <p:nvPr/>
+      </p:nvGrpSpPr>
+      <p:grpSpPr>
+        <a:xfrm>
+          <a:off x="0" y="0"/>
+          <a:ext cx="0" cy="0"/>
+          <a:chOff x="0" y="0"/>
+          <a:chExt cx="0" cy="0"/>
+        </a:xfrm>
+      </p:grpSpPr>
+      <p:cxnSp>
+        <p:nvCxnSpPr>
+          <p:cNvPr id="4" name="Straight Connector 3">
+            <a:extLst>
+              <a:ext uri="{FF2B5EF4-FFF2-40B4-BE49-F238E27FC236}">
+                <a16:creationId xmlns:a16="http://schemas.microsoft.com/office/drawing/2014/main" id="{FEC7D071-925A-A25D-E05E-32C77ACDD222}"/>
+              </a:ext>
+            </a:extLst>
+          </p:cNvPr>
+          <p:cNvCxnSpPr/>
+          <p:nvPr/>
+        </p:nvCxnSpPr>
+        <p:spPr>
+          <a:xfrm>
+            <a:off x="422787" y="688259"/>
+            <a:ext cx="11346426" cy="0"/>
+          </a:xfrm>
+          <a:prstGeom prst="line">
+            <a:avLst/>
+          </a:prstGeom>
+        </p:spPr>
+        <p:style>
+          <a:lnRef idx="2">
+            <a:schemeClr val="accent1"/>
+          </a:lnRef>
+          <a:fillRef idx="0">
+            <a:schemeClr val="accent1"/>
+          </a:fillRef>
+          <a:effectRef idx="1">
+            <a:schemeClr val="accent1"/>
+          </a:effectRef>
+          <a:fontRef idx="minor">
+            <a:schemeClr val="tx1"/>
+          </a:fontRef>
+        </p:style>
+      </p:cxnSp>
+      <p:sp>
+        <p:nvSpPr>
+          <p:cNvPr id="5" name="TextBox 4">
+            <a:extLst>
+              <a:ext uri="{FF2B5EF4-FFF2-40B4-BE49-F238E27FC236}">
+                <a16:creationId xmlns:a16="http://schemas.microsoft.com/office/drawing/2014/main" id="{3F4FBE9D-3AEF-DE1B-64C1-120BA77CD7A8}"/>
+              </a:ext>
+            </a:extLst>
+          </p:cNvPr>
+          <p:cNvSpPr txBox="1"/>
+          <p:nvPr/>
+        </p:nvSpPr>
+        <p:spPr>
+          <a:xfrm>
+            <a:off x="299880" y="196684"/>
+            <a:ext cx="9979584" cy="446276"/>
+          </a:xfrm>
+          <a:prstGeom prst="rect">
+            <a:avLst/>
+          </a:prstGeom>
+          <a:noFill/>
+        </p:spPr>
+        <p:txBody>
+          <a:bodyPr wrap="square" rtlCol="0">
+            <a:spAutoFit/>
+          </a:bodyPr>
+          <a:lstStyle/>
+          <a:p>
+            <a:r>
+              <a:rPr lang="en-US" sz="2300" dirty="0">
+                <a:solidFill>
+                  <a:schemeClr val="accent1">
+                    <a:lumMod val="50000"/>
+                  </a:schemeClr>
+                </a:solidFill>
+                <a:latin typeface="Georgia Pro" panose="020F0502020204030204" pitchFamily="18" charset="0"/>
+              </a:rPr>
+              <a:t>Key Findings</a:t>
+            </a:r>
+            <a:endParaRPr lang="en-IN" sz="2300" dirty="0">
+              <a:solidFill>
+                <a:schemeClr val="accent1">
+                  <a:lumMod val="50000"/>
+                </a:schemeClr>
+              </a:solidFill>
+              <a:latin typeface="Georgia Pro" panose="020F0502020204030204" pitchFamily="18" charset="0"/>
+            </a:endParaRPr>
+          </a:p>
+        </p:txBody>
+      </p:sp>
+      <p:graphicFrame>
+        <p:nvGraphicFramePr>
+          <p:cNvPr id="10" name="Content Placeholder 9">
+            <a:extLst>
+              <a:ext uri="{FF2B5EF4-FFF2-40B4-BE49-F238E27FC236}">
+                <a16:creationId xmlns:a16="http://schemas.microsoft.com/office/drawing/2014/main" id="{EA85BCAF-DCD3-FBCB-BFF3-98E6AE3FF0BB}"/>
+              </a:ext>
+            </a:extLst>
+          </p:cNvPr>
+          <p:cNvGraphicFramePr>
+            <a:graphicFrameLocks noGrp="1"/>
+          </p:cNvGraphicFramePr>
+          <p:nvPr>
+            <p:ph idx="1"/>
+            <p:extLst>
+              <p:ext uri="{D42A27DB-BD31-4B8C-83A1-F6EECF244321}">
+                <p14:modId xmlns:p14="http://schemas.microsoft.com/office/powerpoint/2010/main" val="1567192060"/>
+              </p:ext>
+            </p:extLst>
+          </p:nvPr>
+        </p:nvGraphicFramePr>
+        <p:xfrm>
+          <a:off x="422787" y="763719"/>
+          <a:ext cx="11469333" cy="6004700"/>
+        </p:xfrm>
+        <a:graphic>
+          <a:graphicData uri="http://schemas.openxmlformats.org/drawingml/2006/diagram">
+            <dgm:relIds xmlns:dgm="http://schemas.openxmlformats.org/drawingml/2006/diagram" xmlns:r="http://schemas.openxmlformats.org/officeDocument/2006/relationships" r:dm="rId2" r:lo="rId3" r:qs="rId4" r:cs="rId5"/>
+          </a:graphicData>
+        </a:graphic>
+      </p:graphicFrame>
+    </p:spTree>
+    <p:extLst>
+      <p:ext uri="{BB962C8B-B14F-4D97-AF65-F5344CB8AC3E}">
+        <p14:creationId xmlns:p14="http://schemas.microsoft.com/office/powerpoint/2010/main" val="716571377"/>
+      </p:ext>
+    </p:extLst>
+  </p:cSld>
+  <p:clrMapOvr>
+    <a:masterClrMapping/>
+  </p:clrMapOvr>
+</p:sld>
+</file>
+
+<file path=ppt/slides/slide19.xml><?xml version="1.0" encoding="utf-8"?>
+<p:sld xmlns:a="http://schemas.openxmlformats.org/drawingml/2006/main" xmlns:r="http://schemas.openxmlformats.org/officeDocument/2006/relationships" xmlns:p="http://schemas.openxmlformats.org/presentationml/2006/main">
+  <p:cSld>
+    <p:spTree>
+      <p:nvGrpSpPr>
+        <p:cNvPr id="1" name=""/>
+        <p:cNvGrpSpPr/>
+        <p:nvPr/>
+      </p:nvGrpSpPr>
+      <p:grpSpPr>
+        <a:xfrm>
+          <a:off x="0" y="0"/>
+          <a:ext cx="0" cy="0"/>
+          <a:chOff x="0" y="0"/>
+          <a:chExt cx="0" cy="0"/>
+        </a:xfrm>
+      </p:grpSpPr>
+      <p:cxnSp>
+        <p:nvCxnSpPr>
+          <p:cNvPr id="4" name="Straight Connector 3">
+            <a:extLst>
+              <a:ext uri="{FF2B5EF4-FFF2-40B4-BE49-F238E27FC236}">
+                <a16:creationId xmlns:a16="http://schemas.microsoft.com/office/drawing/2014/main" id="{FEC7D071-925A-A25D-E05E-32C77ACDD222}"/>
+              </a:ext>
+            </a:extLst>
+          </p:cNvPr>
+          <p:cNvCxnSpPr/>
+          <p:nvPr/>
+        </p:nvCxnSpPr>
+        <p:spPr>
+          <a:xfrm>
+            <a:off x="422787" y="688259"/>
+            <a:ext cx="11346426" cy="0"/>
+          </a:xfrm>
+          <a:prstGeom prst="line">
+            <a:avLst/>
+          </a:prstGeom>
+        </p:spPr>
+        <p:style>
+          <a:lnRef idx="2">
+            <a:schemeClr val="accent1"/>
+          </a:lnRef>
+          <a:fillRef idx="0">
+            <a:schemeClr val="accent1"/>
+          </a:fillRef>
+          <a:effectRef idx="1">
+            <a:schemeClr val="accent1"/>
+          </a:effectRef>
+          <a:fontRef idx="minor">
+            <a:schemeClr val="tx1"/>
+          </a:fontRef>
+        </p:style>
+      </p:cxnSp>
+      <p:graphicFrame>
+        <p:nvGraphicFramePr>
+          <p:cNvPr id="3" name="Content Placeholder 2">
+            <a:extLst>
+              <a:ext uri="{FF2B5EF4-FFF2-40B4-BE49-F238E27FC236}">
+                <a16:creationId xmlns:a16="http://schemas.microsoft.com/office/drawing/2014/main" id="{76D75D09-15CD-1073-28AB-4C4EBDA749C7}"/>
+              </a:ext>
+            </a:extLst>
+          </p:cNvPr>
+          <p:cNvGraphicFramePr>
+            <a:graphicFrameLocks noGrp="1"/>
+          </p:cNvGraphicFramePr>
+          <p:nvPr>
+            <p:ph idx="1"/>
+            <p:extLst>
+              <p:ext uri="{D42A27DB-BD31-4B8C-83A1-F6EECF244321}">
+                <p14:modId xmlns:p14="http://schemas.microsoft.com/office/powerpoint/2010/main" val="574275047"/>
+              </p:ext>
+            </p:extLst>
+          </p:nvPr>
+        </p:nvGraphicFramePr>
+        <p:xfrm>
+          <a:off x="422787" y="763719"/>
+          <a:ext cx="11469334" cy="3879879"/>
+        </p:xfrm>
+        <a:graphic>
+          <a:graphicData uri="http://schemas.openxmlformats.org/drawingml/2006/diagram">
+            <dgm:relIds xmlns:dgm="http://schemas.openxmlformats.org/drawingml/2006/diagram" xmlns:r="http://schemas.openxmlformats.org/officeDocument/2006/relationships" r:dm="rId2" r:lo="rId3" r:qs="rId4" r:cs="rId5"/>
+          </a:graphicData>
+        </a:graphic>
+      </p:graphicFrame>
+      <p:sp>
+        <p:nvSpPr>
+          <p:cNvPr id="2" name="TextBox 1">
+            <a:extLst>
+              <a:ext uri="{FF2B5EF4-FFF2-40B4-BE49-F238E27FC236}">
+                <a16:creationId xmlns:a16="http://schemas.microsoft.com/office/drawing/2014/main" id="{2F00E685-236E-72A4-B986-9FAE9261022A}"/>
+              </a:ext>
+            </a:extLst>
+          </p:cNvPr>
+          <p:cNvSpPr txBox="1"/>
+          <p:nvPr/>
+        </p:nvSpPr>
+        <p:spPr>
+          <a:xfrm>
+            <a:off x="299880" y="196684"/>
+            <a:ext cx="9979584" cy="446276"/>
+          </a:xfrm>
+          <a:prstGeom prst="rect">
+            <a:avLst/>
+          </a:prstGeom>
+          <a:noFill/>
+        </p:spPr>
+        <p:txBody>
+          <a:bodyPr wrap="square" rtlCol="0">
+            <a:spAutoFit/>
+          </a:bodyPr>
+          <a:lstStyle/>
+          <a:p>
+            <a:r>
+              <a:rPr lang="en-US" sz="2300" dirty="0">
+                <a:solidFill>
+                  <a:schemeClr val="accent1">
+                    <a:lumMod val="50000"/>
+                  </a:schemeClr>
+                </a:solidFill>
+                <a:latin typeface="Georgia Pro" panose="020F0502020204030204" pitchFamily="18" charset="0"/>
+              </a:rPr>
+              <a:t>Key Findings continued..</a:t>
+            </a:r>
+            <a:endParaRPr lang="en-IN" sz="2300" dirty="0">
+              <a:solidFill>
+                <a:schemeClr val="accent1">
+                  <a:lumMod val="50000"/>
+                </a:schemeClr>
+              </a:solidFill>
+              <a:latin typeface="Georgia Pro" panose="020F0502020204030204" pitchFamily="18" charset="0"/>
+            </a:endParaRPr>
+          </a:p>
+        </p:txBody>
+      </p:sp>
+    </p:spTree>
+    <p:extLst>
+      <p:ext uri="{BB962C8B-B14F-4D97-AF65-F5344CB8AC3E}">
+        <p14:creationId xmlns:p14="http://schemas.microsoft.com/office/powerpoint/2010/main" val="818485776"/>
+      </p:ext>
+    </p:extLst>
+  </p:cSld>
+  <p:clrMapOvr>
+    <a:masterClrMapping/>
+  </p:clrMapOvr>
+</p:sld>
+</file>
+
+<file path=ppt/slides/slide2.xml><?xml version="1.0" encoding="utf-8"?>
+<p:sld xmlns:a="http://schemas.openxmlformats.org/drawingml/2006/main" xmlns:r="http://schemas.openxmlformats.org/officeDocument/2006/relationships" xmlns:p="http://schemas.openxmlformats.org/presentationml/2006/main">
+  <p:cSld>
+    <p:spTree>
+      <p:nvGrpSpPr>
+        <p:cNvPr id="1" name=""/>
+        <p:cNvGrpSpPr/>
+        <p:nvPr/>
+      </p:nvGrpSpPr>
+      <p:grpSpPr>
+        <a:xfrm>
+          <a:off x="0" y="0"/>
+          <a:ext cx="0" cy="0"/>
+          <a:chOff x="0" y="0"/>
+          <a:chExt cx="0" cy="0"/>
+        </a:xfrm>
+      </p:grpSpPr>
+      <p:cxnSp>
+        <p:nvCxnSpPr>
+          <p:cNvPr id="4" name="Straight Connector 3">
+            <a:extLst>
+              <a:ext uri="{FF2B5EF4-FFF2-40B4-BE49-F238E27FC236}">
+                <a16:creationId xmlns:a16="http://schemas.microsoft.com/office/drawing/2014/main" id="{FEC7D071-925A-A25D-E05E-32C77ACDD222}"/>
+              </a:ext>
+            </a:extLst>
+          </p:cNvPr>
+          <p:cNvCxnSpPr/>
+          <p:nvPr/>
+        </p:nvCxnSpPr>
+        <p:spPr>
+          <a:xfrm>
+            <a:off x="422787" y="688259"/>
+            <a:ext cx="11346426" cy="0"/>
+          </a:xfrm>
+          <a:prstGeom prst="line">
+            <a:avLst/>
+          </a:prstGeom>
+        </p:spPr>
+        <p:style>
+          <a:lnRef idx="2">
+            <a:schemeClr val="accent1"/>
+          </a:lnRef>
+          <a:fillRef idx="0">
+            <a:schemeClr val="accent1"/>
+          </a:fillRef>
+          <a:effectRef idx="1">
+            <a:schemeClr val="accent1"/>
+          </a:effectRef>
+          <a:fontRef idx="minor">
+            <a:schemeClr val="tx1"/>
+          </a:fontRef>
+        </p:style>
+      </p:cxnSp>
+      <p:sp>
+        <p:nvSpPr>
+          <p:cNvPr id="5" name="TextBox 4">
+            <a:extLst>
+              <a:ext uri="{FF2B5EF4-FFF2-40B4-BE49-F238E27FC236}">
+                <a16:creationId xmlns:a16="http://schemas.microsoft.com/office/drawing/2014/main" id="{3F4FBE9D-3AEF-DE1B-64C1-120BA77CD7A8}"/>
+              </a:ext>
+            </a:extLst>
+          </p:cNvPr>
+          <p:cNvSpPr txBox="1"/>
+          <p:nvPr/>
+        </p:nvSpPr>
+        <p:spPr>
+          <a:xfrm>
+            <a:off x="299880" y="196684"/>
+            <a:ext cx="9979584" cy="446276"/>
+          </a:xfrm>
+          <a:prstGeom prst="rect">
+            <a:avLst/>
+          </a:prstGeom>
+          <a:noFill/>
+        </p:spPr>
+        <p:txBody>
+          <a:bodyPr wrap="square" rtlCol="0">
+            <a:spAutoFit/>
+          </a:bodyPr>
+          <a:lstStyle/>
+          <a:p>
+            <a:r>
+              <a:rPr lang="en-US" sz="2300" dirty="0">
+                <a:solidFill>
+                  <a:schemeClr val="accent1">
+                    <a:lumMod val="50000"/>
+                  </a:schemeClr>
+                </a:solidFill>
+                <a:latin typeface="Georgia Pro" panose="020F0502020204030204" pitchFamily="18" charset="0"/>
+              </a:rPr>
+              <a:t>Index</a:t>
+            </a:r>
+            <a:endParaRPr lang="en-IN" sz="2300" dirty="0">
+              <a:solidFill>
+                <a:schemeClr val="accent1">
+                  <a:lumMod val="50000"/>
+                </a:schemeClr>
+              </a:solidFill>
+              <a:latin typeface="Georgia Pro" panose="020F0502020204030204" pitchFamily="18" charset="0"/>
+            </a:endParaRPr>
+          </a:p>
+        </p:txBody>
+      </p:sp>
+      <p:sp>
+        <p:nvSpPr>
+          <p:cNvPr id="7" name="Content Placeholder 2">
+            <a:extLst>
+              <a:ext uri="{FF2B5EF4-FFF2-40B4-BE49-F238E27FC236}">
+                <a16:creationId xmlns:a16="http://schemas.microsoft.com/office/drawing/2014/main" id="{4F6E7C57-FDA4-0EA0-DD37-9A3F30183BCB}"/>
+              </a:ext>
+            </a:extLst>
+          </p:cNvPr>
+          <p:cNvSpPr>
+            <a:spLocks noGrp="1"/>
+          </p:cNvSpPr>
+          <p:nvPr>
+            <p:ph idx="1"/>
+          </p:nvPr>
+        </p:nvSpPr>
+        <p:spPr>
+          <a:xfrm>
+            <a:off x="299879" y="924813"/>
+            <a:ext cx="11469334" cy="5933186"/>
+          </a:xfrm>
+        </p:spPr>
+        <p:txBody>
+          <a:bodyPr>
+            <a:normAutofit/>
+          </a:bodyPr>
+          <a:lstStyle/>
+          <a:p>
+            <a:pPr marL="342900" indent="-342900">
+              <a:lnSpc>
+                <a:spcPct val="100000"/>
+              </a:lnSpc>
+              <a:buFont typeface="+mj-lt"/>
+              <a:buAutoNum type="arabicPeriod"/>
+            </a:pPr>
+            <a:r>
+              <a:rPr lang="en-IN" sz="1100" dirty="0">
+                <a:latin typeface="Georgia Pro" panose="02040502050405020303" pitchFamily="18" charset="0"/>
+              </a:rPr>
+              <a:t>Index</a:t>
+            </a:r>
+          </a:p>
+          <a:p>
+            <a:pPr marL="342900" indent="-342900">
+              <a:lnSpc>
+                <a:spcPct val="100000"/>
+              </a:lnSpc>
+              <a:buFont typeface="+mj-lt"/>
+              <a:buAutoNum type="arabicPeriod"/>
+            </a:pPr>
+            <a:endParaRPr lang="en-IN" sz="1100" dirty="0">
+              <a:latin typeface="Georgia Pro" panose="02040502050405020303" pitchFamily="18" charset="0"/>
+            </a:endParaRPr>
+          </a:p>
+          <a:p>
+            <a:pPr marL="342900" indent="-342900">
+              <a:lnSpc>
+                <a:spcPct val="100000"/>
+              </a:lnSpc>
+              <a:buFont typeface="+mj-lt"/>
+              <a:buAutoNum type="arabicPeriod"/>
+            </a:pPr>
+            <a:r>
+              <a:rPr lang="en-IN" sz="1100" dirty="0">
+                <a:latin typeface="Georgia Pro" panose="02040502050405020303" pitchFamily="18" charset="0"/>
+              </a:rPr>
+              <a:t>Document Management Control</a:t>
+            </a:r>
+          </a:p>
+          <a:p>
+            <a:pPr marL="342900" indent="-342900">
+              <a:lnSpc>
+                <a:spcPct val="100000"/>
+              </a:lnSpc>
+              <a:buFont typeface="+mj-lt"/>
+              <a:buAutoNum type="arabicPeriod"/>
+            </a:pPr>
+            <a:endParaRPr lang="en-IN" sz="1100" dirty="0">
+              <a:latin typeface="Georgia Pro" panose="02040502050405020303" pitchFamily="18" charset="0"/>
+            </a:endParaRPr>
+          </a:p>
+          <a:p>
+            <a:pPr marL="342900" indent="-342900">
+              <a:lnSpc>
+                <a:spcPct val="100000"/>
+              </a:lnSpc>
+              <a:buFont typeface="+mj-lt"/>
+              <a:buAutoNum type="arabicPeriod"/>
+            </a:pPr>
+            <a:r>
+              <a:rPr lang="en-IN" sz="1100" dirty="0">
+                <a:latin typeface="Georgia Pro" panose="02040502050405020303" pitchFamily="18" charset="0"/>
+              </a:rPr>
+              <a:t>Introduction</a:t>
+            </a:r>
+          </a:p>
+          <a:p>
+            <a:pPr marL="342900" indent="-342900">
+              <a:lnSpc>
+                <a:spcPct val="100000"/>
+              </a:lnSpc>
+              <a:buFont typeface="+mj-lt"/>
+              <a:buAutoNum type="arabicPeriod"/>
+            </a:pPr>
+            <a:endParaRPr lang="en-IN" sz="1100" dirty="0">
+              <a:latin typeface="Georgia Pro" panose="02040502050405020303" pitchFamily="18" charset="0"/>
+            </a:endParaRPr>
+          </a:p>
+          <a:p>
+            <a:pPr marL="342900" indent="-342900">
+              <a:lnSpc>
+                <a:spcPct val="100000"/>
+              </a:lnSpc>
+              <a:buFont typeface="+mj-lt"/>
+              <a:buAutoNum type="arabicPeriod"/>
+            </a:pPr>
+            <a:r>
+              <a:rPr lang="en-US" sz="1100" dirty="0">
+                <a:latin typeface="Georgia Pro" panose="020F0502020204030204" pitchFamily="18" charset="0"/>
+              </a:rPr>
+              <a:t>Project Overview</a:t>
+            </a:r>
+          </a:p>
+          <a:p>
+            <a:pPr marL="342900" indent="-342900">
+              <a:lnSpc>
+                <a:spcPct val="100000"/>
+              </a:lnSpc>
+              <a:buFont typeface="+mj-lt"/>
+              <a:buAutoNum type="arabicPeriod"/>
+            </a:pPr>
+            <a:endParaRPr lang="en-US" sz="1100" dirty="0">
+              <a:latin typeface="Georgia Pro" panose="020F0502020204030204" pitchFamily="18" charset="0"/>
+            </a:endParaRPr>
+          </a:p>
+          <a:p>
+            <a:pPr marL="342900" indent="-342900">
+              <a:lnSpc>
+                <a:spcPct val="100000"/>
+              </a:lnSpc>
+              <a:buFont typeface="+mj-lt"/>
+              <a:buAutoNum type="arabicPeriod"/>
+            </a:pPr>
+            <a:r>
+              <a:rPr lang="en-IN" sz="1100" dirty="0">
+                <a:latin typeface="Georgia Pro" panose="020F0502020204030204" pitchFamily="18" charset="0"/>
+              </a:rPr>
+              <a:t>Data Sourcing and Preprocessing</a:t>
+            </a:r>
+          </a:p>
+          <a:p>
+            <a:pPr marL="342900" indent="-342900">
+              <a:lnSpc>
+                <a:spcPct val="100000"/>
+              </a:lnSpc>
+              <a:buFont typeface="+mj-lt"/>
+              <a:buAutoNum type="arabicPeriod"/>
+            </a:pPr>
+            <a:endParaRPr lang="en-IN" sz="1100" dirty="0">
+              <a:latin typeface="Georgia Pro" panose="020F0502020204030204" pitchFamily="18" charset="0"/>
+            </a:endParaRPr>
+          </a:p>
+          <a:p>
+            <a:pPr marL="342900" indent="-342900">
+              <a:lnSpc>
+                <a:spcPct val="100000"/>
+              </a:lnSpc>
+              <a:buFont typeface="+mj-lt"/>
+              <a:buAutoNum type="arabicPeriod"/>
+            </a:pPr>
+            <a:r>
+              <a:rPr lang="en-IN" sz="1100" dirty="0">
+                <a:latin typeface="Georgia Pro" panose="020F0502020204030204" pitchFamily="18" charset="0"/>
+              </a:rPr>
+              <a:t>Problem Statements, Visualizations and Supportive Documents</a:t>
+            </a:r>
+          </a:p>
+          <a:p>
+            <a:pPr marL="800100" lvl="1" indent="-342900">
+              <a:lnSpc>
+                <a:spcPct val="100000"/>
+              </a:lnSpc>
+              <a:buFont typeface="+mj-lt"/>
+              <a:buAutoNum type="arabicPeriod"/>
+            </a:pPr>
+            <a:r>
+              <a:rPr lang="en-IN" sz="1100" dirty="0">
+                <a:latin typeface="Georgia Pro" panose="020F0502020204030204" pitchFamily="18" charset="0"/>
+              </a:rPr>
+              <a:t>Dashboard 1: Summary</a:t>
+            </a:r>
+          </a:p>
+          <a:p>
+            <a:pPr marL="800100" lvl="1" indent="-342900">
+              <a:lnSpc>
+                <a:spcPct val="100000"/>
+              </a:lnSpc>
+              <a:buFont typeface="+mj-lt"/>
+              <a:buAutoNum type="arabicPeriod"/>
+            </a:pPr>
+            <a:r>
+              <a:rPr lang="en-IN" sz="1100" dirty="0">
+                <a:latin typeface="Georgia Pro" panose="020F0502020204030204" pitchFamily="18" charset="0"/>
+              </a:rPr>
+              <a:t>Dashboard 2: Overview</a:t>
+            </a:r>
+          </a:p>
+          <a:p>
+            <a:pPr marL="800100" lvl="1" indent="-342900">
+              <a:lnSpc>
+                <a:spcPct val="100000"/>
+              </a:lnSpc>
+              <a:buFont typeface="+mj-lt"/>
+              <a:buAutoNum type="arabicPeriod"/>
+            </a:pPr>
+            <a:r>
+              <a:rPr lang="en-IN" sz="1100" dirty="0">
+                <a:latin typeface="Georgia Pro" panose="020F0502020204030204" pitchFamily="18" charset="0"/>
+              </a:rPr>
+              <a:t>Dashboard 3: Details</a:t>
+            </a:r>
+          </a:p>
+          <a:p>
+            <a:pPr marL="342900" indent="-342900">
+              <a:lnSpc>
+                <a:spcPct val="100000"/>
+              </a:lnSpc>
+              <a:buFont typeface="+mj-lt"/>
+              <a:buAutoNum type="arabicPeriod"/>
+            </a:pPr>
+            <a:endParaRPr lang="en-IN" sz="1500" dirty="0">
+              <a:latin typeface="Georgia Pro" panose="020F0502020204030204" pitchFamily="18" charset="0"/>
+            </a:endParaRPr>
+          </a:p>
+          <a:p>
+            <a:pPr marL="342900" indent="-342900">
+              <a:lnSpc>
+                <a:spcPct val="100000"/>
+              </a:lnSpc>
+              <a:buFont typeface="+mj-lt"/>
+              <a:buAutoNum type="arabicPeriod"/>
+            </a:pPr>
+            <a:r>
+              <a:rPr lang="en-IN" sz="1100" dirty="0">
+                <a:latin typeface="Georgia Pro" panose="020F0502020204030204" pitchFamily="18" charset="0"/>
+              </a:rPr>
+              <a:t>Key Findings</a:t>
+            </a:r>
+          </a:p>
+          <a:p>
+            <a:pPr marL="342900" indent="-342900">
+              <a:lnSpc>
+                <a:spcPct val="100000"/>
+              </a:lnSpc>
+              <a:buFont typeface="+mj-lt"/>
+              <a:buAutoNum type="arabicPeriod"/>
+            </a:pPr>
+            <a:endParaRPr lang="en-IN" sz="1100" dirty="0">
+              <a:latin typeface="Georgia Pro" panose="020F0502020204030204" pitchFamily="18" charset="0"/>
+            </a:endParaRPr>
+          </a:p>
+          <a:p>
+            <a:pPr marL="342900" indent="-342900">
+              <a:lnSpc>
+                <a:spcPct val="100000"/>
+              </a:lnSpc>
+              <a:buFont typeface="+mj-lt"/>
+              <a:buAutoNum type="arabicPeriod"/>
+            </a:pPr>
+            <a:r>
+              <a:rPr lang="en-IN" sz="1100" dirty="0">
+                <a:latin typeface="Georgia Pro" panose="020F0502020204030204" pitchFamily="18" charset="0"/>
+              </a:rPr>
+              <a:t>Business Impact</a:t>
+            </a:r>
+          </a:p>
+          <a:p>
+            <a:pPr marL="342900" indent="-342900">
+              <a:lnSpc>
+                <a:spcPct val="100000"/>
+              </a:lnSpc>
+              <a:buFont typeface="+mj-lt"/>
+              <a:buAutoNum type="arabicPeriod"/>
+            </a:pPr>
+            <a:endParaRPr lang="en-IN" sz="1500" dirty="0">
+              <a:latin typeface="Georgia Pro" panose="020F0502020204030204" pitchFamily="18" charset="0"/>
+            </a:endParaRPr>
+          </a:p>
+          <a:p>
+            <a:pPr marL="457200" lvl="1" indent="0">
+              <a:lnSpc>
+                <a:spcPct val="100000"/>
+              </a:lnSpc>
+              <a:buNone/>
+            </a:pPr>
+            <a:endParaRPr lang="en-US" sz="1100" dirty="0">
+              <a:latin typeface="Georgia Pro" panose="020F0502020204030204" pitchFamily="18" charset="0"/>
+            </a:endParaRPr>
+          </a:p>
+          <a:p>
+            <a:pPr marL="800100" lvl="1" indent="-342900">
+              <a:lnSpc>
+                <a:spcPct val="100000"/>
+              </a:lnSpc>
+              <a:buFont typeface="+mj-lt"/>
+              <a:buAutoNum type="arabicPeriod"/>
+            </a:pPr>
+            <a:endParaRPr lang="en-IN" sz="1100" dirty="0">
+              <a:latin typeface="Georgia Pro" panose="020F0502020204030204" pitchFamily="18" charset="0"/>
+            </a:endParaRPr>
+          </a:p>
+          <a:p>
+            <a:pPr marL="800100" lvl="1" indent="-342900">
+              <a:lnSpc>
+                <a:spcPct val="100000"/>
+              </a:lnSpc>
+              <a:buFont typeface="+mj-lt"/>
+              <a:buAutoNum type="arabicPeriod"/>
+            </a:pPr>
+            <a:endParaRPr lang="en-IN" sz="1100" dirty="0">
+              <a:latin typeface="Georgia Pro" panose="020F0502020204030204" pitchFamily="18" charset="0"/>
+            </a:endParaRPr>
+          </a:p>
+          <a:p>
+            <a:pPr marL="800100" lvl="1" indent="-342900">
+              <a:lnSpc>
+                <a:spcPct val="100000"/>
+              </a:lnSpc>
+              <a:buFont typeface="+mj-lt"/>
+              <a:buAutoNum type="arabicPeriod"/>
+            </a:pPr>
+            <a:endParaRPr lang="en-US" sz="1100" dirty="0">
+              <a:latin typeface="Georgia Pro" panose="020F0502020204030204" pitchFamily="18" charset="0"/>
+            </a:endParaRPr>
+          </a:p>
+          <a:p>
+            <a:pPr marL="800100" lvl="1" indent="-342900">
+              <a:lnSpc>
+                <a:spcPct val="100000"/>
+              </a:lnSpc>
+              <a:buFont typeface="+mj-lt"/>
+              <a:buAutoNum type="arabicPeriod"/>
+            </a:pPr>
+            <a:endParaRPr lang="en-IN" sz="1100" dirty="0">
+              <a:latin typeface="Georgia Pro" panose="020F0502020204030204" pitchFamily="18" charset="0"/>
+            </a:endParaRPr>
+          </a:p>
+          <a:p>
+            <a:pPr marL="800100" lvl="1" indent="-342900">
+              <a:lnSpc>
+                <a:spcPct val="100000"/>
+              </a:lnSpc>
+              <a:buFont typeface="+mj-lt"/>
+              <a:buAutoNum type="arabicPeriod"/>
+            </a:pPr>
+            <a:endParaRPr lang="en-IN" sz="700" dirty="0">
+              <a:latin typeface="Georgia Pro" panose="020F0502020204030204" pitchFamily="18" charset="0"/>
+            </a:endParaRPr>
+          </a:p>
+        </p:txBody>
+      </p:sp>
+    </p:spTree>
+    <p:extLst>
+      <p:ext uri="{BB962C8B-B14F-4D97-AF65-F5344CB8AC3E}">
+        <p14:creationId xmlns:p14="http://schemas.microsoft.com/office/powerpoint/2010/main" val="3851210129"/>
+      </p:ext>
+    </p:extLst>
+  </p:cSld>
+  <p:clrMapOvr>
+    <a:masterClrMapping/>
+  </p:clrMapOvr>
+</p:sld>
+</file>
+
+<file path=ppt/slides/slide20.xml><?xml version="1.0" encoding="utf-8"?>
+<p:sld xmlns:a="http://schemas.openxmlformats.org/drawingml/2006/main" xmlns:r="http://schemas.openxmlformats.org/officeDocument/2006/relationships" xmlns:p="http://schemas.openxmlformats.org/presentationml/2006/main">
+  <p:cSld>
+    <p:spTree>
+      <p:nvGrpSpPr>
+        <p:cNvPr id="1" name=""/>
+        <p:cNvGrpSpPr/>
+        <p:nvPr/>
+      </p:nvGrpSpPr>
+      <p:grpSpPr>
+        <a:xfrm>
+          <a:off x="0" y="0"/>
+          <a:ext cx="0" cy="0"/>
+          <a:chOff x="0" y="0"/>
+          <a:chExt cx="0" cy="0"/>
+        </a:xfrm>
+      </p:grpSpPr>
+      <p:cxnSp>
+        <p:nvCxnSpPr>
+          <p:cNvPr id="4" name="Straight Connector 3">
+            <a:extLst>
+              <a:ext uri="{FF2B5EF4-FFF2-40B4-BE49-F238E27FC236}">
+                <a16:creationId xmlns:a16="http://schemas.microsoft.com/office/drawing/2014/main" id="{FEC7D071-925A-A25D-E05E-32C77ACDD222}"/>
+              </a:ext>
+            </a:extLst>
+          </p:cNvPr>
+          <p:cNvCxnSpPr/>
+          <p:nvPr/>
+        </p:nvCxnSpPr>
+        <p:spPr>
+          <a:xfrm>
+            <a:off x="422787" y="688259"/>
+            <a:ext cx="11346426" cy="0"/>
+          </a:xfrm>
+          <a:prstGeom prst="line">
+            <a:avLst/>
+          </a:prstGeom>
+        </p:spPr>
+        <p:style>
+          <a:lnRef idx="2">
+            <a:schemeClr val="accent1"/>
+          </a:lnRef>
+          <a:fillRef idx="0">
+            <a:schemeClr val="accent1"/>
+          </a:fillRef>
+          <a:effectRef idx="1">
+            <a:schemeClr val="accent1"/>
+          </a:effectRef>
+          <a:fontRef idx="minor">
+            <a:schemeClr val="tx1"/>
+          </a:fontRef>
+        </p:style>
+      </p:cxnSp>
+      <p:graphicFrame>
+        <p:nvGraphicFramePr>
+          <p:cNvPr id="3" name="Content Placeholder 2">
+            <a:extLst>
+              <a:ext uri="{FF2B5EF4-FFF2-40B4-BE49-F238E27FC236}">
+                <a16:creationId xmlns:a16="http://schemas.microsoft.com/office/drawing/2014/main" id="{EA354DE1-D958-9C3D-5FB6-1A6EAC9E8692}"/>
+              </a:ext>
+            </a:extLst>
+          </p:cNvPr>
+          <p:cNvGraphicFramePr>
+            <a:graphicFrameLocks noGrp="1"/>
+          </p:cNvGraphicFramePr>
+          <p:nvPr>
+            <p:ph idx="1"/>
+            <p:extLst>
+              <p:ext uri="{D42A27DB-BD31-4B8C-83A1-F6EECF244321}">
+                <p14:modId xmlns:p14="http://schemas.microsoft.com/office/powerpoint/2010/main" val="2479699723"/>
+              </p:ext>
+            </p:extLst>
+          </p:nvPr>
+        </p:nvGraphicFramePr>
+        <p:xfrm>
+          <a:off x="422787" y="763719"/>
+          <a:ext cx="11469334" cy="5933186"/>
+        </p:xfrm>
+        <a:graphic>
+          <a:graphicData uri="http://schemas.openxmlformats.org/drawingml/2006/diagram">
+            <dgm:relIds xmlns:dgm="http://schemas.openxmlformats.org/drawingml/2006/diagram" xmlns:r="http://schemas.openxmlformats.org/officeDocument/2006/relationships" r:dm="rId2" r:lo="rId3" r:qs="rId4" r:cs="rId5"/>
+          </a:graphicData>
+        </a:graphic>
+      </p:graphicFrame>
+      <p:sp>
+        <p:nvSpPr>
+          <p:cNvPr id="2" name="TextBox 1">
+            <a:extLst>
+              <a:ext uri="{FF2B5EF4-FFF2-40B4-BE49-F238E27FC236}">
+                <a16:creationId xmlns:a16="http://schemas.microsoft.com/office/drawing/2014/main" id="{2F00E685-236E-72A4-B986-9FAE9261022A}"/>
+              </a:ext>
+            </a:extLst>
+          </p:cNvPr>
+          <p:cNvSpPr txBox="1"/>
+          <p:nvPr/>
+        </p:nvSpPr>
+        <p:spPr>
+          <a:xfrm>
+            <a:off x="299879" y="103484"/>
+            <a:ext cx="11892121" cy="584775"/>
+          </a:xfrm>
+          <a:prstGeom prst="rect">
+            <a:avLst/>
+          </a:prstGeom>
+          <a:noFill/>
+        </p:spPr>
+        <p:txBody>
+          <a:bodyPr wrap="square" rtlCol="0">
+            <a:spAutoFit/>
+          </a:bodyPr>
+          <a:lstStyle/>
+          <a:p>
+            <a:r>
+              <a:rPr lang="en-US" sz="2300" dirty="0">
+                <a:solidFill>
+                  <a:schemeClr val="accent1">
+                    <a:lumMod val="50000"/>
+                  </a:schemeClr>
+                </a:solidFill>
+                <a:latin typeface="Georgia Pro" panose="020F0502020204030204" pitchFamily="18" charset="0"/>
+              </a:rPr>
+              <a:t>Action Items</a:t>
+            </a:r>
+            <a:r>
+              <a:rPr lang="en-US" sz="2300" dirty="0">
+                <a:solidFill>
+                  <a:schemeClr val="accent1">
+                    <a:lumMod val="75000"/>
+                  </a:schemeClr>
+                </a:solidFill>
+                <a:latin typeface="Georgia Pro" panose="020F0502020204030204" pitchFamily="18" charset="0"/>
+              </a:rPr>
+              <a:t> </a:t>
+            </a:r>
+            <a:r>
+              <a:rPr lang="en-US" sz="3200" b="1" dirty="0">
+                <a:solidFill>
+                  <a:schemeClr val="accent2">
+                    <a:lumMod val="75000"/>
+                  </a:schemeClr>
+                </a:solidFill>
+              </a:rPr>
+              <a:t>TO CREATE BUSINESS IMPACT </a:t>
+            </a:r>
+            <a:r>
+              <a:rPr lang="en-US" sz="2300" dirty="0">
+                <a:solidFill>
+                  <a:schemeClr val="accent1">
+                    <a:lumMod val="50000"/>
+                  </a:schemeClr>
+                </a:solidFill>
+                <a:latin typeface="Georgia Pro" panose="020F0502020204030204" pitchFamily="18" charset="0"/>
+              </a:rPr>
+              <a:t>based on the Bank Loan Data Analysis</a:t>
+            </a:r>
+            <a:endParaRPr lang="en-IN" sz="2300" dirty="0">
+              <a:solidFill>
+                <a:schemeClr val="accent1">
+                  <a:lumMod val="50000"/>
+                </a:schemeClr>
+              </a:solidFill>
+              <a:latin typeface="Georgia Pro" panose="020F0502020204030204" pitchFamily="18" charset="0"/>
+            </a:endParaRPr>
+          </a:p>
+        </p:txBody>
+      </p:sp>
+    </p:spTree>
+    <p:extLst>
+      <p:ext uri="{BB962C8B-B14F-4D97-AF65-F5344CB8AC3E}">
+        <p14:creationId xmlns:p14="http://schemas.microsoft.com/office/powerpoint/2010/main" val="773744092"/>
+      </p:ext>
+    </p:extLst>
+  </p:cSld>
+  <p:clrMapOvr>
+    <a:masterClrMapping/>
+  </p:clrMapOvr>
+</p:sld>
+</file>
+
+<file path=ppt/slides/slide21.xml><?xml version="1.0" encoding="utf-8"?>
+<p:sld xmlns:a="http://schemas.openxmlformats.org/drawingml/2006/main" xmlns:r="http://schemas.openxmlformats.org/officeDocument/2006/relationships" xmlns:p="http://schemas.openxmlformats.org/presentationml/2006/main">
+  <p:cSld>
+    <p:spTree>
+      <p:nvGrpSpPr>
+        <p:cNvPr id="1" name=""/>
+        <p:cNvGrpSpPr/>
+        <p:nvPr/>
+      </p:nvGrpSpPr>
+      <p:grpSpPr>
+        <a:xfrm>
+          <a:off x="0" y="0"/>
+          <a:ext cx="0" cy="0"/>
+          <a:chOff x="0" y="0"/>
+          <a:chExt cx="0" cy="0"/>
+        </a:xfrm>
+      </p:grpSpPr>
+      <p:cxnSp>
+        <p:nvCxnSpPr>
+          <p:cNvPr id="4" name="Straight Connector 3">
+            <a:extLst>
+              <a:ext uri="{FF2B5EF4-FFF2-40B4-BE49-F238E27FC236}">
+                <a16:creationId xmlns:a16="http://schemas.microsoft.com/office/drawing/2014/main" id="{FEC7D071-925A-A25D-E05E-32C77ACDD222}"/>
+              </a:ext>
+            </a:extLst>
+          </p:cNvPr>
+          <p:cNvCxnSpPr/>
+          <p:nvPr/>
+        </p:nvCxnSpPr>
+        <p:spPr>
+          <a:xfrm>
+            <a:off x="422787" y="688259"/>
+            <a:ext cx="11346426" cy="0"/>
+          </a:xfrm>
+          <a:prstGeom prst="line">
+            <a:avLst/>
+          </a:prstGeom>
+        </p:spPr>
+        <p:style>
+          <a:lnRef idx="2">
+            <a:schemeClr val="accent1"/>
+          </a:lnRef>
+          <a:fillRef idx="0">
+            <a:schemeClr val="accent1"/>
+          </a:fillRef>
+          <a:effectRef idx="1">
+            <a:schemeClr val="accent1"/>
+          </a:effectRef>
+          <a:fontRef idx="minor">
+            <a:schemeClr val="tx1"/>
+          </a:fontRef>
+        </p:style>
+      </p:cxnSp>
+      <p:sp>
+        <p:nvSpPr>
+          <p:cNvPr id="2" name="TextBox 1">
+            <a:extLst>
+              <a:ext uri="{FF2B5EF4-FFF2-40B4-BE49-F238E27FC236}">
+                <a16:creationId xmlns:a16="http://schemas.microsoft.com/office/drawing/2014/main" id="{2F00E685-236E-72A4-B986-9FAE9261022A}"/>
+              </a:ext>
+            </a:extLst>
+          </p:cNvPr>
+          <p:cNvSpPr txBox="1"/>
+          <p:nvPr/>
+        </p:nvSpPr>
+        <p:spPr>
+          <a:xfrm>
+            <a:off x="299880" y="196684"/>
+            <a:ext cx="9979584" cy="446276"/>
+          </a:xfrm>
+          <a:prstGeom prst="rect">
+            <a:avLst/>
+          </a:prstGeom>
+          <a:noFill/>
+        </p:spPr>
+        <p:txBody>
+          <a:bodyPr wrap="square" rtlCol="0">
+            <a:spAutoFit/>
+          </a:bodyPr>
+          <a:lstStyle/>
+          <a:p>
+            <a:r>
+              <a:rPr lang="en-US" sz="2300" dirty="0">
+                <a:solidFill>
+                  <a:schemeClr val="accent1">
+                    <a:lumMod val="50000"/>
+                  </a:schemeClr>
+                </a:solidFill>
+                <a:latin typeface="Georgia Pro" panose="020F0502020204030204" pitchFamily="18" charset="0"/>
+              </a:rPr>
+              <a:t>Conclusion</a:t>
+            </a:r>
+            <a:endParaRPr lang="en-IN" sz="2300" dirty="0">
+              <a:solidFill>
+                <a:schemeClr val="accent1">
+                  <a:lumMod val="50000"/>
+                </a:schemeClr>
+              </a:solidFill>
+              <a:latin typeface="Georgia Pro" panose="020F0502020204030204" pitchFamily="18" charset="0"/>
+            </a:endParaRPr>
+          </a:p>
+        </p:txBody>
+      </p:sp>
+      <p:sp>
+        <p:nvSpPr>
+          <p:cNvPr id="7" name="Content Placeholder 6">
+            <a:extLst>
+              <a:ext uri="{FF2B5EF4-FFF2-40B4-BE49-F238E27FC236}">
+                <a16:creationId xmlns:a16="http://schemas.microsoft.com/office/drawing/2014/main" id="{531E6270-E078-BD6F-49D4-80AD6E1EB91D}"/>
+              </a:ext>
+            </a:extLst>
+          </p:cNvPr>
+          <p:cNvSpPr>
+            <a:spLocks noGrp="1"/>
+          </p:cNvSpPr>
+          <p:nvPr>
+            <p:ph idx="1"/>
+          </p:nvPr>
+        </p:nvSpPr>
+        <p:spPr>
+          <a:xfrm>
+            <a:off x="299879" y="901393"/>
+            <a:ext cx="11469333" cy="4351338"/>
+          </a:xfrm>
+        </p:spPr>
+        <p:txBody>
+          <a:bodyPr>
+            <a:normAutofit/>
+          </a:bodyPr>
+          <a:lstStyle/>
+          <a:p>
+            <a:pPr>
+              <a:lnSpc>
+                <a:spcPct val="100000"/>
+              </a:lnSpc>
+              <a:buFont typeface="Arial" panose="020B0604020202020204" pitchFamily="34" charset="0"/>
+              <a:buChar char="•"/>
+            </a:pPr>
+            <a:r>
+              <a:rPr lang="en-US" sz="1200" b="1" dirty="0">
+                <a:solidFill>
+                  <a:schemeClr val="accent1">
+                    <a:lumMod val="75000"/>
+                  </a:schemeClr>
+                </a:solidFill>
+              </a:rPr>
+              <a:t>Comprehensive Analysis</a:t>
+            </a:r>
+            <a:r>
+              <a:rPr lang="en-US" sz="1200" dirty="0">
+                <a:solidFill>
+                  <a:schemeClr val="accent1">
+                    <a:lumMod val="75000"/>
+                  </a:schemeClr>
+                </a:solidFill>
+              </a:rPr>
+              <a:t>: </a:t>
+            </a:r>
+            <a:r>
+              <a:rPr lang="en-US" sz="1200" dirty="0"/>
+              <a:t>This project demonstrates the power of data analysis and visualization in providing a detailed understanding of the bank’s loan portfolio. By leveraging advanced analytical tools, the bank can gain valuable insights into loan performance and borrower behavior.</a:t>
+            </a:r>
+          </a:p>
+          <a:p>
+            <a:pPr>
+              <a:lnSpc>
+                <a:spcPct val="100000"/>
+              </a:lnSpc>
+              <a:buFont typeface="Arial" panose="020B0604020202020204" pitchFamily="34" charset="0"/>
+              <a:buChar char="•"/>
+            </a:pPr>
+            <a:r>
+              <a:rPr lang="en-US" sz="1200" b="1" dirty="0">
+                <a:solidFill>
+                  <a:schemeClr val="accent1">
+                    <a:lumMod val="75000"/>
+                  </a:schemeClr>
+                </a:solidFill>
+              </a:rPr>
+              <a:t>Informed Strategies</a:t>
+            </a:r>
+            <a:r>
+              <a:rPr lang="en-US" sz="1200" dirty="0">
+                <a:solidFill>
+                  <a:schemeClr val="accent1">
+                    <a:lumMod val="75000"/>
+                  </a:schemeClr>
+                </a:solidFill>
+              </a:rPr>
+              <a:t>: </a:t>
+            </a:r>
+            <a:r>
+              <a:rPr lang="en-US" sz="1200" dirty="0"/>
+              <a:t>The findings support strategic decision-making by identifying key trends, risks, and opportunities within the loan portfolio. This enables the bank to implement data-driven strategies that optimize lending practices, manage risks, and enhance overall operational efficiency.</a:t>
+            </a:r>
+          </a:p>
+          <a:p>
+            <a:pPr>
+              <a:lnSpc>
+                <a:spcPct val="100000"/>
+              </a:lnSpc>
+              <a:buFont typeface="Arial" panose="020B0604020202020204" pitchFamily="34" charset="0"/>
+              <a:buChar char="•"/>
+            </a:pPr>
+            <a:r>
+              <a:rPr lang="en-US" sz="1200" b="1" dirty="0">
+                <a:solidFill>
+                  <a:schemeClr val="accent1">
+                    <a:lumMod val="75000"/>
+                  </a:schemeClr>
+                </a:solidFill>
+              </a:rPr>
+              <a:t>Future Outlook</a:t>
+            </a:r>
+            <a:r>
+              <a:rPr lang="en-US" sz="1200" dirty="0">
+                <a:solidFill>
+                  <a:schemeClr val="accent1">
+                    <a:lumMod val="75000"/>
+                  </a:schemeClr>
+                </a:solidFill>
+              </a:rPr>
+              <a:t>: </a:t>
+            </a:r>
+            <a:r>
+              <a:rPr lang="en-US" sz="1200" dirty="0"/>
+              <a:t>Continuous monitoring and analysis are essential for maintaining a healthy loan portfolio. By integrating predictive analytics and machine learning models, the bank can further improve risk management and capitalize on growth opportunities.</a:t>
+            </a:r>
+          </a:p>
+          <a:p>
+            <a:pPr>
+              <a:lnSpc>
+                <a:spcPct val="100000"/>
+              </a:lnSpc>
+              <a:buFont typeface="Arial" panose="020B0604020202020204" pitchFamily="34" charset="0"/>
+              <a:buChar char="•"/>
+            </a:pPr>
+            <a:r>
+              <a:rPr lang="en-US" sz="1200" b="1" dirty="0">
+                <a:solidFill>
+                  <a:schemeClr val="accent1">
+                    <a:lumMod val="75000"/>
+                  </a:schemeClr>
+                </a:solidFill>
+              </a:rPr>
+              <a:t>Call to Action</a:t>
+            </a:r>
+            <a:r>
+              <a:rPr lang="en-US" sz="1200" dirty="0">
+                <a:solidFill>
+                  <a:schemeClr val="accent1">
+                    <a:lumMod val="75000"/>
+                  </a:schemeClr>
+                </a:solidFill>
+              </a:rPr>
+              <a:t>: </a:t>
+            </a:r>
+            <a:r>
+              <a:rPr lang="en-US" sz="1200" dirty="0"/>
+              <a:t>To sustain growth and maintain a competitive edge, it is crucial to invest in advanced analytical capabilities, embrace innovation, and stay attuned to market dynamics and customer needs.</a:t>
+            </a:r>
+          </a:p>
+          <a:p>
+            <a:pPr>
+              <a:lnSpc>
+                <a:spcPct val="100000"/>
+              </a:lnSpc>
+            </a:pPr>
+            <a:endParaRPr lang="en-US" sz="1200" b="1" dirty="0">
+              <a:solidFill>
+                <a:schemeClr val="accent1">
+                  <a:lumMod val="75000"/>
+                </a:schemeClr>
+              </a:solidFill>
+            </a:endParaRPr>
+          </a:p>
+          <a:p>
+            <a:pPr marL="0" indent="0">
+              <a:lnSpc>
+                <a:spcPct val="100000"/>
+              </a:lnSpc>
+              <a:buNone/>
+            </a:pPr>
+            <a:r>
+              <a:rPr lang="en-US" sz="1600" dirty="0">
+                <a:solidFill>
+                  <a:schemeClr val="accent1">
+                    <a:lumMod val="75000"/>
+                  </a:schemeClr>
+                </a:solidFill>
+                <a:latin typeface="Georgia Pro" panose="02040502050405020303" pitchFamily="18" charset="0"/>
+              </a:rPr>
+              <a:t>     </a:t>
+            </a:r>
+            <a:r>
+              <a:rPr lang="en-US" sz="2000" dirty="0">
+                <a:solidFill>
+                  <a:schemeClr val="accent1">
+                    <a:lumMod val="50000"/>
+                  </a:schemeClr>
+                </a:solidFill>
+                <a:latin typeface="Georgia Pro" panose="02040502050405020303" pitchFamily="18" charset="0"/>
+              </a:rPr>
+              <a:t>Final Thoughts</a:t>
+            </a:r>
+          </a:p>
+          <a:p>
+            <a:pPr>
+              <a:lnSpc>
+                <a:spcPct val="100000"/>
+              </a:lnSpc>
+              <a:buFont typeface="Arial" panose="020B0604020202020204" pitchFamily="34" charset="0"/>
+              <a:buChar char="•"/>
+            </a:pPr>
+            <a:r>
+              <a:rPr lang="en-US" sz="1200" dirty="0"/>
+              <a:t>This comprehensive analysis and the resulting insights underscore the importance of leveraging data-driven approaches to navigate the complexities of the financial landscape. By embracing these strategies, the bank can achieve sustainable growth, enhance customer satisfaction, and secure a robust financial future.</a:t>
+            </a:r>
+          </a:p>
+          <a:p>
+            <a:pPr>
+              <a:lnSpc>
+                <a:spcPct val="100000"/>
+              </a:lnSpc>
+            </a:pPr>
+            <a:endParaRPr lang="en-IN" sz="1200" dirty="0"/>
+          </a:p>
+        </p:txBody>
+      </p:sp>
+    </p:spTree>
+    <p:extLst>
+      <p:ext uri="{BB962C8B-B14F-4D97-AF65-F5344CB8AC3E}">
+        <p14:creationId xmlns:p14="http://schemas.microsoft.com/office/powerpoint/2010/main" val="3102374026"/>
+      </p:ext>
+    </p:extLst>
+  </p:cSld>
+  <p:clrMapOvr>
+    <a:masterClrMapping/>
+  </p:clrMapOvr>
+</p:sld>
+</file>
+
+<file path=ppt/slides/slide3.xml><?xml version="1.0" encoding="utf-8"?>
+<p:sld xmlns:a="http://schemas.openxmlformats.org/drawingml/2006/main" xmlns:r="http://schemas.openxmlformats.org/officeDocument/2006/relationships" xmlns:p="http://schemas.openxmlformats.org/presentationml/2006/main">
+  <p:cSld>
+    <p:spTree>
+      <p:nvGrpSpPr>
+        <p:cNvPr id="1" name=""/>
+        <p:cNvGrpSpPr/>
+        <p:nvPr/>
+      </p:nvGrpSpPr>
+      <p:grpSpPr>
+        <a:xfrm>
+          <a:off x="0" y="0"/>
+          <a:ext cx="0" cy="0"/>
+          <a:chOff x="0" y="0"/>
+          <a:chExt cx="0" cy="0"/>
+        </a:xfrm>
+      </p:grpSpPr>
+      <p:cxnSp>
+        <p:nvCxnSpPr>
+          <p:cNvPr id="4" name="Straight Connector 3">
+            <a:extLst>
+              <a:ext uri="{FF2B5EF4-FFF2-40B4-BE49-F238E27FC236}">
+                <a16:creationId xmlns:a16="http://schemas.microsoft.com/office/drawing/2014/main" id="{FEC7D071-925A-A25D-E05E-32C77ACDD222}"/>
+              </a:ext>
+            </a:extLst>
+          </p:cNvPr>
+          <p:cNvCxnSpPr/>
+          <p:nvPr/>
+        </p:nvCxnSpPr>
+        <p:spPr>
+          <a:xfrm>
+            <a:off x="422787" y="688259"/>
+            <a:ext cx="11346426" cy="0"/>
+          </a:xfrm>
+          <a:prstGeom prst="line">
+            <a:avLst/>
+          </a:prstGeom>
+        </p:spPr>
+        <p:style>
+          <a:lnRef idx="2">
+            <a:schemeClr val="accent1"/>
+          </a:lnRef>
+          <a:fillRef idx="0">
+            <a:schemeClr val="accent1"/>
+          </a:fillRef>
+          <a:effectRef idx="1">
+            <a:schemeClr val="accent1"/>
+          </a:effectRef>
+          <a:fontRef idx="minor">
+            <a:schemeClr val="tx1"/>
+          </a:fontRef>
+        </p:style>
+      </p:cxnSp>
+      <p:sp>
+        <p:nvSpPr>
+          <p:cNvPr id="5" name="TextBox 4">
+            <a:extLst>
+              <a:ext uri="{FF2B5EF4-FFF2-40B4-BE49-F238E27FC236}">
+                <a16:creationId xmlns:a16="http://schemas.microsoft.com/office/drawing/2014/main" id="{3F4FBE9D-3AEF-DE1B-64C1-120BA77CD7A8}"/>
+              </a:ext>
+            </a:extLst>
+          </p:cNvPr>
+          <p:cNvSpPr txBox="1"/>
+          <p:nvPr/>
+        </p:nvSpPr>
+        <p:spPr>
+          <a:xfrm>
+            <a:off x="299880" y="196684"/>
+            <a:ext cx="9979584" cy="446276"/>
+          </a:xfrm>
+          <a:prstGeom prst="rect">
+            <a:avLst/>
+          </a:prstGeom>
+          <a:noFill/>
+        </p:spPr>
+        <p:txBody>
+          <a:bodyPr wrap="square" rtlCol="0">
+            <a:spAutoFit/>
+          </a:bodyPr>
+          <a:lstStyle/>
+          <a:p>
+            <a:r>
+              <a:rPr lang="en-US" sz="2300" dirty="0">
+                <a:solidFill>
+                  <a:schemeClr val="accent1">
+                    <a:lumMod val="50000"/>
+                  </a:schemeClr>
+                </a:solidFill>
+                <a:latin typeface="Georgia Pro" panose="020F0502020204030204" pitchFamily="18" charset="0"/>
+              </a:rPr>
+              <a:t>Executive Summary</a:t>
+            </a:r>
+            <a:endParaRPr lang="en-IN" sz="2300" dirty="0">
+              <a:solidFill>
+                <a:schemeClr val="accent1">
+                  <a:lumMod val="50000"/>
+                </a:schemeClr>
+              </a:solidFill>
+              <a:latin typeface="Georgia Pro" panose="020F0502020204030204" pitchFamily="18" charset="0"/>
+            </a:endParaRPr>
+          </a:p>
+        </p:txBody>
+      </p:sp>
+      <p:sp>
+        <p:nvSpPr>
+          <p:cNvPr id="7" name="Content Placeholder 2">
+            <a:extLst>
+              <a:ext uri="{FF2B5EF4-FFF2-40B4-BE49-F238E27FC236}">
+                <a16:creationId xmlns:a16="http://schemas.microsoft.com/office/drawing/2014/main" id="{4F6E7C57-FDA4-0EA0-DD37-9A3F30183BCB}"/>
+              </a:ext>
+            </a:extLst>
+          </p:cNvPr>
+          <p:cNvSpPr>
+            <a:spLocks noGrp="1"/>
+          </p:cNvSpPr>
+          <p:nvPr>
+            <p:ph idx="1"/>
+          </p:nvPr>
+        </p:nvSpPr>
+        <p:spPr>
+          <a:xfrm>
+            <a:off x="299880" y="761236"/>
+            <a:ext cx="11469334" cy="5933186"/>
+          </a:xfrm>
+        </p:spPr>
+        <p:txBody>
+          <a:bodyPr>
+            <a:normAutofit/>
+          </a:bodyPr>
+          <a:lstStyle/>
+          <a:p>
+            <a:r>
+              <a:rPr lang="en-IN" sz="1600" b="1" kern="100" dirty="0">
+                <a:solidFill>
+                  <a:schemeClr val="accent1">
+                    <a:lumMod val="75000"/>
+                  </a:schemeClr>
+                </a:solidFill>
+                <a:effectLst/>
+                <a:latin typeface="Calibri" panose="020F0502020204030204" pitchFamily="34" charset="0"/>
+                <a:ea typeface="Calibri" panose="020F0502020204030204" pitchFamily="34" charset="0"/>
+                <a:cs typeface="Times New Roman" panose="02020603050405020304" pitchFamily="18" charset="0"/>
+              </a:rPr>
+              <a:t>Overview:</a:t>
+            </a:r>
+          </a:p>
+          <a:p>
+            <a:pPr marL="457200" lvl="1" indent="0">
+              <a:buNone/>
+            </a:pPr>
+            <a:r>
+              <a:rPr lang="en-US" sz="1400" dirty="0"/>
+              <a:t>In this project, I have applied advanced statistical techniques to optimize Anti-Money Laundering (AML) transaction monitoring for large value deposits. The objective was to develop a market-standard solution for the scenario: Large Value Deposits that enhances the detection of suspicious activities while minimizing false positives, reflecting the stringent compliance requirements of financial institutions.</a:t>
+            </a:r>
+          </a:p>
+          <a:p>
+            <a:pPr marL="457200" lvl="1" indent="0">
+              <a:buNone/>
+            </a:pPr>
+            <a:endParaRPr lang="en-US" sz="1400" kern="100" dirty="0">
+              <a:solidFill>
+                <a:schemeClr val="accent1">
+                  <a:lumMod val="75000"/>
+                </a:schemeClr>
+              </a:solidFill>
+              <a:effectLst/>
+              <a:ea typeface="Calibri" panose="020F0502020204030204" pitchFamily="34" charset="0"/>
+              <a:cs typeface="Times New Roman" panose="02020603050405020304" pitchFamily="18" charset="0"/>
+            </a:endParaRPr>
+          </a:p>
+          <a:p>
+            <a:pPr marL="228600" lvl="1">
+              <a:spcBef>
+                <a:spcPts val="1000"/>
+              </a:spcBef>
+            </a:pPr>
+            <a:r>
+              <a:rPr lang="en-IN" sz="1600" b="1" kern="100" dirty="0">
+                <a:solidFill>
+                  <a:schemeClr val="accent1">
+                    <a:lumMod val="75000"/>
+                  </a:schemeClr>
+                </a:solidFill>
+                <a:latin typeface="Calibri" panose="020F0502020204030204" pitchFamily="34" charset="0"/>
+                <a:ea typeface="Calibri" panose="020F0502020204030204" pitchFamily="34" charset="0"/>
+                <a:cs typeface="Times New Roman" panose="02020603050405020304" pitchFamily="18" charset="0"/>
+              </a:rPr>
+              <a:t>Purpose:</a:t>
+            </a:r>
+          </a:p>
+          <a:p>
+            <a:pPr marL="457200" lvl="1" indent="0" algn="just">
+              <a:lnSpc>
+                <a:spcPct val="150000"/>
+              </a:lnSpc>
+              <a:buNone/>
+            </a:pPr>
+            <a:r>
+              <a:rPr lang="en-US" sz="1400" dirty="0"/>
+              <a:t>The primary goal of this project is to demonstrate my ability to interpret and analyze data to make informed financial crimes decisions. By tuning the monitoring thresholds effectively, I aim to maximize the detection of true suspicious activities, reduce generation of False Negatives and reduce operational costs associated with false positives.</a:t>
+            </a:r>
+          </a:p>
+          <a:p>
+            <a:pPr marL="342900" lvl="0" indent="-342900" algn="just">
+              <a:lnSpc>
+                <a:spcPct val="150000"/>
+              </a:lnSpc>
+              <a:buFont typeface="+mj-lt"/>
+              <a:buAutoNum type="arabicPeriod"/>
+            </a:pPr>
+            <a:endParaRPr lang="en-US" sz="1400" dirty="0"/>
+          </a:p>
+          <a:p>
+            <a:pPr algn="just">
+              <a:lnSpc>
+                <a:spcPct val="150000"/>
+              </a:lnSpc>
+            </a:pPr>
+            <a:r>
+              <a:rPr lang="en-IN" sz="1600" b="1" kern="100" dirty="0">
+                <a:solidFill>
+                  <a:schemeClr val="accent1">
+                    <a:lumMod val="75000"/>
+                  </a:schemeClr>
+                </a:solidFill>
+                <a:latin typeface="Calibri" panose="020F0502020204030204" pitchFamily="34" charset="0"/>
+                <a:ea typeface="Calibri" panose="020F0502020204030204" pitchFamily="34" charset="0"/>
+                <a:cs typeface="Times New Roman" panose="02020603050405020304" pitchFamily="18" charset="0"/>
+              </a:rPr>
+              <a:t>Relevance:</a:t>
+            </a:r>
+          </a:p>
+          <a:p>
+            <a:pPr marL="457200" lvl="1" indent="0" algn="just">
+              <a:lnSpc>
+                <a:spcPct val="150000"/>
+              </a:lnSpc>
+              <a:buNone/>
+            </a:pPr>
+            <a:r>
+              <a:rPr lang="en-US" sz="1400" dirty="0"/>
+              <a:t>This project showcases a methodology that is widely used in the banking sector. </a:t>
+            </a:r>
+            <a:r>
+              <a:rPr lang="en-US" sz="1400" b="1" dirty="0"/>
+              <a:t>But this method is inefficient due to large number of False Positives, and presence of False Negatives. I’ve learnt from my experiences how to develop efficient AML models- Rule based and ML Based(Segment the customers, products etc.) models. I play an instrumental role in bridging the gap between the inefficient market standard and building a state-of-the-art in-house AML models. </a:t>
+            </a:r>
+            <a:r>
+              <a:rPr lang="en-US" sz="1400" dirty="0"/>
+              <a:t>I would like to put some more light on the same during the interview. This presentation underscores my readiness to contribute to Morgan Stanley’s Global Financial Crimes team by leveraging my skills in data analysis and AML transaction monitoring.</a:t>
+            </a:r>
+            <a:endParaRPr lang="en-IN" sz="700" dirty="0">
+              <a:latin typeface="Georgia Pro" panose="020F0502020204030204" pitchFamily="18" charset="0"/>
+            </a:endParaRPr>
+          </a:p>
+        </p:txBody>
+      </p:sp>
+    </p:spTree>
+    <p:extLst>
+      <p:ext uri="{BB962C8B-B14F-4D97-AF65-F5344CB8AC3E}">
+        <p14:creationId xmlns:p14="http://schemas.microsoft.com/office/powerpoint/2010/main" val="81435306"/>
+      </p:ext>
+    </p:extLst>
+  </p:cSld>
+  <p:clrMapOvr>
+    <a:masterClrMapping/>
+  </p:clrMapOvr>
+</p:sld>
+</file>
+
+<file path=ppt/slides/slide4.xml><?xml version="1.0" encoding="utf-8"?>
+<p:sld xmlns:a="http://schemas.openxmlformats.org/drawingml/2006/main" xmlns:r="http://schemas.openxmlformats.org/officeDocument/2006/relationships" xmlns:p="http://schemas.openxmlformats.org/presentationml/2006/main">
+  <p:cSld>
+    <p:spTree>
+      <p:nvGrpSpPr>
+        <p:cNvPr id="1" name=""/>
+        <p:cNvGrpSpPr/>
+        <p:nvPr/>
+      </p:nvGrpSpPr>
+      <p:grpSpPr>
+        <a:xfrm>
+          <a:off x="0" y="0"/>
+          <a:ext cx="0" cy="0"/>
+          <a:chOff x="0" y="0"/>
+          <a:chExt cx="0" cy="0"/>
+        </a:xfrm>
+      </p:grpSpPr>
+      <p:cxnSp>
+        <p:nvCxnSpPr>
+          <p:cNvPr id="4" name="Straight Connector 3">
+            <a:extLst>
+              <a:ext uri="{FF2B5EF4-FFF2-40B4-BE49-F238E27FC236}">
+                <a16:creationId xmlns:a16="http://schemas.microsoft.com/office/drawing/2014/main" id="{FEC7D071-925A-A25D-E05E-32C77ACDD222}"/>
+              </a:ext>
+            </a:extLst>
+          </p:cNvPr>
+          <p:cNvCxnSpPr/>
+          <p:nvPr/>
+        </p:nvCxnSpPr>
+        <p:spPr>
+          <a:xfrm>
+            <a:off x="422787" y="688259"/>
+            <a:ext cx="11346426" cy="0"/>
+          </a:xfrm>
+          <a:prstGeom prst="line">
+            <a:avLst/>
+          </a:prstGeom>
+        </p:spPr>
+        <p:style>
+          <a:lnRef idx="2">
+            <a:schemeClr val="accent1"/>
+          </a:lnRef>
+          <a:fillRef idx="0">
+            <a:schemeClr val="accent1"/>
+          </a:fillRef>
+          <a:effectRef idx="1">
+            <a:schemeClr val="accent1"/>
+          </a:effectRef>
+          <a:fontRef idx="minor">
+            <a:schemeClr val="tx1"/>
+          </a:fontRef>
+        </p:style>
+      </p:cxnSp>
+      <p:sp>
+        <p:nvSpPr>
+          <p:cNvPr id="5" name="TextBox 4">
+            <a:extLst>
+              <a:ext uri="{FF2B5EF4-FFF2-40B4-BE49-F238E27FC236}">
+                <a16:creationId xmlns:a16="http://schemas.microsoft.com/office/drawing/2014/main" id="{3F4FBE9D-3AEF-DE1B-64C1-120BA77CD7A8}"/>
+              </a:ext>
+            </a:extLst>
+          </p:cNvPr>
+          <p:cNvSpPr txBox="1"/>
+          <p:nvPr/>
+        </p:nvSpPr>
+        <p:spPr>
+          <a:xfrm>
+            <a:off x="299880" y="196684"/>
+            <a:ext cx="9979584" cy="461665"/>
+          </a:xfrm>
+          <a:prstGeom prst="rect">
+            <a:avLst/>
+          </a:prstGeom>
+          <a:noFill/>
+        </p:spPr>
+        <p:txBody>
+          <a:bodyPr wrap="square" rtlCol="0">
+            <a:spAutoFit/>
+          </a:bodyPr>
+          <a:lstStyle>
+            <a:defPPr>
+              <a:defRPr lang="en-US"/>
+            </a:defPPr>
+            <a:lvl1pPr>
+              <a:defRPr sz="2300">
+                <a:solidFill>
+                  <a:schemeClr val="accent1">
+                    <a:lumMod val="50000"/>
+                  </a:schemeClr>
+                </a:solidFill>
+                <a:latin typeface="Georgia Pro" panose="020F0502020204030204" pitchFamily="18" charset="0"/>
+              </a:defRPr>
+            </a:lvl1pPr>
+          </a:lstStyle>
+          <a:p>
+            <a:r>
+              <a:rPr lang="en-US" dirty="0"/>
+              <a:t>Data Overview and DQ Report</a:t>
+            </a:r>
+            <a:endParaRPr lang="en-IN" dirty="0"/>
+          </a:p>
+        </p:txBody>
+      </p:sp>
+      <p:sp>
+        <p:nvSpPr>
+          <p:cNvPr id="7" name="Content Placeholder 2">
+            <a:extLst>
+              <a:ext uri="{FF2B5EF4-FFF2-40B4-BE49-F238E27FC236}">
+                <a16:creationId xmlns:a16="http://schemas.microsoft.com/office/drawing/2014/main" id="{4F6E7C57-FDA4-0EA0-DD37-9A3F30183BCB}"/>
+              </a:ext>
+            </a:extLst>
+          </p:cNvPr>
+          <p:cNvSpPr>
+            <a:spLocks noGrp="1"/>
+          </p:cNvSpPr>
+          <p:nvPr>
+            <p:ph idx="1"/>
+          </p:nvPr>
+        </p:nvSpPr>
+        <p:spPr>
+          <a:xfrm>
+            <a:off x="299880" y="761236"/>
+            <a:ext cx="11469334" cy="5933186"/>
+          </a:xfrm>
+        </p:spPr>
+        <p:txBody>
+          <a:bodyPr>
+            <a:normAutofit/>
+          </a:bodyPr>
+          <a:lstStyle/>
+          <a:p>
+            <a:pPr eaLnBrk="0" fontAlgn="base" hangingPunct="0">
+              <a:lnSpc>
+                <a:spcPct val="100000"/>
+              </a:lnSpc>
+              <a:spcBef>
+                <a:spcPct val="0"/>
+              </a:spcBef>
+              <a:spcAft>
+                <a:spcPct val="0"/>
+              </a:spcAft>
+            </a:pPr>
+            <a:r>
+              <a:rPr lang="en-IN" sz="1500" b="1" dirty="0"/>
+              <a:t>Data Overview: </a:t>
+            </a:r>
+            <a:r>
+              <a:rPr kumimoji="0" lang="en-US" altLang="en-US" sz="1400" b="0" i="0" u="none" strike="noStrike" cap="none" normalizeH="0" baseline="0" dirty="0">
+                <a:ln>
+                  <a:noFill/>
+                </a:ln>
+                <a:solidFill>
+                  <a:schemeClr val="tx1"/>
+                </a:solidFill>
+                <a:effectLst/>
+              </a:rPr>
+              <a:t>In this project, I utilized two datasets to conduct a thorough analysis:</a:t>
+            </a:r>
+          </a:p>
+          <a:p>
+            <a:pPr marL="0" indent="0" eaLnBrk="0" fontAlgn="base" hangingPunct="0">
+              <a:lnSpc>
+                <a:spcPct val="100000"/>
+              </a:lnSpc>
+              <a:spcBef>
+                <a:spcPct val="0"/>
+              </a:spcBef>
+              <a:spcAft>
+                <a:spcPct val="0"/>
+              </a:spcAft>
+              <a:buNone/>
+            </a:pPr>
+            <a:endParaRPr kumimoji="0" lang="en-US" altLang="en-US" sz="1400" b="0" i="0" u="none" strike="noStrike" cap="none" normalizeH="0" baseline="0" dirty="0">
+              <a:ln>
+                <a:noFill/>
+              </a:ln>
+              <a:solidFill>
+                <a:schemeClr val="tx1"/>
+              </a:solidFill>
+              <a:effectLst/>
+            </a:endParaRPr>
+          </a:p>
+          <a:p>
+            <a:pPr marL="800100" lvl="1" indent="-342900" eaLnBrk="0" fontAlgn="base" hangingPunct="0">
+              <a:lnSpc>
+                <a:spcPct val="100000"/>
+              </a:lnSpc>
+              <a:spcBef>
+                <a:spcPct val="0"/>
+              </a:spcBef>
+              <a:spcAft>
+                <a:spcPct val="0"/>
+              </a:spcAft>
+              <a:buFont typeface="+mj-lt"/>
+              <a:buAutoNum type="arabicPeriod"/>
+            </a:pPr>
+            <a:r>
+              <a:rPr lang="en-US" altLang="en-US" sz="1400" b="1" dirty="0">
+                <a:solidFill>
+                  <a:schemeClr val="accent1">
+                    <a:lumMod val="75000"/>
+                  </a:schemeClr>
+                </a:solidFill>
+              </a:rPr>
+              <a:t>A</a:t>
+            </a:r>
+            <a:r>
+              <a:rPr kumimoji="0" lang="en-US" altLang="en-US" sz="1400" b="1" i="0" u="none" strike="noStrike" cap="none" normalizeH="0" baseline="0" dirty="0">
+                <a:ln>
+                  <a:noFill/>
+                </a:ln>
+                <a:solidFill>
+                  <a:schemeClr val="accent1">
+                    <a:lumMod val="75000"/>
+                  </a:schemeClr>
+                </a:solidFill>
+                <a:effectLst/>
+              </a:rPr>
+              <a:t>ccounts.csv</a:t>
+            </a:r>
+            <a:r>
+              <a:rPr kumimoji="0" lang="en-US" altLang="en-US" sz="1400" b="0" i="0" u="none" strike="noStrike" cap="none" normalizeH="0" baseline="0" dirty="0">
+                <a:ln>
+                  <a:noFill/>
+                </a:ln>
+                <a:solidFill>
+                  <a:schemeClr val="accent1">
+                    <a:lumMod val="75000"/>
+                  </a:schemeClr>
+                </a:solidFill>
+                <a:effectLst/>
+              </a:rPr>
+              <a:t>:</a:t>
+            </a:r>
+          </a:p>
+          <a:p>
+            <a:pPr lvl="2" eaLnBrk="0" fontAlgn="base" hangingPunct="0">
+              <a:lnSpc>
+                <a:spcPct val="100000"/>
+              </a:lnSpc>
+              <a:spcBef>
+                <a:spcPct val="0"/>
+              </a:spcBef>
+              <a:spcAft>
+                <a:spcPct val="0"/>
+              </a:spcAft>
+              <a:buFont typeface="Wingdings" panose="05000000000000000000" pitchFamily="2" charset="2"/>
+              <a:buChar char="v"/>
+            </a:pPr>
+            <a:r>
+              <a:rPr kumimoji="0" lang="en-US" altLang="en-US" sz="1400" b="1" i="0" u="none" strike="noStrike" cap="none" normalizeH="0" baseline="0" dirty="0">
+                <a:ln>
+                  <a:noFill/>
+                </a:ln>
+                <a:solidFill>
+                  <a:schemeClr val="accent1">
+                    <a:lumMod val="75000"/>
+                  </a:schemeClr>
+                </a:solidFill>
+                <a:effectLst/>
+              </a:rPr>
+              <a:t>Description</a:t>
+            </a:r>
+            <a:r>
+              <a:rPr kumimoji="0" lang="en-US" altLang="en-US" sz="1400" b="0" i="0" u="none" strike="noStrike" cap="none" normalizeH="0" baseline="0" dirty="0">
+                <a:ln>
+                  <a:noFill/>
+                </a:ln>
+                <a:solidFill>
+                  <a:schemeClr val="accent1">
+                    <a:lumMod val="75000"/>
+                  </a:schemeClr>
+                </a:solidFill>
+                <a:effectLst/>
+              </a:rPr>
+              <a:t>: </a:t>
+            </a:r>
+            <a:r>
+              <a:rPr kumimoji="0" lang="en-US" altLang="en-US" sz="1400" b="0" i="0" u="none" strike="noStrike" cap="none" normalizeH="0" baseline="0" dirty="0">
+                <a:ln>
+                  <a:noFill/>
+                </a:ln>
+                <a:solidFill>
+                  <a:schemeClr val="tx1"/>
+                </a:solidFill>
+                <a:effectLst/>
+              </a:rPr>
+              <a:t>Contains account-level information.</a:t>
+            </a:r>
+          </a:p>
+          <a:p>
+            <a:pPr lvl="2" eaLnBrk="0" fontAlgn="base" hangingPunct="0">
+              <a:lnSpc>
+                <a:spcPct val="100000"/>
+              </a:lnSpc>
+              <a:spcBef>
+                <a:spcPct val="0"/>
+              </a:spcBef>
+              <a:spcAft>
+                <a:spcPct val="0"/>
+              </a:spcAft>
+              <a:buFont typeface="Wingdings" panose="05000000000000000000" pitchFamily="2" charset="2"/>
+              <a:buChar char="v"/>
+            </a:pPr>
+            <a:r>
+              <a:rPr kumimoji="0" lang="en-US" altLang="en-US" sz="1400" b="1" i="0" u="none" strike="noStrike" cap="none" normalizeH="0" baseline="0" dirty="0">
+                <a:ln>
+                  <a:noFill/>
+                </a:ln>
+                <a:solidFill>
+                  <a:schemeClr val="accent1">
+                    <a:lumMod val="75000"/>
+                  </a:schemeClr>
+                </a:solidFill>
+                <a:effectLst/>
+              </a:rPr>
+              <a:t>Key Variables</a:t>
+            </a:r>
+            <a:r>
+              <a:rPr kumimoji="0" lang="en-US" altLang="en-US" sz="1400" b="0" i="0" u="none" strike="noStrike" cap="none" normalizeH="0" baseline="0" dirty="0">
+                <a:ln>
+                  <a:noFill/>
+                </a:ln>
+                <a:solidFill>
+                  <a:schemeClr val="accent1">
+                    <a:lumMod val="75000"/>
+                  </a:schemeClr>
+                </a:solidFill>
+                <a:effectLst/>
+              </a:rPr>
+              <a:t>:</a:t>
+            </a:r>
+          </a:p>
+          <a:p>
+            <a:pPr lvl="3" eaLnBrk="0" fontAlgn="base" hangingPunct="0">
+              <a:lnSpc>
+                <a:spcPct val="100000"/>
+              </a:lnSpc>
+              <a:spcBef>
+                <a:spcPct val="0"/>
+              </a:spcBef>
+              <a:spcAft>
+                <a:spcPct val="0"/>
+              </a:spcAft>
+            </a:pPr>
+            <a:r>
+              <a:rPr kumimoji="0" lang="en-US" altLang="en-US" sz="1400" b="0" i="0" u="none" strike="noStrike" cap="none" normalizeH="0" baseline="0" dirty="0">
+                <a:ln>
+                  <a:noFill/>
+                </a:ln>
+                <a:solidFill>
+                  <a:schemeClr val="tx1"/>
+                </a:solidFill>
+                <a:effectLst/>
+              </a:rPr>
+              <a:t>ACCOUNT_ID: Unique identifier for each account.</a:t>
+            </a:r>
+          </a:p>
+          <a:p>
+            <a:pPr lvl="3" eaLnBrk="0" fontAlgn="base" hangingPunct="0">
+              <a:lnSpc>
+                <a:spcPct val="100000"/>
+              </a:lnSpc>
+              <a:spcBef>
+                <a:spcPct val="0"/>
+              </a:spcBef>
+              <a:spcAft>
+                <a:spcPct val="0"/>
+              </a:spcAft>
+            </a:pPr>
+            <a:r>
+              <a:rPr kumimoji="0" lang="en-US" altLang="en-US" sz="1400" b="0" i="0" u="none" strike="noStrike" cap="none" normalizeH="0" baseline="0" dirty="0">
+                <a:ln>
+                  <a:noFill/>
+                </a:ln>
+                <a:solidFill>
+                  <a:schemeClr val="tx1"/>
+                </a:solidFill>
+                <a:effectLst/>
+              </a:rPr>
+              <a:t>IS_FRAUD: Target variable indicating whether the account is associated with suspicious activity (True for suspicious, False for non-suspicious)</a:t>
+            </a:r>
+          </a:p>
+          <a:p>
+            <a:pPr lvl="2" eaLnBrk="0" fontAlgn="base" hangingPunct="0">
+              <a:lnSpc>
+                <a:spcPct val="100000"/>
+              </a:lnSpc>
+              <a:spcBef>
+                <a:spcPct val="0"/>
+              </a:spcBef>
+              <a:spcAft>
+                <a:spcPct val="0"/>
+              </a:spcAft>
+            </a:pPr>
+            <a:endParaRPr kumimoji="0" lang="en-US" altLang="en-US" sz="1400" b="0" i="0" u="none" strike="noStrike" cap="none" normalizeH="0" baseline="0" dirty="0">
+              <a:ln>
+                <a:noFill/>
+              </a:ln>
+              <a:solidFill>
+                <a:schemeClr val="tx1"/>
+              </a:solidFill>
+              <a:effectLst/>
+            </a:endParaRPr>
+          </a:p>
+          <a:p>
+            <a:pPr marL="800100" lvl="1" indent="-342900" eaLnBrk="0" fontAlgn="base" hangingPunct="0">
+              <a:lnSpc>
+                <a:spcPct val="100000"/>
+              </a:lnSpc>
+              <a:spcBef>
+                <a:spcPct val="0"/>
+              </a:spcBef>
+              <a:spcAft>
+                <a:spcPct val="0"/>
+              </a:spcAft>
+              <a:buFont typeface="+mj-lt"/>
+              <a:buAutoNum type="arabicPeriod"/>
+            </a:pPr>
+            <a:r>
+              <a:rPr lang="en-US" altLang="en-US" sz="1400" b="1" dirty="0">
+                <a:solidFill>
+                  <a:schemeClr val="accent1">
+                    <a:lumMod val="75000"/>
+                  </a:schemeClr>
+                </a:solidFill>
+              </a:rPr>
+              <a:t>Transactions.csv:</a:t>
+            </a:r>
+          </a:p>
+          <a:p>
+            <a:pPr lvl="2" eaLnBrk="0" fontAlgn="base" hangingPunct="0">
+              <a:lnSpc>
+                <a:spcPct val="100000"/>
+              </a:lnSpc>
+              <a:spcBef>
+                <a:spcPct val="0"/>
+              </a:spcBef>
+              <a:spcAft>
+                <a:spcPct val="0"/>
+              </a:spcAft>
+              <a:buFont typeface="Wingdings" panose="05000000000000000000" pitchFamily="2" charset="2"/>
+              <a:buChar char="v"/>
+            </a:pPr>
+            <a:r>
+              <a:rPr lang="en-US" altLang="en-US" sz="1400" b="1" dirty="0">
+                <a:solidFill>
+                  <a:schemeClr val="accent1">
+                    <a:lumMod val="75000"/>
+                  </a:schemeClr>
+                </a:solidFill>
+              </a:rPr>
+              <a:t>Description: </a:t>
+            </a:r>
+            <a:r>
+              <a:rPr lang="en-US" altLang="en-US" sz="1400" dirty="0"/>
+              <a:t>Contains transaction-level details.</a:t>
+            </a:r>
+          </a:p>
+          <a:p>
+            <a:pPr lvl="2" eaLnBrk="0" fontAlgn="base" hangingPunct="0">
+              <a:lnSpc>
+                <a:spcPct val="100000"/>
+              </a:lnSpc>
+              <a:spcBef>
+                <a:spcPct val="0"/>
+              </a:spcBef>
+              <a:spcAft>
+                <a:spcPct val="0"/>
+              </a:spcAft>
+              <a:buFont typeface="Wingdings" panose="05000000000000000000" pitchFamily="2" charset="2"/>
+              <a:buChar char="v"/>
+            </a:pPr>
+            <a:r>
+              <a:rPr kumimoji="0" lang="en-US" altLang="en-US" sz="1400" b="1" i="0" u="none" strike="noStrike" cap="none" normalizeH="0" baseline="0" dirty="0">
+                <a:ln>
+                  <a:noFill/>
+                </a:ln>
+                <a:solidFill>
+                  <a:schemeClr val="accent1">
+                    <a:lumMod val="75000"/>
+                  </a:schemeClr>
+                </a:solidFill>
+                <a:effectLst/>
+              </a:rPr>
+              <a:t>Key Variables</a:t>
+            </a:r>
+            <a:r>
+              <a:rPr kumimoji="0" lang="en-US" altLang="en-US" sz="1400" b="0" i="0" u="none" strike="noStrike" cap="none" normalizeH="0" baseline="0" dirty="0">
+                <a:ln>
+                  <a:noFill/>
+                </a:ln>
+                <a:solidFill>
+                  <a:schemeClr val="accent1">
+                    <a:lumMod val="75000"/>
+                  </a:schemeClr>
+                </a:solidFill>
+                <a:effectLst/>
+              </a:rPr>
+              <a:t>:</a:t>
+            </a:r>
+          </a:p>
+          <a:p>
+            <a:pPr lvl="3" eaLnBrk="0" fontAlgn="base" hangingPunct="0">
+              <a:lnSpc>
+                <a:spcPct val="100000"/>
+              </a:lnSpc>
+              <a:spcBef>
+                <a:spcPct val="0"/>
+              </a:spcBef>
+              <a:spcAft>
+                <a:spcPct val="0"/>
+              </a:spcAft>
+            </a:pPr>
+            <a:r>
+              <a:rPr lang="en-US" altLang="en-US" sz="1400" dirty="0"/>
+              <a:t>SENDER_ACCOUNT_ID: ID of the account initiating the transaction.</a:t>
+            </a:r>
+          </a:p>
+          <a:p>
+            <a:pPr lvl="3" eaLnBrk="0" fontAlgn="base" hangingPunct="0">
+              <a:lnSpc>
+                <a:spcPct val="100000"/>
+              </a:lnSpc>
+              <a:spcBef>
+                <a:spcPct val="0"/>
+              </a:spcBef>
+              <a:spcAft>
+                <a:spcPct val="0"/>
+              </a:spcAft>
+            </a:pPr>
+            <a:r>
+              <a:rPr lang="en-US" altLang="en-US" sz="1400" dirty="0"/>
+              <a:t>RECEIVER_ACCOUNT_ID: ID of the account receiving the transaction.</a:t>
+            </a:r>
+          </a:p>
+          <a:p>
+            <a:pPr lvl="3" eaLnBrk="0" fontAlgn="base" hangingPunct="0">
+              <a:lnSpc>
+                <a:spcPct val="100000"/>
+              </a:lnSpc>
+              <a:spcBef>
+                <a:spcPct val="0"/>
+              </a:spcBef>
+              <a:spcAft>
+                <a:spcPct val="0"/>
+              </a:spcAft>
+            </a:pPr>
+            <a:r>
+              <a:rPr lang="en-US" altLang="en-US" sz="1400" dirty="0"/>
+              <a:t>TX_AMOUNT</a:t>
+            </a:r>
+            <a:r>
+              <a:rPr kumimoji="0" lang="en-US" altLang="en-US" sz="1400" b="0" i="0" u="none" strike="noStrike" cap="none" normalizeH="0" baseline="0" dirty="0">
+                <a:ln>
+                  <a:noFill/>
+                </a:ln>
+                <a:solidFill>
+                  <a:schemeClr val="tx1"/>
+                </a:solidFill>
+                <a:effectLst/>
+              </a:rPr>
+              <a:t>: Amount of money involved in the transaction</a:t>
+            </a:r>
+            <a:r>
+              <a:rPr kumimoji="0" lang="en-US" altLang="en-US" sz="1200" b="0" i="0" u="none" strike="noStrike" cap="none" normalizeH="0" baseline="0" dirty="0">
+                <a:ln>
+                  <a:noFill/>
+                </a:ln>
+                <a:solidFill>
+                  <a:schemeClr val="tx1"/>
+                </a:solidFill>
+                <a:effectLst/>
+              </a:rPr>
+              <a:t>.</a:t>
+            </a:r>
+          </a:p>
+          <a:p>
+            <a:pPr marL="1371600" lvl="3" indent="0" eaLnBrk="0" fontAlgn="base" hangingPunct="0">
+              <a:lnSpc>
+                <a:spcPct val="100000"/>
+              </a:lnSpc>
+              <a:spcBef>
+                <a:spcPct val="0"/>
+              </a:spcBef>
+              <a:spcAft>
+                <a:spcPct val="0"/>
+              </a:spcAft>
+              <a:buNone/>
+            </a:pPr>
+            <a:endParaRPr kumimoji="0" lang="en-US" altLang="en-US" sz="1200" b="0" i="0" u="none" strike="noStrike" cap="none" normalizeH="0" baseline="0" dirty="0">
+              <a:ln>
+                <a:noFill/>
+              </a:ln>
+              <a:solidFill>
+                <a:schemeClr val="tx1"/>
+              </a:solidFill>
+              <a:effectLst/>
+            </a:endParaRPr>
+          </a:p>
+          <a:p>
+            <a:pPr>
+              <a:lnSpc>
+                <a:spcPct val="100000"/>
+              </a:lnSpc>
+            </a:pPr>
+            <a:r>
+              <a:rPr lang="en-US" sz="1500" b="1" dirty="0"/>
+              <a:t>Data Quality Report (DQ Report): </a:t>
+            </a:r>
+            <a:r>
+              <a:rPr lang="en-US" sz="1500" dirty="0"/>
+              <a:t>The DQ Report was generated to identify and address potential issues in the datasets:</a:t>
+            </a:r>
+          </a:p>
+          <a:p>
+            <a:pPr lvl="1">
+              <a:lnSpc>
+                <a:spcPct val="100000"/>
+              </a:lnSpc>
+              <a:buFont typeface="+mj-lt"/>
+              <a:buAutoNum type="arabicPeriod"/>
+            </a:pPr>
+            <a:r>
+              <a:rPr lang="en-US" sz="1400" dirty="0"/>
+              <a:t>Missing Values: Both datasets were examined for missing values to ensure completeness and reliability.</a:t>
+            </a:r>
+          </a:p>
+          <a:p>
+            <a:pPr lvl="1">
+              <a:lnSpc>
+                <a:spcPct val="100000"/>
+              </a:lnSpc>
+              <a:buFont typeface="+mj-lt"/>
+              <a:buAutoNum type="arabicPeriod"/>
+            </a:pPr>
+            <a:r>
+              <a:rPr lang="en-US" sz="1400" dirty="0"/>
+              <a:t>Unique values: Checked for unique values in key variables to validate the integrity of the data.</a:t>
+            </a:r>
+          </a:p>
+          <a:p>
+            <a:pPr lvl="1">
+              <a:lnSpc>
+                <a:spcPct val="100000"/>
+              </a:lnSpc>
+              <a:buFont typeface="+mj-lt"/>
+              <a:buAutoNum type="arabicPeriod"/>
+            </a:pPr>
+            <a:r>
+              <a:rPr lang="en-US" sz="1400" dirty="0"/>
+              <a:t>Distribution: Analyzed the distribution of numerical variables to identify outliers and skewness.</a:t>
+            </a:r>
+          </a:p>
+          <a:p>
+            <a:pPr marL="0" indent="0" eaLnBrk="0" fontAlgn="base" hangingPunct="0">
+              <a:lnSpc>
+                <a:spcPct val="100000"/>
+              </a:lnSpc>
+              <a:spcBef>
+                <a:spcPct val="0"/>
+              </a:spcBef>
+              <a:spcAft>
+                <a:spcPct val="0"/>
+              </a:spcAft>
+              <a:buNone/>
+            </a:pPr>
+            <a:endParaRPr kumimoji="0" lang="en-US" altLang="en-US" sz="2200" b="0" i="0" u="none" strike="noStrike" cap="none" normalizeH="0" baseline="0" dirty="0">
+              <a:ln>
+                <a:noFill/>
+              </a:ln>
+              <a:solidFill>
+                <a:schemeClr val="tx1"/>
+              </a:solidFill>
+              <a:effectLst/>
+            </a:endParaRPr>
+          </a:p>
+          <a:p>
+            <a:pPr marL="0" marR="0" lvl="0" indent="0" algn="l" defTabSz="914400" rtl="0" eaLnBrk="0" fontAlgn="base" latinLnBrk="0" hangingPunct="0">
+              <a:lnSpc>
+                <a:spcPct val="100000"/>
+              </a:lnSpc>
+              <a:spcBef>
+                <a:spcPct val="0"/>
+              </a:spcBef>
+              <a:spcAft>
+                <a:spcPct val="0"/>
+              </a:spcAft>
+              <a:buClrTx/>
+              <a:buSzTx/>
+              <a:buFontTx/>
+              <a:buNone/>
+              <a:tabLst/>
+            </a:pPr>
+            <a:endParaRPr kumimoji="0" lang="en-US" altLang="en-US" sz="1800" b="0" i="0" u="none" strike="noStrike" cap="none" normalizeH="0" baseline="0" dirty="0">
+              <a:ln>
+                <a:noFill/>
+              </a:ln>
+              <a:solidFill>
+                <a:schemeClr val="tx1"/>
+              </a:solidFill>
+              <a:effectLst/>
+              <a:latin typeface="Arial" panose="020B0604020202020204" pitchFamily="34" charset="0"/>
+            </a:endParaRPr>
+          </a:p>
+          <a:p>
+            <a:pPr marL="457200" lvl="1" indent="0">
+              <a:buNone/>
+            </a:pPr>
+            <a:endParaRPr lang="en-US" sz="1400" kern="100" dirty="0">
+              <a:solidFill>
+                <a:schemeClr val="accent1">
+                  <a:lumMod val="75000"/>
+                </a:schemeClr>
+              </a:solidFill>
+              <a:effectLst/>
+              <a:ea typeface="Calibri" panose="020F0502020204030204" pitchFamily="34" charset="0"/>
+              <a:cs typeface="Times New Roman" panose="02020603050405020304" pitchFamily="18" charset="0"/>
+            </a:endParaRPr>
+          </a:p>
+        </p:txBody>
+      </p:sp>
+      <p:graphicFrame>
+        <p:nvGraphicFramePr>
+          <p:cNvPr id="8" name="Object 7">
+            <a:extLst>
+              <a:ext uri="{FF2B5EF4-FFF2-40B4-BE49-F238E27FC236}">
+                <a16:creationId xmlns:a16="http://schemas.microsoft.com/office/drawing/2014/main" id="{6774A40C-4CE1-5C65-5B41-1265BEA1D4E4}"/>
+              </a:ext>
+            </a:extLst>
+          </p:cNvPr>
+          <p:cNvGraphicFramePr>
+            <a:graphicFrameLocks noChangeAspect="1"/>
+          </p:cNvGraphicFramePr>
+          <p:nvPr>
+            <p:extLst>
+              <p:ext uri="{D42A27DB-BD31-4B8C-83A1-F6EECF244321}">
+                <p14:modId xmlns:p14="http://schemas.microsoft.com/office/powerpoint/2010/main" val="459364645"/>
+              </p:ext>
+            </p:extLst>
+          </p:nvPr>
+        </p:nvGraphicFramePr>
+        <p:xfrm>
+          <a:off x="9916790" y="4124299"/>
+          <a:ext cx="936713" cy="811493"/>
+        </p:xfrm>
+        <a:graphic>
+          <a:graphicData uri="http://schemas.openxmlformats.org/presentationml/2006/ole">
+            <mc:AlternateContent xmlns:mc="http://schemas.openxmlformats.org/markup-compatibility/2006">
+              <mc:Choice xmlns:v="urn:schemas-microsoft-com:vml" Requires="v">
+                <p:oleObj name="Worksheet" showAsIcon="1" r:id="rId2" imgW="914400" imgH="792417" progId="Excel.Sheet.8">
+                  <p:embed/>
+                </p:oleObj>
+              </mc:Choice>
+              <mc:Fallback>
+                <p:oleObj name="Worksheet" showAsIcon="1" r:id="rId2" imgW="914400" imgH="792417" progId="Excel.Sheet.8">
+                  <p:embed/>
+                  <p:pic>
+                    <p:nvPicPr>
+                      <p:cNvPr id="0" name=""/>
+                      <p:cNvPicPr/>
+                      <p:nvPr/>
+                    </p:nvPicPr>
+                    <p:blipFill>
+                      <a:blip r:embed="rId3"/>
+                      <a:stretch>
+                        <a:fillRect/>
+                      </a:stretch>
+                    </p:blipFill>
+                    <p:spPr>
+                      <a:xfrm>
+                        <a:off x="9916790" y="4124299"/>
+                        <a:ext cx="936713" cy="811493"/>
+                      </a:xfrm>
+                      <a:prstGeom prst="rect">
+                        <a:avLst/>
+                      </a:prstGeom>
+                    </p:spPr>
+                  </p:pic>
+                </p:oleObj>
+              </mc:Fallback>
+            </mc:AlternateContent>
+          </a:graphicData>
+        </a:graphic>
+      </p:graphicFrame>
+      <p:graphicFrame>
+        <p:nvGraphicFramePr>
+          <p:cNvPr id="9" name="Object 8">
+            <a:extLst>
+              <a:ext uri="{FF2B5EF4-FFF2-40B4-BE49-F238E27FC236}">
+                <a16:creationId xmlns:a16="http://schemas.microsoft.com/office/drawing/2014/main" id="{06AEA450-0C33-87D8-DA0C-7018869A478E}"/>
+              </a:ext>
+            </a:extLst>
+          </p:cNvPr>
+          <p:cNvGraphicFramePr>
+            <a:graphicFrameLocks noChangeAspect="1"/>
+          </p:cNvGraphicFramePr>
+          <p:nvPr>
+            <p:extLst>
+              <p:ext uri="{D42A27DB-BD31-4B8C-83A1-F6EECF244321}">
+                <p14:modId xmlns:p14="http://schemas.microsoft.com/office/powerpoint/2010/main" val="2441074230"/>
+              </p:ext>
+            </p:extLst>
+          </p:nvPr>
+        </p:nvGraphicFramePr>
+        <p:xfrm>
+          <a:off x="10832500" y="4124299"/>
+          <a:ext cx="936713" cy="811493"/>
+        </p:xfrm>
+        <a:graphic>
+          <a:graphicData uri="http://schemas.openxmlformats.org/presentationml/2006/ole">
+            <mc:AlternateContent xmlns:mc="http://schemas.openxmlformats.org/markup-compatibility/2006">
+              <mc:Choice xmlns:v="urn:schemas-microsoft-com:vml" Requires="v">
+                <p:oleObj name="Worksheet" showAsIcon="1" r:id="rId4" imgW="914400" imgH="792417" progId="Excel.Sheet.8">
+                  <p:embed/>
+                </p:oleObj>
+              </mc:Choice>
+              <mc:Fallback>
+                <p:oleObj name="Worksheet" showAsIcon="1" r:id="rId4" imgW="914400" imgH="792417" progId="Excel.Sheet.8">
+                  <p:embed/>
+                  <p:pic>
+                    <p:nvPicPr>
+                      <p:cNvPr id="0" name=""/>
+                      <p:cNvPicPr/>
+                      <p:nvPr/>
+                    </p:nvPicPr>
+                    <p:blipFill>
+                      <a:blip r:embed="rId5"/>
+                      <a:stretch>
+                        <a:fillRect/>
+                      </a:stretch>
+                    </p:blipFill>
+                    <p:spPr>
+                      <a:xfrm>
+                        <a:off x="10832500" y="4124299"/>
+                        <a:ext cx="936713" cy="811493"/>
+                      </a:xfrm>
+                      <a:prstGeom prst="rect">
+                        <a:avLst/>
+                      </a:prstGeom>
+                    </p:spPr>
+                  </p:pic>
+                </p:oleObj>
+              </mc:Fallback>
+            </mc:AlternateContent>
+          </a:graphicData>
+        </a:graphic>
+      </p:graphicFrame>
+    </p:spTree>
+    <p:extLst>
+      <p:ext uri="{BB962C8B-B14F-4D97-AF65-F5344CB8AC3E}">
+        <p14:creationId xmlns:p14="http://schemas.microsoft.com/office/powerpoint/2010/main" val="2413314410"/>
+      </p:ext>
+    </p:extLst>
+  </p:cSld>
+  <p:clrMapOvr>
+    <a:masterClrMapping/>
+  </p:clrMapOvr>
+</p:sld>
+</file>
+
+<file path=ppt/slides/slide5.xml><?xml version="1.0" encoding="utf-8"?>
+<p:sld xmlns:a="http://schemas.openxmlformats.org/drawingml/2006/main" xmlns:r="http://schemas.openxmlformats.org/officeDocument/2006/relationships" xmlns:p="http://schemas.openxmlformats.org/presentationml/2006/main">
+  <p:cSld>
+    <p:spTree>
+      <p:nvGrpSpPr>
+        <p:cNvPr id="1" name=""/>
+        <p:cNvGrpSpPr/>
+        <p:nvPr/>
+      </p:nvGrpSpPr>
+      <p:grpSpPr>
+        <a:xfrm>
+          <a:off x="0" y="0"/>
+          <a:ext cx="0" cy="0"/>
+          <a:chOff x="0" y="0"/>
+          <a:chExt cx="0" cy="0"/>
+        </a:xfrm>
+      </p:grpSpPr>
+      <p:cxnSp>
+        <p:nvCxnSpPr>
+          <p:cNvPr id="4" name="Straight Connector 3">
+            <a:extLst>
+              <a:ext uri="{FF2B5EF4-FFF2-40B4-BE49-F238E27FC236}">
+                <a16:creationId xmlns:a16="http://schemas.microsoft.com/office/drawing/2014/main" id="{FEC7D071-925A-A25D-E05E-32C77ACDD222}"/>
+              </a:ext>
+            </a:extLst>
+          </p:cNvPr>
+          <p:cNvCxnSpPr/>
+          <p:nvPr/>
+        </p:nvCxnSpPr>
+        <p:spPr>
+          <a:xfrm>
+            <a:off x="422787" y="688259"/>
+            <a:ext cx="11346426" cy="0"/>
+          </a:xfrm>
+          <a:prstGeom prst="line">
+            <a:avLst/>
+          </a:prstGeom>
+        </p:spPr>
+        <p:style>
+          <a:lnRef idx="2">
+            <a:schemeClr val="accent1"/>
+          </a:lnRef>
+          <a:fillRef idx="0">
+            <a:schemeClr val="accent1"/>
+          </a:fillRef>
+          <a:effectRef idx="1">
+            <a:schemeClr val="accent1"/>
+          </a:effectRef>
+          <a:fontRef idx="minor">
+            <a:schemeClr val="tx1"/>
+          </a:fontRef>
+        </p:style>
+      </p:cxnSp>
+      <p:sp>
+        <p:nvSpPr>
+          <p:cNvPr id="5" name="TextBox 4">
+            <a:extLst>
+              <a:ext uri="{FF2B5EF4-FFF2-40B4-BE49-F238E27FC236}">
+                <a16:creationId xmlns:a16="http://schemas.microsoft.com/office/drawing/2014/main" id="{3F4FBE9D-3AEF-DE1B-64C1-120BA77CD7A8}"/>
+              </a:ext>
+            </a:extLst>
+          </p:cNvPr>
+          <p:cNvSpPr txBox="1"/>
+          <p:nvPr/>
+        </p:nvSpPr>
+        <p:spPr>
+          <a:xfrm>
+            <a:off x="299880" y="196684"/>
+            <a:ext cx="9979584" cy="461665"/>
+          </a:xfrm>
+          <a:prstGeom prst="rect">
+            <a:avLst/>
+          </a:prstGeom>
+          <a:noFill/>
+        </p:spPr>
+        <p:txBody>
+          <a:bodyPr wrap="square" rtlCol="0">
+            <a:spAutoFit/>
+          </a:bodyPr>
+          <a:lstStyle>
+            <a:defPPr>
+              <a:defRPr lang="en-US"/>
+            </a:defPPr>
+            <a:lvl1pPr>
+              <a:defRPr sz="2300">
+                <a:solidFill>
+                  <a:schemeClr val="accent1">
+                    <a:lumMod val="50000"/>
+                  </a:schemeClr>
+                </a:solidFill>
+                <a:latin typeface="Georgia Pro" panose="020F0502020204030204" pitchFamily="18" charset="0"/>
+              </a:defRPr>
+            </a:lvl1pPr>
+          </a:lstStyle>
+          <a:p>
+            <a:r>
+              <a:rPr lang="en-US" dirty="0"/>
+              <a:t>Parameter Tuning</a:t>
+            </a:r>
+            <a:endParaRPr lang="en-IN" dirty="0"/>
+          </a:p>
+        </p:txBody>
+      </p:sp>
+      <p:sp>
+        <p:nvSpPr>
+          <p:cNvPr id="3" name="Content Placeholder 2">
+            <a:extLst>
+              <a:ext uri="{FF2B5EF4-FFF2-40B4-BE49-F238E27FC236}">
+                <a16:creationId xmlns:a16="http://schemas.microsoft.com/office/drawing/2014/main" id="{429E8140-2F98-0465-691C-3AAFAB5E9A1E}"/>
+              </a:ext>
+            </a:extLst>
+          </p:cNvPr>
+          <p:cNvSpPr>
+            <a:spLocks noGrp="1" noChangeArrowheads="1"/>
+          </p:cNvSpPr>
+          <p:nvPr>
+            <p:ph idx="1"/>
+          </p:nvPr>
+        </p:nvSpPr>
+        <p:spPr bwMode="auto">
+          <a:xfrm>
+            <a:off x="299880" y="629265"/>
+            <a:ext cx="11346427" cy="5955476"/>
+          </a:xfrm>
+          <a:prstGeom prst="rect">
+            <a:avLst/>
+          </a:prstGeom>
+          <a:noFill/>
+          <a:ln>
+            <a:noFill/>
+          </a:ln>
+          <a:effectLst/>
+          <a:extLst>
+            <a:ext uri="{909E8E84-426E-40DD-AFC4-6F175D3DCCD1}">
+              <a14:hiddenFill xmlns:a14="http://schemas.microsoft.com/office/drawing/2010/main">
+                <a:solidFill>
+                  <a:schemeClr val="accent1"/>
+                </a:solidFill>
+              </a14:hiddenFill>
+            </a:ext>
+            <a:ext uri="{91240B29-F687-4F45-9708-019B960494DF}">
+              <a14:hiddenLine xmlns:a14="http://schemas.microsoft.com/office/drawing/2010/main" w="9525">
+                <a:solidFill>
+                  <a:schemeClr val="tx1"/>
+                </a:solidFill>
+                <a:miter lim="800000"/>
+                <a:headEnd/>
+                <a:tailEnd/>
+              </a14:hiddenLine>
+            </a:ext>
+            <a:ext uri="{AF507438-7753-43E0-B8FC-AC1667EBCBE1}">
+              <a14:hiddenEffects xmlns:a14="http://schemas.microsoft.com/office/drawing/2010/main">
+                <a:effectLst>
+                  <a:outerShdw dist="35921" dir="2700000" algn="ctr" rotWithShape="0">
+                    <a:schemeClr val="bg2"/>
+                  </a:outerShdw>
+                </a:effectLst>
+              </a14:hiddenEffects>
+            </a:ext>
+          </a:extLst>
+        </p:spPr>
+        <p:txBody>
+          <a:bodyPr vert="horz" wrap="square" lIns="91440" tIns="45720" rIns="91440" bIns="45720" numCol="1" anchor="ctr" anchorCtr="0" compatLnSpc="1">
+            <a:prstTxWarp prst="textNoShape">
+              <a:avLst/>
+            </a:prstTxWarp>
+            <a:spAutoFit/>
+          </a:bodyPr>
+          <a:lstStyle/>
+          <a:p>
+            <a:pPr eaLnBrk="0" fontAlgn="base" hangingPunct="0">
+              <a:lnSpc>
+                <a:spcPct val="150000"/>
+              </a:lnSpc>
+              <a:spcBef>
+                <a:spcPct val="0"/>
+              </a:spcBef>
+              <a:spcAft>
+                <a:spcPct val="0"/>
+              </a:spcAft>
+            </a:pPr>
+            <a:r>
+              <a:rPr lang="en-US" altLang="en-US" sz="1500" b="1" dirty="0"/>
+              <a:t>Parameter Tuning:</a:t>
+            </a:r>
+          </a:p>
+          <a:p>
+            <a:pPr marL="0" indent="0" eaLnBrk="0" fontAlgn="base" hangingPunct="0">
+              <a:lnSpc>
+                <a:spcPct val="150000"/>
+              </a:lnSpc>
+              <a:spcBef>
+                <a:spcPct val="0"/>
+              </a:spcBef>
+              <a:spcAft>
+                <a:spcPct val="0"/>
+              </a:spcAft>
+              <a:buNone/>
+            </a:pPr>
+            <a:endParaRPr lang="en-US" altLang="en-US" sz="1500" b="1" dirty="0"/>
+          </a:p>
+          <a:p>
+            <a:pPr lvl="1" eaLnBrk="0" fontAlgn="base" hangingPunct="0">
+              <a:lnSpc>
+                <a:spcPct val="150000"/>
+              </a:lnSpc>
+              <a:spcBef>
+                <a:spcPct val="0"/>
+              </a:spcBef>
+              <a:spcAft>
+                <a:spcPct val="0"/>
+              </a:spcAft>
+              <a:buFont typeface="Wingdings" panose="05000000000000000000" pitchFamily="2" charset="2"/>
+              <a:buChar char="v"/>
+            </a:pPr>
+            <a:r>
+              <a:rPr kumimoji="0" lang="en-US" altLang="en-US" sz="1400" b="1" i="0" u="none" strike="noStrike" cap="none" normalizeH="0" baseline="0" dirty="0">
+                <a:ln>
+                  <a:noFill/>
+                </a:ln>
+                <a:solidFill>
+                  <a:schemeClr val="accent1">
+                    <a:lumMod val="75000"/>
+                  </a:schemeClr>
+                </a:solidFill>
+                <a:effectLst/>
+                <a:latin typeface="Arial" panose="020B0604020202020204" pitchFamily="34" charset="0"/>
+              </a:rPr>
+              <a:t>Focus Parameter </a:t>
+            </a:r>
+            <a:r>
+              <a:rPr kumimoji="0" lang="en-US" altLang="en-US" sz="1400" b="1" i="0" u="none" strike="noStrike" cap="none" normalizeH="0" baseline="0" dirty="0">
+                <a:ln>
+                  <a:noFill/>
+                </a:ln>
+                <a:solidFill>
+                  <a:schemeClr val="accent1">
+                    <a:lumMod val="75000"/>
+                  </a:schemeClr>
+                </a:solidFill>
+                <a:effectLst/>
+                <a:latin typeface="Arial Unicode MS"/>
+              </a:rPr>
+              <a:t>DEPOSIT_AMT</a:t>
+            </a:r>
+            <a:r>
+              <a:rPr lang="en-US" altLang="en-US" sz="1400" dirty="0"/>
+              <a:t>: </a:t>
+            </a:r>
+            <a:r>
+              <a:rPr kumimoji="0" lang="en-US" altLang="en-US" sz="1400" b="0" i="0" u="none" strike="noStrike" cap="none" normalizeH="0" baseline="0" dirty="0">
+                <a:ln>
+                  <a:noFill/>
+                </a:ln>
+                <a:solidFill>
+                  <a:schemeClr val="tx1"/>
+                </a:solidFill>
+                <a:effectLst/>
+                <a:latin typeface="Arial" panose="020B0604020202020204" pitchFamily="34" charset="0"/>
+              </a:rPr>
+              <a:t>Selected due to its critical role in identifying large value transactions, which are often indicative of suspicious activity.</a:t>
+            </a:r>
+          </a:p>
+          <a:p>
+            <a:pPr marL="457200" lvl="1" indent="0" eaLnBrk="0" fontAlgn="base" hangingPunct="0">
+              <a:lnSpc>
+                <a:spcPct val="150000"/>
+              </a:lnSpc>
+              <a:spcBef>
+                <a:spcPct val="0"/>
+              </a:spcBef>
+              <a:spcAft>
+                <a:spcPct val="0"/>
+              </a:spcAft>
+              <a:buNone/>
+            </a:pPr>
+            <a:endParaRPr kumimoji="0" lang="en-US" altLang="en-US" sz="1400" b="0" i="0" u="none" strike="noStrike" cap="none" normalizeH="0" baseline="0" dirty="0">
+              <a:ln>
+                <a:noFill/>
+              </a:ln>
+              <a:solidFill>
+                <a:schemeClr val="tx1"/>
+              </a:solidFill>
+              <a:effectLst/>
+              <a:latin typeface="Arial" panose="020B0604020202020204" pitchFamily="34" charset="0"/>
+            </a:endParaRPr>
+          </a:p>
+          <a:p>
+            <a:pPr lvl="1" eaLnBrk="0" fontAlgn="base" hangingPunct="0">
+              <a:lnSpc>
+                <a:spcPct val="150000"/>
+              </a:lnSpc>
+              <a:spcBef>
+                <a:spcPct val="0"/>
+              </a:spcBef>
+              <a:spcAft>
+                <a:spcPct val="0"/>
+              </a:spcAft>
+              <a:buFont typeface="Wingdings" panose="05000000000000000000" pitchFamily="2" charset="2"/>
+              <a:buChar char="v"/>
+            </a:pPr>
+            <a:r>
+              <a:rPr kumimoji="0" lang="en-US" altLang="en-US" sz="1400" b="1" i="0" u="none" strike="noStrike" cap="none" normalizeH="0" baseline="0" dirty="0">
+                <a:ln>
+                  <a:noFill/>
+                </a:ln>
+                <a:solidFill>
+                  <a:schemeClr val="accent1">
+                    <a:lumMod val="75000"/>
+                  </a:schemeClr>
+                </a:solidFill>
+                <a:effectLst/>
+                <a:latin typeface="Arial" panose="020B0604020202020204" pitchFamily="34" charset="0"/>
+              </a:rPr>
+              <a:t>Threshold Summary File</a:t>
+            </a:r>
+            <a:r>
+              <a:rPr kumimoji="0" lang="en-US" altLang="en-US" sz="1400" b="0" i="0" u="none" strike="noStrike" cap="none" normalizeH="0" baseline="0" dirty="0">
+                <a:ln>
+                  <a:noFill/>
+                </a:ln>
+                <a:solidFill>
+                  <a:schemeClr val="accent1">
+                    <a:lumMod val="75000"/>
+                  </a:schemeClr>
+                </a:solidFill>
+                <a:effectLst/>
+                <a:latin typeface="Arial" panose="020B0604020202020204" pitchFamily="34" charset="0"/>
+              </a:rPr>
+              <a:t>:</a:t>
+            </a:r>
+          </a:p>
+          <a:p>
+            <a:pPr marL="914400" lvl="2" indent="0" eaLnBrk="0" fontAlgn="base" hangingPunct="0">
+              <a:lnSpc>
+                <a:spcPct val="150000"/>
+              </a:lnSpc>
+              <a:spcBef>
+                <a:spcPct val="0"/>
+              </a:spcBef>
+              <a:spcAft>
+                <a:spcPct val="0"/>
+              </a:spcAft>
+              <a:buFontTx/>
+              <a:buChar char="•"/>
+            </a:pPr>
+            <a:r>
+              <a:rPr kumimoji="0" lang="en-US" altLang="en-US" sz="1400" b="0" i="0" u="none" strike="noStrike" cap="none" normalizeH="0" baseline="0" dirty="0">
+                <a:ln>
+                  <a:noFill/>
+                </a:ln>
+                <a:solidFill>
+                  <a:schemeClr val="tx1"/>
+                </a:solidFill>
+                <a:effectLst/>
+                <a:latin typeface="Arial" panose="020B0604020202020204" pitchFamily="34" charset="0"/>
+              </a:rPr>
+              <a:t>Generated a detailed summary file encompassing percentile distributions from 1 to 99.</a:t>
+            </a:r>
+          </a:p>
+          <a:p>
+            <a:pPr marL="914400" lvl="2" indent="0" eaLnBrk="0" fontAlgn="base" hangingPunct="0">
+              <a:lnSpc>
+                <a:spcPct val="150000"/>
+              </a:lnSpc>
+              <a:spcBef>
+                <a:spcPct val="0"/>
+              </a:spcBef>
+              <a:spcAft>
+                <a:spcPct val="0"/>
+              </a:spcAft>
+              <a:buFontTx/>
+              <a:buChar char="•"/>
+            </a:pPr>
+            <a:r>
+              <a:rPr kumimoji="0" lang="en-US" altLang="en-US" sz="1400" b="0" i="0" u="none" strike="noStrike" cap="none" normalizeH="0" baseline="0" dirty="0">
+                <a:ln>
+                  <a:noFill/>
+                </a:ln>
+                <a:solidFill>
+                  <a:schemeClr val="tx1"/>
+                </a:solidFill>
+                <a:effectLst/>
+                <a:latin typeface="Arial" panose="020B0604020202020204" pitchFamily="34" charset="0"/>
+              </a:rPr>
+              <a:t>Calculated thresholds and corresponding evaluation metrics for each percentile.</a:t>
+            </a:r>
+          </a:p>
+          <a:p>
+            <a:pPr marL="914400" lvl="2" indent="0" eaLnBrk="0" fontAlgn="base" hangingPunct="0">
+              <a:lnSpc>
+                <a:spcPct val="150000"/>
+              </a:lnSpc>
+              <a:spcBef>
+                <a:spcPct val="0"/>
+              </a:spcBef>
+              <a:spcAft>
+                <a:spcPct val="0"/>
+              </a:spcAft>
+              <a:buNone/>
+            </a:pPr>
+            <a:endParaRPr kumimoji="0" lang="en-US" altLang="en-US" sz="1400" b="0" i="0" u="none" strike="noStrike" cap="none" normalizeH="0" baseline="0" dirty="0">
+              <a:ln>
+                <a:noFill/>
+              </a:ln>
+              <a:solidFill>
+                <a:schemeClr val="tx1"/>
+              </a:solidFill>
+              <a:effectLst/>
+              <a:latin typeface="Arial" panose="020B0604020202020204" pitchFamily="34" charset="0"/>
+            </a:endParaRPr>
+          </a:p>
+          <a:p>
+            <a:pPr marR="0" lvl="0" eaLnBrk="0" fontAlgn="base" hangingPunct="0">
+              <a:lnSpc>
+                <a:spcPct val="150000"/>
+              </a:lnSpc>
+              <a:spcBef>
+                <a:spcPct val="0"/>
+              </a:spcBef>
+              <a:spcAft>
+                <a:spcPct val="0"/>
+              </a:spcAft>
+              <a:buClrTx/>
+              <a:buSzTx/>
+              <a:tabLst/>
+            </a:pPr>
+            <a:r>
+              <a:rPr lang="en-US" altLang="en-US" sz="1500" b="1" dirty="0"/>
+              <a:t>Process:</a:t>
+            </a:r>
+          </a:p>
+          <a:p>
+            <a:pPr marL="0" marR="0" lvl="0" indent="0" eaLnBrk="0" fontAlgn="base" hangingPunct="0">
+              <a:lnSpc>
+                <a:spcPct val="150000"/>
+              </a:lnSpc>
+              <a:spcBef>
+                <a:spcPct val="0"/>
+              </a:spcBef>
+              <a:spcAft>
+                <a:spcPct val="0"/>
+              </a:spcAft>
+              <a:buClrTx/>
+              <a:buSzTx/>
+              <a:buNone/>
+              <a:tabLst/>
+            </a:pPr>
+            <a:endParaRPr lang="en-US" altLang="en-US" sz="1500" b="1" dirty="0"/>
+          </a:p>
+          <a:p>
+            <a:pPr marR="0" lvl="1" eaLnBrk="0" fontAlgn="base" hangingPunct="0">
+              <a:lnSpc>
+                <a:spcPct val="150000"/>
+              </a:lnSpc>
+              <a:spcBef>
+                <a:spcPct val="0"/>
+              </a:spcBef>
+              <a:spcAft>
+                <a:spcPct val="0"/>
+              </a:spcAft>
+              <a:buClrTx/>
+              <a:buSzTx/>
+              <a:buFont typeface="Wingdings" panose="05000000000000000000" pitchFamily="2" charset="2"/>
+              <a:buChar char="v"/>
+              <a:tabLst/>
+            </a:pPr>
+            <a:r>
+              <a:rPr lang="en-US" altLang="en-US" sz="1400" b="1" dirty="0">
+                <a:solidFill>
+                  <a:schemeClr val="accent1">
+                    <a:lumMod val="75000"/>
+                  </a:schemeClr>
+                </a:solidFill>
+                <a:latin typeface="Arial" panose="020B0604020202020204" pitchFamily="34" charset="0"/>
+              </a:rPr>
+              <a:t>Aggregate Transaction Data: </a:t>
+            </a:r>
+            <a:r>
+              <a:rPr lang="en-US" altLang="en-US" sz="1400" dirty="0">
+                <a:latin typeface="Arial" panose="020B0604020202020204" pitchFamily="34" charset="0"/>
+              </a:rPr>
+              <a:t>Grouped transactions by RECEIVER_ACCOUNT_ID to calculate total deposit amounts (DEPOSIT_AMT).</a:t>
+            </a:r>
+          </a:p>
+          <a:p>
+            <a:pPr marL="457200" marR="0" lvl="1" indent="0" eaLnBrk="0" fontAlgn="base" hangingPunct="0">
+              <a:lnSpc>
+                <a:spcPct val="150000"/>
+              </a:lnSpc>
+              <a:spcBef>
+                <a:spcPct val="0"/>
+              </a:spcBef>
+              <a:spcAft>
+                <a:spcPct val="0"/>
+              </a:spcAft>
+              <a:buClrTx/>
+              <a:buSzTx/>
+              <a:buNone/>
+              <a:tabLst/>
+            </a:pPr>
+            <a:endParaRPr lang="en-US" altLang="en-US" sz="1400" dirty="0">
+              <a:latin typeface="Arial" panose="020B0604020202020204" pitchFamily="34" charset="0"/>
+            </a:endParaRPr>
+          </a:p>
+          <a:p>
+            <a:pPr marR="0" lvl="1" eaLnBrk="0" fontAlgn="base" hangingPunct="0">
+              <a:lnSpc>
+                <a:spcPct val="150000"/>
+              </a:lnSpc>
+              <a:spcBef>
+                <a:spcPct val="0"/>
+              </a:spcBef>
+              <a:spcAft>
+                <a:spcPct val="0"/>
+              </a:spcAft>
+              <a:buClrTx/>
+              <a:buSzTx/>
+              <a:buFont typeface="Wingdings" panose="05000000000000000000" pitchFamily="2" charset="2"/>
+              <a:buChar char="v"/>
+              <a:tabLst/>
+            </a:pPr>
+            <a:r>
+              <a:rPr lang="en-US" altLang="en-US" sz="1400" b="1" dirty="0">
+                <a:solidFill>
+                  <a:schemeClr val="accent1">
+                    <a:lumMod val="75000"/>
+                  </a:schemeClr>
+                </a:solidFill>
+                <a:latin typeface="Arial" panose="020B0604020202020204" pitchFamily="34" charset="0"/>
+              </a:rPr>
+              <a:t>Threshold Calculation:</a:t>
+            </a:r>
+          </a:p>
+          <a:p>
+            <a:pPr marL="914400" lvl="2" indent="0" eaLnBrk="0" fontAlgn="base" hangingPunct="0">
+              <a:lnSpc>
+                <a:spcPct val="150000"/>
+              </a:lnSpc>
+              <a:spcBef>
+                <a:spcPct val="0"/>
+              </a:spcBef>
+              <a:spcAft>
+                <a:spcPct val="0"/>
+              </a:spcAft>
+              <a:buFontTx/>
+              <a:buChar char="•"/>
+            </a:pPr>
+            <a:r>
+              <a:rPr kumimoji="0" lang="en-US" altLang="en-US" sz="1400" b="0" i="0" u="none" strike="noStrike" cap="none" normalizeH="0" baseline="0" dirty="0">
+                <a:ln>
+                  <a:noFill/>
+                </a:ln>
+                <a:solidFill>
+                  <a:schemeClr val="tx1"/>
+                </a:solidFill>
+                <a:effectLst/>
+                <a:latin typeface="Arial" panose="020B0604020202020204" pitchFamily="34" charset="0"/>
+              </a:rPr>
+              <a:t>For each percentile (1-99), calculated the threshold value for </a:t>
+            </a:r>
+            <a:r>
+              <a:rPr kumimoji="0" lang="en-US" altLang="en-US" sz="1400" b="0" i="0" u="none" strike="noStrike" cap="none" normalizeH="0" baseline="0" dirty="0">
+                <a:ln>
+                  <a:noFill/>
+                </a:ln>
+                <a:solidFill>
+                  <a:schemeClr val="tx1"/>
+                </a:solidFill>
+                <a:effectLst/>
+                <a:latin typeface="Arial Unicode MS"/>
+              </a:rPr>
+              <a:t>DEPOSIT_AMT</a:t>
+            </a:r>
+            <a:r>
+              <a:rPr kumimoji="0" lang="en-US" altLang="en-US" sz="1400" b="0" i="0" u="none" strike="noStrike" cap="none" normalizeH="0" baseline="0" dirty="0">
+                <a:ln>
+                  <a:noFill/>
+                </a:ln>
+                <a:solidFill>
+                  <a:schemeClr val="tx1"/>
+                </a:solidFill>
+                <a:effectLst/>
+              </a:rPr>
+              <a:t>.</a:t>
+            </a:r>
+            <a:endParaRPr kumimoji="0" lang="en-US" altLang="en-US" sz="1400" b="0" i="0" u="none" strike="noStrike" cap="none" normalizeH="0" baseline="0" dirty="0">
+              <a:ln>
+                <a:noFill/>
+              </a:ln>
+              <a:solidFill>
+                <a:schemeClr val="tx1"/>
+              </a:solidFill>
+              <a:effectLst/>
+              <a:latin typeface="Arial" panose="020B0604020202020204" pitchFamily="34" charset="0"/>
+            </a:endParaRPr>
+          </a:p>
+          <a:p>
+            <a:pPr marL="914400" lvl="2" indent="0" eaLnBrk="0" fontAlgn="base" hangingPunct="0">
+              <a:lnSpc>
+                <a:spcPct val="150000"/>
+              </a:lnSpc>
+              <a:spcBef>
+                <a:spcPct val="0"/>
+              </a:spcBef>
+              <a:spcAft>
+                <a:spcPct val="0"/>
+              </a:spcAft>
+              <a:buFontTx/>
+              <a:buChar char="•"/>
+            </a:pPr>
+            <a:r>
+              <a:rPr kumimoji="0" lang="en-US" altLang="en-US" sz="1400" b="0" i="0" u="none" strike="noStrike" cap="none" normalizeH="0" baseline="0" dirty="0">
+                <a:ln>
+                  <a:noFill/>
+                </a:ln>
+                <a:solidFill>
+                  <a:schemeClr val="tx1"/>
+                </a:solidFill>
+                <a:effectLst/>
+                <a:latin typeface="Arial" panose="020B0604020202020204" pitchFamily="34" charset="0"/>
+              </a:rPr>
+              <a:t>Evaluated the impact of each threshold on alert generation.</a:t>
+            </a:r>
+          </a:p>
+          <a:p>
+            <a:pPr marL="0" marR="0" lvl="0" indent="0" algn="l" defTabSz="914400" rtl="0" eaLnBrk="0" fontAlgn="base" latinLnBrk="0" hangingPunct="0">
+              <a:lnSpc>
+                <a:spcPct val="100000"/>
+              </a:lnSpc>
+              <a:spcBef>
+                <a:spcPct val="0"/>
+              </a:spcBef>
+              <a:spcAft>
+                <a:spcPct val="0"/>
+              </a:spcAft>
+              <a:buClrTx/>
+              <a:buSzTx/>
+              <a:buFontTx/>
+              <a:buNone/>
+              <a:tabLst/>
+            </a:pPr>
+            <a:endParaRPr kumimoji="0" lang="en-US" altLang="en-US" sz="1800" b="0" i="0" u="none" strike="noStrike" cap="none" normalizeH="0" baseline="0" dirty="0">
+              <a:ln>
+                <a:noFill/>
+              </a:ln>
+              <a:solidFill>
+                <a:schemeClr val="tx1"/>
+              </a:solidFill>
+              <a:effectLst/>
+              <a:latin typeface="Arial" panose="020B0604020202020204" pitchFamily="34" charset="0"/>
+            </a:endParaRPr>
+          </a:p>
+        </p:txBody>
+      </p:sp>
+      <p:graphicFrame>
+        <p:nvGraphicFramePr>
+          <p:cNvPr id="11" name="Object 10">
+            <a:extLst>
+              <a:ext uri="{FF2B5EF4-FFF2-40B4-BE49-F238E27FC236}">
+                <a16:creationId xmlns:a16="http://schemas.microsoft.com/office/drawing/2014/main" id="{048091A6-00B8-74CB-C8D9-39EB2C851189}"/>
+              </a:ext>
+            </a:extLst>
+          </p:cNvPr>
+          <p:cNvGraphicFramePr>
+            <a:graphicFrameLocks noChangeAspect="1"/>
+          </p:cNvGraphicFramePr>
+          <p:nvPr>
+            <p:extLst>
+              <p:ext uri="{D42A27DB-BD31-4B8C-83A1-F6EECF244321}">
+                <p14:modId xmlns:p14="http://schemas.microsoft.com/office/powerpoint/2010/main" val="3588145066"/>
+              </p:ext>
+            </p:extLst>
+          </p:nvPr>
+        </p:nvGraphicFramePr>
+        <p:xfrm>
+          <a:off x="8372168" y="2612371"/>
+          <a:ext cx="1066800" cy="924190"/>
+        </p:xfrm>
+        <a:graphic>
+          <a:graphicData uri="http://schemas.openxmlformats.org/presentationml/2006/ole">
+            <mc:AlternateContent xmlns:mc="http://schemas.openxmlformats.org/markup-compatibility/2006">
+              <mc:Choice xmlns:v="urn:schemas-microsoft-com:vml" Requires="v">
+                <p:oleObj name="Worksheet" showAsIcon="1" r:id="rId2" imgW="914400" imgH="792417" progId="Excel.Sheet.8">
+                  <p:embed/>
+                </p:oleObj>
+              </mc:Choice>
+              <mc:Fallback>
+                <p:oleObj name="Worksheet" showAsIcon="1" r:id="rId2" imgW="914400" imgH="792417" progId="Excel.Sheet.8">
+                  <p:embed/>
+                  <p:pic>
+                    <p:nvPicPr>
+                      <p:cNvPr id="0" name=""/>
+                      <p:cNvPicPr/>
+                      <p:nvPr/>
+                    </p:nvPicPr>
+                    <p:blipFill>
+                      <a:blip r:embed="rId3"/>
+                      <a:stretch>
+                        <a:fillRect/>
+                      </a:stretch>
+                    </p:blipFill>
+                    <p:spPr>
+                      <a:xfrm>
+                        <a:off x="8372168" y="2612371"/>
+                        <a:ext cx="1066800" cy="924190"/>
+                      </a:xfrm>
+                      <a:prstGeom prst="rect">
+                        <a:avLst/>
+                      </a:prstGeom>
+                    </p:spPr>
+                  </p:pic>
+                </p:oleObj>
+              </mc:Fallback>
+            </mc:AlternateContent>
+          </a:graphicData>
+        </a:graphic>
+      </p:graphicFrame>
+    </p:spTree>
+    <p:extLst>
+      <p:ext uri="{BB962C8B-B14F-4D97-AF65-F5344CB8AC3E}">
+        <p14:creationId xmlns:p14="http://schemas.microsoft.com/office/powerpoint/2010/main" val="396342318"/>
+      </p:ext>
+    </p:extLst>
+  </p:cSld>
+  <p:clrMapOvr>
+    <a:masterClrMapping/>
+  </p:clrMapOvr>
+</p:sld>
+</file>
+
+<file path=ppt/slides/slide6.xml><?xml version="1.0" encoding="utf-8"?>
+<p:sld xmlns:a="http://schemas.openxmlformats.org/drawingml/2006/main" xmlns:r="http://schemas.openxmlformats.org/officeDocument/2006/relationships" xmlns:p="http://schemas.openxmlformats.org/presentationml/2006/main">
+  <p:cSld>
+    <p:spTree>
+      <p:nvGrpSpPr>
+        <p:cNvPr id="1" name=""/>
+        <p:cNvGrpSpPr/>
+        <p:nvPr/>
+      </p:nvGrpSpPr>
+      <p:grpSpPr>
+        <a:xfrm>
+          <a:off x="0" y="0"/>
+          <a:ext cx="0" cy="0"/>
+          <a:chOff x="0" y="0"/>
+          <a:chExt cx="0" cy="0"/>
+        </a:xfrm>
+      </p:grpSpPr>
+      <p:cxnSp>
+        <p:nvCxnSpPr>
+          <p:cNvPr id="4" name="Straight Connector 3">
+            <a:extLst>
+              <a:ext uri="{FF2B5EF4-FFF2-40B4-BE49-F238E27FC236}">
+                <a16:creationId xmlns:a16="http://schemas.microsoft.com/office/drawing/2014/main" id="{FEC7D071-925A-A25D-E05E-32C77ACDD222}"/>
+              </a:ext>
+            </a:extLst>
+          </p:cNvPr>
+          <p:cNvCxnSpPr/>
+          <p:nvPr/>
+        </p:nvCxnSpPr>
+        <p:spPr>
+          <a:xfrm>
+            <a:off x="422787" y="688259"/>
+            <a:ext cx="11346426" cy="0"/>
+          </a:xfrm>
+          <a:prstGeom prst="line">
+            <a:avLst/>
+          </a:prstGeom>
+        </p:spPr>
+        <p:style>
+          <a:lnRef idx="2">
+            <a:schemeClr val="accent1"/>
+          </a:lnRef>
+          <a:fillRef idx="0">
+            <a:schemeClr val="accent1"/>
+          </a:fillRef>
+          <a:effectRef idx="1">
+            <a:schemeClr val="accent1"/>
+          </a:effectRef>
+          <a:fontRef idx="minor">
+            <a:schemeClr val="tx1"/>
+          </a:fontRef>
+        </p:style>
+      </p:cxnSp>
+      <p:sp>
+        <p:nvSpPr>
+          <p:cNvPr id="5" name="TextBox 4">
+            <a:extLst>
+              <a:ext uri="{FF2B5EF4-FFF2-40B4-BE49-F238E27FC236}">
+                <a16:creationId xmlns:a16="http://schemas.microsoft.com/office/drawing/2014/main" id="{3F4FBE9D-3AEF-DE1B-64C1-120BA77CD7A8}"/>
+              </a:ext>
+            </a:extLst>
+          </p:cNvPr>
+          <p:cNvSpPr txBox="1"/>
+          <p:nvPr/>
+        </p:nvSpPr>
+        <p:spPr>
+          <a:xfrm>
+            <a:off x="299880" y="196684"/>
+            <a:ext cx="9979584" cy="461665"/>
+          </a:xfrm>
+          <a:prstGeom prst="rect">
+            <a:avLst/>
+          </a:prstGeom>
+          <a:noFill/>
+        </p:spPr>
+        <p:txBody>
+          <a:bodyPr wrap="square" rtlCol="0">
+            <a:spAutoFit/>
+          </a:bodyPr>
+          <a:lstStyle>
+            <a:defPPr>
+              <a:defRPr lang="en-US"/>
+            </a:defPPr>
+            <a:lvl1pPr>
+              <a:defRPr sz="2300">
+                <a:solidFill>
+                  <a:schemeClr val="accent1">
+                    <a:lumMod val="50000"/>
+                  </a:schemeClr>
+                </a:solidFill>
+                <a:latin typeface="Georgia Pro" panose="020F0502020204030204" pitchFamily="18" charset="0"/>
+              </a:defRPr>
+            </a:lvl1pPr>
+          </a:lstStyle>
+          <a:p>
+            <a:r>
+              <a:rPr lang="en-IN" dirty="0"/>
+              <a:t>Threshold Evaluation Metrics</a:t>
+            </a:r>
+          </a:p>
+        </p:txBody>
+      </p:sp>
+      <p:sp>
+        <p:nvSpPr>
+          <p:cNvPr id="2" name="Content Placeholder 1">
+            <a:extLst>
+              <a:ext uri="{FF2B5EF4-FFF2-40B4-BE49-F238E27FC236}">
+                <a16:creationId xmlns:a16="http://schemas.microsoft.com/office/drawing/2014/main" id="{E1145B79-220E-029B-D24B-8AB513456705}"/>
+              </a:ext>
+            </a:extLst>
+          </p:cNvPr>
+          <p:cNvSpPr>
+            <a:spLocks noGrp="1" noChangeArrowheads="1"/>
+          </p:cNvSpPr>
+          <p:nvPr>
+            <p:ph idx="1"/>
+          </p:nvPr>
+        </p:nvSpPr>
+        <p:spPr bwMode="auto">
+          <a:xfrm>
+            <a:off x="299880" y="816499"/>
+            <a:ext cx="11469333" cy="3323987"/>
+          </a:xfrm>
+          <a:prstGeom prst="rect">
+            <a:avLst/>
+          </a:prstGeom>
+          <a:noFill/>
+          <a:ln>
+            <a:noFill/>
+          </a:ln>
+          <a:effectLst/>
+          <a:extLst>
+            <a:ext uri="{909E8E84-426E-40DD-AFC4-6F175D3DCCD1}">
+              <a14:hiddenFill xmlns:a14="http://schemas.microsoft.com/office/drawing/2010/main">
+                <a:solidFill>
+                  <a:schemeClr val="accent1"/>
+                </a:solidFill>
+              </a14:hiddenFill>
+            </a:ext>
+            <a:ext uri="{91240B29-F687-4F45-9708-019B960494DF}">
+              <a14:hiddenLine xmlns:a14="http://schemas.microsoft.com/office/drawing/2010/main" w="9525">
+                <a:solidFill>
+                  <a:schemeClr val="tx1"/>
+                </a:solidFill>
+                <a:miter lim="800000"/>
+                <a:headEnd/>
+                <a:tailEnd/>
+              </a14:hiddenLine>
+            </a:ext>
+            <a:ext uri="{AF507438-7753-43E0-B8FC-AC1667EBCBE1}">
+              <a14:hiddenEffects xmlns:a14="http://schemas.microsoft.com/office/drawing/2010/main">
+                <a:effectLst>
+                  <a:outerShdw dist="35921" dir="2700000" algn="ctr" rotWithShape="0">
+                    <a:schemeClr val="bg2"/>
+                  </a:outerShdw>
+                </a:effectLst>
+              </a14:hiddenEffects>
+            </a:ext>
+          </a:extLst>
+        </p:spPr>
+        <p:txBody>
+          <a:bodyPr vert="horz" wrap="square" lIns="91440" tIns="45720" rIns="91440" bIns="45720" numCol="1" anchor="ctr" anchorCtr="0" compatLnSpc="1">
+            <a:prstTxWarp prst="textNoShape">
+              <a:avLst/>
+            </a:prstTxWarp>
+            <a:spAutoFit/>
+          </a:bodyPr>
+          <a:lstStyle/>
+          <a:p>
+            <a:pPr marL="0" marR="0" lvl="0" indent="0" algn="l" defTabSz="914400" rtl="0" eaLnBrk="0" fontAlgn="base" latinLnBrk="0" hangingPunct="0">
+              <a:lnSpc>
+                <a:spcPct val="100000"/>
+              </a:lnSpc>
+              <a:spcBef>
+                <a:spcPct val="0"/>
+              </a:spcBef>
+              <a:spcAft>
+                <a:spcPct val="0"/>
+              </a:spcAft>
+              <a:buClrTx/>
+              <a:buSzTx/>
+              <a:buFontTx/>
+              <a:buNone/>
+              <a:tabLst/>
+            </a:pPr>
+            <a:r>
+              <a:rPr kumimoji="0" lang="en-US" altLang="en-US" sz="1400" b="0" i="0" u="none" strike="noStrike" cap="none" normalizeH="0" baseline="0" dirty="0">
+                <a:ln>
+                  <a:noFill/>
+                </a:ln>
+                <a:solidFill>
+                  <a:schemeClr val="tx1"/>
+                </a:solidFill>
+                <a:effectLst/>
+              </a:rPr>
+              <a:t>To determine the optimal threshold for DEPOSIT_AMT, we evaluated multiple metrics to balance detection efficiency and operational feasibility. These metrics help in assessing the performance of different thresholds and selecting the most effective one. </a:t>
+            </a:r>
+          </a:p>
+          <a:p>
+            <a:pPr marL="0" marR="0" lvl="0" indent="0" algn="l" defTabSz="914400" rtl="0" eaLnBrk="0" fontAlgn="base" latinLnBrk="0" hangingPunct="0">
+              <a:lnSpc>
+                <a:spcPct val="100000"/>
+              </a:lnSpc>
+              <a:spcBef>
+                <a:spcPct val="0"/>
+              </a:spcBef>
+              <a:spcAft>
+                <a:spcPct val="0"/>
+              </a:spcAft>
+              <a:buClrTx/>
+              <a:buSzTx/>
+              <a:buFontTx/>
+              <a:buNone/>
+              <a:tabLst/>
+            </a:pPr>
+            <a:endParaRPr lang="en-US" altLang="en-US" sz="1400" dirty="0">
+              <a:latin typeface="Arial" panose="020B0604020202020204" pitchFamily="34" charset="0"/>
+            </a:endParaRPr>
+          </a:p>
+          <a:p>
+            <a:pPr marL="0" marR="0" lvl="0" indent="0" algn="l" defTabSz="914400" rtl="0" eaLnBrk="0" fontAlgn="base" latinLnBrk="0" hangingPunct="0">
+              <a:lnSpc>
+                <a:spcPct val="100000"/>
+              </a:lnSpc>
+              <a:spcBef>
+                <a:spcPct val="0"/>
+              </a:spcBef>
+              <a:spcAft>
+                <a:spcPct val="0"/>
+              </a:spcAft>
+              <a:buClrTx/>
+              <a:buSzTx/>
+              <a:buFontTx/>
+              <a:buNone/>
+              <a:tabLst/>
+            </a:pPr>
+            <a:endParaRPr kumimoji="0" lang="en-US" altLang="en-US" sz="1400" b="0" i="0" u="none" strike="noStrike" cap="none" normalizeH="0" baseline="0" dirty="0">
+              <a:ln>
+                <a:noFill/>
+              </a:ln>
+              <a:solidFill>
+                <a:schemeClr val="tx1"/>
+              </a:solidFill>
+              <a:effectLst/>
+              <a:latin typeface="Arial" panose="020B0604020202020204" pitchFamily="34" charset="0"/>
+            </a:endParaRPr>
+          </a:p>
+          <a:p>
+            <a:pPr marL="0" marR="0" lvl="0" indent="0" algn="l" defTabSz="914400" rtl="0" eaLnBrk="0" fontAlgn="base" latinLnBrk="0" hangingPunct="0">
+              <a:lnSpc>
+                <a:spcPct val="100000"/>
+              </a:lnSpc>
+              <a:spcBef>
+                <a:spcPct val="0"/>
+              </a:spcBef>
+              <a:spcAft>
+                <a:spcPct val="0"/>
+              </a:spcAft>
+              <a:buClrTx/>
+              <a:buSzTx/>
+              <a:buFontTx/>
+              <a:buNone/>
+              <a:tabLst/>
+            </a:pPr>
+            <a:endParaRPr kumimoji="0" lang="en-US" altLang="en-US" sz="1400" b="0" i="0" u="none" strike="noStrike" cap="none" normalizeH="0" baseline="0" dirty="0">
+              <a:ln>
+                <a:noFill/>
+              </a:ln>
+              <a:solidFill>
+                <a:schemeClr val="tx1"/>
+              </a:solidFill>
+              <a:effectLst/>
+            </a:endParaRPr>
+          </a:p>
+          <a:p>
+            <a:pPr marL="0" marR="0" lvl="0" indent="0" algn="l" defTabSz="914400" rtl="0" eaLnBrk="0" fontAlgn="base" latinLnBrk="0" hangingPunct="0">
+              <a:lnSpc>
+                <a:spcPct val="100000"/>
+              </a:lnSpc>
+              <a:spcBef>
+                <a:spcPct val="0"/>
+              </a:spcBef>
+              <a:spcAft>
+                <a:spcPct val="0"/>
+              </a:spcAft>
+              <a:buClrTx/>
+              <a:buSzTx/>
+              <a:buFontTx/>
+              <a:buNone/>
+              <a:tabLst/>
+            </a:pPr>
+            <a:endParaRPr lang="en-US" altLang="en-US" sz="1400" dirty="0"/>
+          </a:p>
+          <a:p>
+            <a:pPr marL="0" marR="0" lvl="0" indent="0" algn="l" defTabSz="914400" rtl="0" eaLnBrk="0" fontAlgn="base" latinLnBrk="0" hangingPunct="0">
+              <a:lnSpc>
+                <a:spcPct val="100000"/>
+              </a:lnSpc>
+              <a:spcBef>
+                <a:spcPct val="0"/>
+              </a:spcBef>
+              <a:spcAft>
+                <a:spcPct val="0"/>
+              </a:spcAft>
+              <a:buClrTx/>
+              <a:buSzTx/>
+              <a:buFontTx/>
+              <a:buNone/>
+              <a:tabLst/>
+            </a:pPr>
+            <a:endParaRPr kumimoji="0" lang="en-US" altLang="en-US" sz="1400" b="0" i="0" u="none" strike="noStrike" cap="none" normalizeH="0" baseline="0" dirty="0">
+              <a:ln>
+                <a:noFill/>
+              </a:ln>
+              <a:solidFill>
+                <a:schemeClr val="tx1"/>
+              </a:solidFill>
+              <a:effectLst/>
+            </a:endParaRPr>
+          </a:p>
+          <a:p>
+            <a:pPr marL="0" marR="0" lvl="0" indent="0" algn="l" defTabSz="914400" rtl="0" eaLnBrk="0" fontAlgn="base" latinLnBrk="0" hangingPunct="0">
+              <a:lnSpc>
+                <a:spcPct val="100000"/>
+              </a:lnSpc>
+              <a:spcBef>
+                <a:spcPct val="0"/>
+              </a:spcBef>
+              <a:spcAft>
+                <a:spcPct val="0"/>
+              </a:spcAft>
+              <a:buClrTx/>
+              <a:buSzTx/>
+              <a:buFontTx/>
+              <a:buNone/>
+              <a:tabLst/>
+            </a:pPr>
+            <a:endParaRPr lang="en-US" altLang="en-US" sz="1400" dirty="0"/>
+          </a:p>
+          <a:p>
+            <a:pPr marL="0" marR="0" lvl="0" indent="0" algn="l" defTabSz="914400" rtl="0" eaLnBrk="0" fontAlgn="base" latinLnBrk="0" hangingPunct="0">
+              <a:lnSpc>
+                <a:spcPct val="100000"/>
+              </a:lnSpc>
+              <a:spcBef>
+                <a:spcPct val="0"/>
+              </a:spcBef>
+              <a:spcAft>
+                <a:spcPct val="0"/>
+              </a:spcAft>
+              <a:buClrTx/>
+              <a:buSzTx/>
+              <a:buFontTx/>
+              <a:buNone/>
+              <a:tabLst/>
+            </a:pPr>
+            <a:endParaRPr kumimoji="0" lang="en-US" altLang="en-US" sz="1400" b="0" i="0" u="none" strike="noStrike" cap="none" normalizeH="0" baseline="0" dirty="0">
+              <a:ln>
+                <a:noFill/>
+              </a:ln>
+              <a:solidFill>
+                <a:schemeClr val="tx1"/>
+              </a:solidFill>
+              <a:effectLst/>
+            </a:endParaRPr>
+          </a:p>
+          <a:p>
+            <a:pPr marL="0" marR="0" lvl="0" indent="0" algn="l" defTabSz="914400" rtl="0" eaLnBrk="0" fontAlgn="base" latinLnBrk="0" hangingPunct="0">
+              <a:lnSpc>
+                <a:spcPct val="100000"/>
+              </a:lnSpc>
+              <a:spcBef>
+                <a:spcPct val="0"/>
+              </a:spcBef>
+              <a:spcAft>
+                <a:spcPct val="0"/>
+              </a:spcAft>
+              <a:buClrTx/>
+              <a:buSzTx/>
+              <a:buFontTx/>
+              <a:buNone/>
+              <a:tabLst/>
+            </a:pPr>
+            <a:endParaRPr lang="en-US" altLang="en-US" sz="1400" dirty="0"/>
+          </a:p>
+          <a:p>
+            <a:pPr marL="0" marR="0" lvl="0" indent="0" algn="l" defTabSz="914400" rtl="0" eaLnBrk="0" fontAlgn="base" latinLnBrk="0" hangingPunct="0">
+              <a:lnSpc>
+                <a:spcPct val="100000"/>
+              </a:lnSpc>
+              <a:spcBef>
+                <a:spcPct val="0"/>
+              </a:spcBef>
+              <a:spcAft>
+                <a:spcPct val="0"/>
+              </a:spcAft>
+              <a:buClrTx/>
+              <a:buSzTx/>
+              <a:buFontTx/>
+              <a:buNone/>
+              <a:tabLst/>
+            </a:pPr>
+            <a:endParaRPr kumimoji="0" lang="en-US" altLang="en-US" sz="1400" b="0" i="0" u="none" strike="noStrike" cap="none" normalizeH="0" baseline="0" dirty="0">
+              <a:ln>
+                <a:noFill/>
+              </a:ln>
+              <a:solidFill>
+                <a:schemeClr val="tx1"/>
+              </a:solidFill>
+              <a:effectLst/>
+            </a:endParaRPr>
+          </a:p>
+          <a:p>
+            <a:pPr marL="0" marR="0" lvl="0" indent="0" algn="l" defTabSz="914400" rtl="0" eaLnBrk="0" fontAlgn="base" latinLnBrk="0" hangingPunct="0">
+              <a:lnSpc>
+                <a:spcPct val="100000"/>
+              </a:lnSpc>
+              <a:spcBef>
+                <a:spcPct val="0"/>
+              </a:spcBef>
+              <a:spcAft>
+                <a:spcPct val="0"/>
+              </a:spcAft>
+              <a:buClrTx/>
+              <a:buSzTx/>
+              <a:buFontTx/>
+              <a:buNone/>
+              <a:tabLst/>
+            </a:pPr>
+            <a:endParaRPr lang="en-US" altLang="en-US" sz="1400" dirty="0"/>
+          </a:p>
+          <a:p>
+            <a:pPr marL="0" marR="0" lvl="0" indent="0" algn="l" defTabSz="914400" rtl="0" eaLnBrk="0" fontAlgn="base" latinLnBrk="0" hangingPunct="0">
+              <a:lnSpc>
+                <a:spcPct val="100000"/>
+              </a:lnSpc>
+              <a:spcBef>
+                <a:spcPct val="0"/>
+              </a:spcBef>
+              <a:spcAft>
+                <a:spcPct val="0"/>
+              </a:spcAft>
+              <a:buClrTx/>
+              <a:buSzTx/>
+              <a:buFontTx/>
+              <a:buNone/>
+              <a:tabLst/>
+            </a:pPr>
+            <a:endParaRPr kumimoji="0" lang="en-US" altLang="en-US" sz="1400" b="0" i="0" u="none" strike="noStrike" cap="none" normalizeH="0" baseline="0" dirty="0">
+              <a:ln>
+                <a:noFill/>
+              </a:ln>
+              <a:solidFill>
+                <a:schemeClr val="tx1"/>
+              </a:solidFill>
+              <a:effectLst/>
+            </a:endParaRPr>
+          </a:p>
+          <a:p>
+            <a:pPr marL="0" marR="0" lvl="0" indent="0" algn="l" defTabSz="914400" rtl="0" eaLnBrk="0" fontAlgn="base" latinLnBrk="0" hangingPunct="0">
+              <a:lnSpc>
+                <a:spcPct val="100000"/>
+              </a:lnSpc>
+              <a:spcBef>
+                <a:spcPct val="0"/>
+              </a:spcBef>
+              <a:spcAft>
+                <a:spcPct val="0"/>
+              </a:spcAft>
+              <a:buClrTx/>
+              <a:buSzTx/>
+              <a:buFontTx/>
+              <a:buNone/>
+              <a:tabLst/>
+            </a:pPr>
+            <a:endParaRPr lang="en-US" altLang="en-US" sz="1400" dirty="0"/>
+          </a:p>
+          <a:p>
+            <a:pPr marL="0" marR="0" lvl="0" indent="0" algn="l" defTabSz="914400" rtl="0" eaLnBrk="0" fontAlgn="base" latinLnBrk="0" hangingPunct="0">
+              <a:lnSpc>
+                <a:spcPct val="100000"/>
+              </a:lnSpc>
+              <a:spcBef>
+                <a:spcPct val="0"/>
+              </a:spcBef>
+              <a:spcAft>
+                <a:spcPct val="0"/>
+              </a:spcAft>
+              <a:buClrTx/>
+              <a:buSzTx/>
+              <a:buFontTx/>
+              <a:buNone/>
+              <a:tabLst/>
+            </a:pPr>
+            <a:endParaRPr kumimoji="0" lang="en-US" altLang="en-US" sz="1400" b="0" i="0" u="none" strike="noStrike" cap="none" normalizeH="0" baseline="0" dirty="0">
+              <a:ln>
+                <a:noFill/>
+              </a:ln>
+              <a:solidFill>
+                <a:schemeClr val="tx1"/>
+              </a:solidFill>
+              <a:effectLst/>
+            </a:endParaRPr>
+          </a:p>
+        </p:txBody>
+      </p:sp>
+      <p:graphicFrame>
+        <p:nvGraphicFramePr>
+          <p:cNvPr id="7" name="Table 6">
+            <a:extLst>
+              <a:ext uri="{FF2B5EF4-FFF2-40B4-BE49-F238E27FC236}">
+                <a16:creationId xmlns:a16="http://schemas.microsoft.com/office/drawing/2014/main" id="{B40E2F69-309A-1D41-3C72-5C802FF9BE11}"/>
+              </a:ext>
+            </a:extLst>
+          </p:cNvPr>
+          <p:cNvGraphicFramePr>
+            <a:graphicFrameLocks noGrp="1"/>
+          </p:cNvGraphicFramePr>
+          <p:nvPr>
+            <p:extLst>
+              <p:ext uri="{D42A27DB-BD31-4B8C-83A1-F6EECF244321}">
+                <p14:modId xmlns:p14="http://schemas.microsoft.com/office/powerpoint/2010/main" val="3363182595"/>
+              </p:ext>
+            </p:extLst>
+          </p:nvPr>
+        </p:nvGraphicFramePr>
+        <p:xfrm>
+          <a:off x="422787" y="1459209"/>
+          <a:ext cx="11248105" cy="370840"/>
+        </p:xfrm>
+        <a:graphic>
+          <a:graphicData uri="http://schemas.openxmlformats.org/drawingml/2006/table">
+            <a:tbl>
+              <a:tblPr firstRow="1" bandRow="1">
+                <a:tableStyleId>{5C22544A-7EE6-4342-B048-85BDC9FD1C3A}</a:tableStyleId>
+              </a:tblPr>
+              <a:tblGrid>
+                <a:gridCol w="11248105">
+                  <a:extLst>
+                    <a:ext uri="{9D8B030D-6E8A-4147-A177-3AD203B41FA5}">
+                      <a16:colId xmlns:a16="http://schemas.microsoft.com/office/drawing/2014/main" val="492092933"/>
+                    </a:ext>
+                  </a:extLst>
+                </a:gridCol>
+              </a:tblGrid>
+              <a:tr h="370840">
+                <a:tc>
+                  <a:txBody>
+                    <a:bodyPr/>
+                    <a:lstStyle/>
+                    <a:p>
+                      <a:pPr algn="ctr"/>
+                      <a:r>
+                        <a:rPr lang="en-US" sz="1400" dirty="0"/>
+                        <a:t>Key Metrics</a:t>
+                      </a:r>
+                      <a:endParaRPr lang="en-IN" sz="1400" dirty="0"/>
+                    </a:p>
+                  </a:txBody>
+                  <a:tcPr/>
+                </a:tc>
+                <a:extLst>
+                  <a:ext uri="{0D108BD9-81ED-4DB2-BD59-A6C34878D82A}">
+                    <a16:rowId xmlns:a16="http://schemas.microsoft.com/office/drawing/2014/main" val="76898817"/>
+                  </a:ext>
+                </a:extLst>
+              </a:tr>
+            </a:tbl>
+          </a:graphicData>
+        </a:graphic>
+      </p:graphicFrame>
+      <p:graphicFrame>
+        <p:nvGraphicFramePr>
+          <p:cNvPr id="8" name="Table 7">
+            <a:extLst>
+              <a:ext uri="{FF2B5EF4-FFF2-40B4-BE49-F238E27FC236}">
+                <a16:creationId xmlns:a16="http://schemas.microsoft.com/office/drawing/2014/main" id="{65C7F445-A11C-8144-CED7-8CACEE1C00D5}"/>
+              </a:ext>
+            </a:extLst>
+          </p:cNvPr>
+          <p:cNvGraphicFramePr>
+            <a:graphicFrameLocks noGrp="1"/>
+          </p:cNvGraphicFramePr>
+          <p:nvPr>
+            <p:extLst>
+              <p:ext uri="{D42A27DB-BD31-4B8C-83A1-F6EECF244321}">
+                <p14:modId xmlns:p14="http://schemas.microsoft.com/office/powerpoint/2010/main" val="3176929881"/>
+              </p:ext>
+            </p:extLst>
+          </p:nvPr>
+        </p:nvGraphicFramePr>
+        <p:xfrm>
+          <a:off x="422786" y="1832147"/>
+          <a:ext cx="11248105" cy="4209354"/>
+        </p:xfrm>
+        <a:graphic>
+          <a:graphicData uri="http://schemas.openxmlformats.org/drawingml/2006/table">
+            <a:tbl>
+              <a:tblPr firstRow="1" bandRow="1">
+                <a:tableStyleId>{5C22544A-7EE6-4342-B048-85BDC9FD1C3A}</a:tableStyleId>
+              </a:tblPr>
+              <a:tblGrid>
+                <a:gridCol w="2249621">
+                  <a:extLst>
+                    <a:ext uri="{9D8B030D-6E8A-4147-A177-3AD203B41FA5}">
+                      <a16:colId xmlns:a16="http://schemas.microsoft.com/office/drawing/2014/main" val="3201531020"/>
+                    </a:ext>
+                  </a:extLst>
+                </a:gridCol>
+                <a:gridCol w="2249621">
+                  <a:extLst>
+                    <a:ext uri="{9D8B030D-6E8A-4147-A177-3AD203B41FA5}">
+                      <a16:colId xmlns:a16="http://schemas.microsoft.com/office/drawing/2014/main" val="1241318493"/>
+                    </a:ext>
+                  </a:extLst>
+                </a:gridCol>
+                <a:gridCol w="2249621">
+                  <a:extLst>
+                    <a:ext uri="{9D8B030D-6E8A-4147-A177-3AD203B41FA5}">
+                      <a16:colId xmlns:a16="http://schemas.microsoft.com/office/drawing/2014/main" val="2926158875"/>
+                    </a:ext>
+                  </a:extLst>
+                </a:gridCol>
+                <a:gridCol w="2249621">
+                  <a:extLst>
+                    <a:ext uri="{9D8B030D-6E8A-4147-A177-3AD203B41FA5}">
+                      <a16:colId xmlns:a16="http://schemas.microsoft.com/office/drawing/2014/main" val="1588216128"/>
+                    </a:ext>
+                  </a:extLst>
+                </a:gridCol>
+                <a:gridCol w="2249621">
+                  <a:extLst>
+                    <a:ext uri="{9D8B030D-6E8A-4147-A177-3AD203B41FA5}">
+                      <a16:colId xmlns:a16="http://schemas.microsoft.com/office/drawing/2014/main" val="674201750"/>
+                    </a:ext>
+                  </a:extLst>
+                </a:gridCol>
+              </a:tblGrid>
+              <a:tr h="490130">
+                <a:tc>
+                  <a:txBody>
+                    <a:bodyPr/>
+                    <a:lstStyle/>
+                    <a:p>
+                      <a:r>
+                        <a:rPr lang="en-US" sz="1400" dirty="0"/>
+                        <a:t>True Positive Rate</a:t>
+                      </a:r>
+                      <a:endParaRPr lang="en-IN" sz="1400" dirty="0"/>
+                    </a:p>
+                  </a:txBody>
+                  <a:tcPr/>
+                </a:tc>
+                <a:tc>
+                  <a:txBody>
+                    <a:bodyPr/>
+                    <a:lstStyle/>
+                    <a:p>
+                      <a:r>
+                        <a:rPr lang="en-US" sz="1400" dirty="0"/>
+                        <a:t>False Positive Rate</a:t>
+                      </a:r>
+                      <a:endParaRPr lang="en-IN" sz="1400" dirty="0"/>
+                    </a:p>
+                  </a:txBody>
+                  <a:tcPr/>
+                </a:tc>
+                <a:tc>
+                  <a:txBody>
+                    <a:bodyPr/>
+                    <a:lstStyle/>
+                    <a:p>
+                      <a:r>
+                        <a:rPr lang="en-US" sz="1400" dirty="0"/>
+                        <a:t>Precision</a:t>
+                      </a:r>
+                      <a:endParaRPr lang="en-IN" sz="1400" dirty="0"/>
+                    </a:p>
+                  </a:txBody>
+                  <a:tcPr/>
+                </a:tc>
+                <a:tc>
+                  <a:txBody>
+                    <a:bodyPr/>
+                    <a:lstStyle/>
+                    <a:p>
+                      <a:r>
+                        <a:rPr lang="en-US" sz="1400" dirty="0"/>
+                        <a:t>F1 Score</a:t>
+                      </a:r>
+                      <a:endParaRPr lang="en-IN" sz="1400" dirty="0"/>
+                    </a:p>
+                  </a:txBody>
+                  <a:tcPr/>
+                </a:tc>
+                <a:tc>
+                  <a:txBody>
+                    <a:bodyPr/>
+                    <a:lstStyle/>
+                    <a:p>
+                      <a:r>
+                        <a:rPr lang="en-US" sz="1400" dirty="0"/>
+                        <a:t>Youden’s J Statistics</a:t>
+                      </a:r>
+                      <a:endParaRPr lang="en-IN" sz="1400" dirty="0"/>
+                    </a:p>
+                  </a:txBody>
+                  <a:tcPr/>
+                </a:tc>
+                <a:extLst>
+                  <a:ext uri="{0D108BD9-81ED-4DB2-BD59-A6C34878D82A}">
+                    <a16:rowId xmlns:a16="http://schemas.microsoft.com/office/drawing/2014/main" val="3058898306"/>
+                  </a:ext>
+                </a:extLst>
+              </a:tr>
+              <a:tr h="3719224">
+                <a:tc>
+                  <a:txBody>
+                    <a:bodyPr/>
+                    <a:lstStyle/>
+                    <a:p>
+                      <a:pPr marL="285750" indent="-285750">
+                        <a:buFont typeface="Arial" panose="020B0604020202020204" pitchFamily="34" charset="0"/>
+                        <a:buChar char="•"/>
+                      </a:pPr>
+                      <a:r>
+                        <a:rPr lang="en-US" sz="1400" b="1" dirty="0"/>
+                        <a:t>Definition: </a:t>
+                      </a:r>
+                      <a:r>
+                        <a:rPr lang="en-US" sz="1400" dirty="0"/>
+                        <a:t>Proportion of actual suspicious transactions correctly identified.</a:t>
+                      </a:r>
+                    </a:p>
+                    <a:p>
+                      <a:pPr marL="285750" indent="-285750">
+                        <a:buFont typeface="Arial" panose="020B0604020202020204" pitchFamily="34" charset="0"/>
+                        <a:buChar char="•"/>
+                      </a:pPr>
+                      <a:endParaRPr lang="en-US" sz="1400" dirty="0"/>
+                    </a:p>
+                    <a:p>
+                      <a:pPr marL="285750" indent="-285750">
+                        <a:buFont typeface="Arial" panose="020B0604020202020204" pitchFamily="34" charset="0"/>
+                        <a:buChar char="•"/>
+                      </a:pPr>
+                      <a:r>
+                        <a:rPr lang="en-US" sz="1400" b="1" dirty="0"/>
+                        <a:t>Importance</a:t>
+                      </a:r>
+                      <a:r>
+                        <a:rPr lang="en-US" sz="1400" dirty="0"/>
+                        <a:t>: Ensures high detection of suspicious activities, minimizing the risk of undetected fraud.</a:t>
+                      </a:r>
+                    </a:p>
+                    <a:p>
+                      <a:pPr marL="0" indent="0">
+                        <a:buFont typeface="Arial" panose="020B0604020202020204" pitchFamily="34" charset="0"/>
+                        <a:buNone/>
+                      </a:pPr>
+                      <a:endParaRPr lang="en-US" sz="1400" dirty="0"/>
+                    </a:p>
+                    <a:p>
+                      <a:pPr marL="285750" indent="-285750">
+                        <a:buFont typeface="Arial" panose="020B0604020202020204" pitchFamily="34" charset="0"/>
+                        <a:buChar char="•"/>
+                      </a:pPr>
+                      <a:r>
+                        <a:rPr lang="en-US" sz="1400" b="1" dirty="0"/>
+                        <a:t>Recall: </a:t>
+                      </a:r>
+                      <a:r>
+                        <a:rPr lang="en-US" sz="1400" dirty="0"/>
+                        <a:t>TP/(TP+FN)</a:t>
+                      </a:r>
+                      <a:endParaRPr lang="en-IN" sz="1400" dirty="0"/>
+                    </a:p>
+                  </a:txBody>
+                  <a:tcPr/>
+                </a:tc>
+                <a:tc>
+                  <a:txBody>
+                    <a:bodyPr/>
+                    <a:lstStyle/>
+                    <a:p>
+                      <a:pPr marL="285750" indent="-285750">
+                        <a:buFont typeface="Arial" panose="020B0604020202020204" pitchFamily="34" charset="0"/>
+                        <a:buChar char="•"/>
+                      </a:pPr>
+                      <a:r>
+                        <a:rPr lang="en-US" sz="1400" b="1" dirty="0"/>
+                        <a:t>Definition: </a:t>
+                      </a:r>
+                      <a:r>
+                        <a:rPr lang="en-US" sz="1400" dirty="0"/>
+                        <a:t>Proportion of non-suspicious transactions incorrectly flagged as suspicious.</a:t>
+                      </a:r>
+                    </a:p>
+                    <a:p>
+                      <a:pPr marL="285750" indent="-285750">
+                        <a:buFont typeface="Arial" panose="020B0604020202020204" pitchFamily="34" charset="0"/>
+                        <a:buChar char="•"/>
+                      </a:pPr>
+                      <a:endParaRPr lang="en-US" sz="1400" dirty="0"/>
+                    </a:p>
+                    <a:p>
+                      <a:pPr marL="285750" indent="-285750">
+                        <a:buFont typeface="Arial" panose="020B0604020202020204" pitchFamily="34" charset="0"/>
+                        <a:buChar char="•"/>
+                      </a:pPr>
+                      <a:r>
+                        <a:rPr lang="en-US" sz="1400" b="1" dirty="0"/>
+                        <a:t>Importance</a:t>
+                      </a:r>
+                      <a:r>
+                        <a:rPr lang="en-US" sz="1400" dirty="0"/>
+                        <a:t>: Reducing false positives helps minimize the operational costs associated with investigating non-suspicious alerts.</a:t>
+                      </a:r>
+                    </a:p>
+                    <a:p>
+                      <a:pPr marL="285750" indent="-285750">
+                        <a:buFont typeface="Arial" panose="020B0604020202020204" pitchFamily="34" charset="0"/>
+                        <a:buChar char="•"/>
+                      </a:pPr>
+                      <a:endParaRPr lang="en-US" sz="1400" dirty="0"/>
+                    </a:p>
+                    <a:p>
+                      <a:pPr marL="285750" indent="-285750">
+                        <a:buFont typeface="Arial" panose="020B0604020202020204" pitchFamily="34" charset="0"/>
+                        <a:buChar char="•"/>
+                      </a:pPr>
+                      <a:r>
+                        <a:rPr lang="en-US" sz="1400" b="1" dirty="0"/>
+                        <a:t>FPR: </a:t>
+                      </a:r>
+                      <a:r>
+                        <a:rPr lang="en-US" sz="1400" b="0" dirty="0"/>
+                        <a:t>FP</a:t>
+                      </a:r>
+                      <a:r>
+                        <a:rPr lang="en-US" sz="1400" dirty="0"/>
+                        <a:t>/(FP+TN)</a:t>
+                      </a:r>
+                      <a:endParaRPr lang="en-IN" sz="1400" dirty="0"/>
+                    </a:p>
+                    <a:p>
+                      <a:endParaRPr lang="en-IN" sz="1400" dirty="0"/>
+                    </a:p>
+                  </a:txBody>
+                  <a:tcPr/>
+                </a:tc>
+                <a:tc>
+                  <a:txBody>
+                    <a:bodyPr/>
+                    <a:lstStyle/>
+                    <a:p>
+                      <a:pPr marL="285750" indent="-285750">
+                        <a:buFont typeface="Arial" panose="020B0604020202020204" pitchFamily="34" charset="0"/>
+                        <a:buChar char="•"/>
+                      </a:pPr>
+                      <a:r>
+                        <a:rPr lang="en-US" sz="1400" b="1" dirty="0"/>
+                        <a:t>Definition: </a:t>
+                      </a:r>
+                      <a:r>
+                        <a:rPr lang="en-US" sz="1400" dirty="0"/>
+                        <a:t>Proportion of identified suspicious transactions that are actually suspicious.</a:t>
+                      </a:r>
+                    </a:p>
+                    <a:p>
+                      <a:pPr marL="285750" indent="-285750">
+                        <a:buFont typeface="Arial" panose="020B0604020202020204" pitchFamily="34" charset="0"/>
+                        <a:buChar char="•"/>
+                      </a:pPr>
+                      <a:endParaRPr lang="en-US" sz="1400" dirty="0"/>
+                    </a:p>
+                    <a:p>
+                      <a:pPr marL="285750" indent="-285750">
+                        <a:buFont typeface="Arial" panose="020B0604020202020204" pitchFamily="34" charset="0"/>
+                        <a:buChar char="•"/>
+                      </a:pPr>
+                      <a:r>
+                        <a:rPr lang="en-US" sz="1400" b="1" dirty="0"/>
+                        <a:t>Importance</a:t>
+                      </a:r>
+                      <a:r>
+                        <a:rPr lang="en-US" sz="1400" dirty="0"/>
+                        <a:t>: Balances the trade-off between catching true positives and avoiding false positives.</a:t>
+                      </a:r>
+                    </a:p>
+                    <a:p>
+                      <a:pPr marL="285750" indent="-285750">
+                        <a:buFont typeface="Arial" panose="020B0604020202020204" pitchFamily="34" charset="0"/>
+                        <a:buChar char="•"/>
+                      </a:pPr>
+                      <a:endParaRPr lang="en-US" sz="1400" dirty="0"/>
+                    </a:p>
+                    <a:p>
+                      <a:pPr marL="285750" indent="-285750">
+                        <a:buFont typeface="Arial" panose="020B0604020202020204" pitchFamily="34" charset="0"/>
+                        <a:buChar char="•"/>
+                      </a:pPr>
+                      <a:r>
+                        <a:rPr lang="en-US" sz="1400" b="1" dirty="0"/>
+                        <a:t>Precision: </a:t>
+                      </a:r>
+                      <a:r>
+                        <a:rPr lang="en-US" sz="1400" dirty="0"/>
+                        <a:t>TP/(TP+FP)</a:t>
+                      </a:r>
+                      <a:endParaRPr lang="en-IN" sz="1400" dirty="0"/>
+                    </a:p>
+                    <a:p>
+                      <a:endParaRPr lang="en-IN" sz="1400" dirty="0"/>
+                    </a:p>
+                  </a:txBody>
+                  <a:tcPr/>
+                </a:tc>
+                <a:tc>
+                  <a:txBody>
+                    <a:bodyPr/>
+                    <a:lstStyle/>
+                    <a:p>
+                      <a:pPr marL="285750" indent="-285750">
+                        <a:buFont typeface="Arial" panose="020B0604020202020204" pitchFamily="34" charset="0"/>
+                        <a:buChar char="•"/>
+                      </a:pPr>
+                      <a:r>
+                        <a:rPr lang="en-US" sz="1400" b="1" dirty="0"/>
+                        <a:t>Definition: </a:t>
+                      </a:r>
+                      <a:r>
+                        <a:rPr lang="en-US" sz="1400" dirty="0"/>
+                        <a:t>Harmonic mean of precision and recall.</a:t>
+                      </a:r>
+                    </a:p>
+                    <a:p>
+                      <a:pPr marL="285750" indent="-285750">
+                        <a:buFont typeface="Arial" panose="020B0604020202020204" pitchFamily="34" charset="0"/>
+                        <a:buChar char="•"/>
+                      </a:pPr>
+                      <a:endParaRPr lang="en-US" sz="1400" dirty="0"/>
+                    </a:p>
+                    <a:p>
+                      <a:pPr marL="285750" indent="-285750">
+                        <a:buFont typeface="Arial" panose="020B0604020202020204" pitchFamily="34" charset="0"/>
+                        <a:buChar char="•"/>
+                      </a:pPr>
+                      <a:r>
+                        <a:rPr lang="en-US" sz="1400" b="1" dirty="0"/>
+                        <a:t>Importance</a:t>
+                      </a:r>
+                      <a:r>
+                        <a:rPr lang="en-US" sz="1400" dirty="0"/>
+                        <a:t>: Provides a single metric that balances both precision and recall, useful in cases of imbalanced classes.</a:t>
+                      </a:r>
+                    </a:p>
+                    <a:p>
+                      <a:pPr marL="285750" indent="-285750">
+                        <a:buFont typeface="Arial" panose="020B0604020202020204" pitchFamily="34" charset="0"/>
+                        <a:buChar char="•"/>
+                      </a:pPr>
+                      <a:endParaRPr lang="en-US" sz="1400" dirty="0"/>
+                    </a:p>
+                    <a:p>
+                      <a:pPr marL="285750" indent="-285750">
+                        <a:buFont typeface="Arial" panose="020B0604020202020204" pitchFamily="34" charset="0"/>
+                        <a:buChar char="•"/>
+                      </a:pPr>
+                      <a:r>
+                        <a:rPr lang="en-US" sz="1400" b="1" dirty="0"/>
+                        <a:t>F1: </a:t>
+                      </a:r>
+                      <a:r>
+                        <a:rPr lang="en-US" sz="1400" dirty="0"/>
+                        <a:t>2 *(Precision * Recall)/(Precision + Recall)</a:t>
+                      </a:r>
+                      <a:endParaRPr lang="en-IN" sz="1400" dirty="0"/>
+                    </a:p>
+                    <a:p>
+                      <a:endParaRPr lang="en-IN" sz="1400" dirty="0"/>
+                    </a:p>
+                  </a:txBody>
+                  <a:tcPr/>
+                </a:tc>
+                <a:tc>
+                  <a:txBody>
+                    <a:bodyPr/>
+                    <a:lstStyle/>
+                    <a:p>
+                      <a:pPr marL="285750" indent="-285750">
+                        <a:buFont typeface="Arial" panose="020B0604020202020204" pitchFamily="34" charset="0"/>
+                        <a:buChar char="•"/>
+                      </a:pPr>
+                      <a:r>
+                        <a:rPr lang="en-US" sz="1400" b="1" dirty="0"/>
+                        <a:t>Definition: </a:t>
+                      </a:r>
+                      <a:r>
+                        <a:rPr lang="en-US" sz="1400" dirty="0"/>
+                        <a:t>Balances sensitivity (recall) and specificity.</a:t>
+                      </a:r>
+                    </a:p>
+                    <a:p>
+                      <a:pPr marL="285750" indent="-285750">
+                        <a:buFont typeface="Arial" panose="020B0604020202020204" pitchFamily="34" charset="0"/>
+                        <a:buChar char="•"/>
+                      </a:pPr>
+                      <a:endParaRPr lang="en-US" sz="1400" dirty="0"/>
+                    </a:p>
+                    <a:p>
+                      <a:pPr marL="285750" indent="-285750">
+                        <a:buFont typeface="Arial" panose="020B0604020202020204" pitchFamily="34" charset="0"/>
+                        <a:buChar char="•"/>
+                      </a:pPr>
+                      <a:r>
+                        <a:rPr lang="en-US" sz="1400" b="1" dirty="0"/>
+                        <a:t>Importance</a:t>
+                      </a:r>
+                      <a:r>
+                        <a:rPr lang="en-US" sz="1400" dirty="0"/>
+                        <a:t>: Identifies the optimal threshold by maximizing the difference between true positive rate and false positive rate.</a:t>
+                      </a:r>
+                    </a:p>
+                    <a:p>
+                      <a:pPr marL="285750" indent="-285750">
+                        <a:buFont typeface="Arial" panose="020B0604020202020204" pitchFamily="34" charset="0"/>
+                        <a:buChar char="•"/>
+                      </a:pPr>
+                      <a:endParaRPr lang="en-US" sz="1400" dirty="0"/>
+                    </a:p>
+                    <a:p>
+                      <a:pPr marL="285750" indent="-285750">
+                        <a:buFont typeface="Arial" panose="020B0604020202020204" pitchFamily="34" charset="0"/>
+                        <a:buChar char="•"/>
+                      </a:pPr>
+                      <a:r>
+                        <a:rPr lang="en-US" sz="1400" b="1" dirty="0"/>
+                        <a:t>J Statistics: </a:t>
+                      </a:r>
+                      <a:r>
+                        <a:rPr lang="en-US" sz="1400" b="0" dirty="0"/>
+                        <a:t>TPR - FPR</a:t>
+                      </a:r>
+                      <a:endParaRPr lang="en-IN" sz="1400" b="0" dirty="0"/>
+                    </a:p>
+                    <a:p>
+                      <a:endParaRPr lang="en-IN" sz="1400" dirty="0"/>
+                    </a:p>
+                  </a:txBody>
+                  <a:tcPr/>
+                </a:tc>
+                <a:extLst>
+                  <a:ext uri="{0D108BD9-81ED-4DB2-BD59-A6C34878D82A}">
+                    <a16:rowId xmlns:a16="http://schemas.microsoft.com/office/drawing/2014/main" val="3279858487"/>
+                  </a:ext>
+                </a:extLst>
+              </a:tr>
+            </a:tbl>
+          </a:graphicData>
+        </a:graphic>
+      </p:graphicFrame>
+    </p:spTree>
+    <p:extLst>
+      <p:ext uri="{BB962C8B-B14F-4D97-AF65-F5344CB8AC3E}">
+        <p14:creationId xmlns:p14="http://schemas.microsoft.com/office/powerpoint/2010/main" val="3535098260"/>
+      </p:ext>
+    </p:extLst>
+  </p:cSld>
+  <p:clrMapOvr>
+    <a:masterClrMapping/>
+  </p:clrMapOvr>
+</p:sld>
+</file>
+
+<file path=ppt/slides/slide7.xml><?xml version="1.0" encoding="utf-8"?>
+<p:sld xmlns:a="http://schemas.openxmlformats.org/drawingml/2006/main" xmlns:r="http://schemas.openxmlformats.org/officeDocument/2006/relationships" xmlns:p="http://schemas.openxmlformats.org/presentationml/2006/main">
+  <p:cSld>
+    <p:spTree>
+      <p:nvGrpSpPr>
+        <p:cNvPr id="1" name=""/>
+        <p:cNvGrpSpPr/>
+        <p:nvPr/>
+      </p:nvGrpSpPr>
+      <p:grpSpPr>
+        <a:xfrm>
+          <a:off x="0" y="0"/>
+          <a:ext cx="0" cy="0"/>
+          <a:chOff x="0" y="0"/>
+          <a:chExt cx="0" cy="0"/>
+        </a:xfrm>
+      </p:grpSpPr>
+      <p:cxnSp>
+        <p:nvCxnSpPr>
+          <p:cNvPr id="4" name="Straight Connector 3">
+            <a:extLst>
+              <a:ext uri="{FF2B5EF4-FFF2-40B4-BE49-F238E27FC236}">
+                <a16:creationId xmlns:a16="http://schemas.microsoft.com/office/drawing/2014/main" id="{FEC7D071-925A-A25D-E05E-32C77ACDD222}"/>
+              </a:ext>
+            </a:extLst>
+          </p:cNvPr>
+          <p:cNvCxnSpPr/>
+          <p:nvPr/>
+        </p:nvCxnSpPr>
+        <p:spPr>
+          <a:xfrm>
+            <a:off x="422787" y="688259"/>
+            <a:ext cx="11346426" cy="0"/>
+          </a:xfrm>
+          <a:prstGeom prst="line">
+            <a:avLst/>
+          </a:prstGeom>
+        </p:spPr>
+        <p:style>
+          <a:lnRef idx="2">
+            <a:schemeClr val="accent1"/>
+          </a:lnRef>
+          <a:fillRef idx="0">
+            <a:schemeClr val="accent1"/>
+          </a:fillRef>
+          <a:effectRef idx="1">
+            <a:schemeClr val="accent1"/>
+          </a:effectRef>
+          <a:fontRef idx="minor">
+            <a:schemeClr val="tx1"/>
+          </a:fontRef>
+        </p:style>
+      </p:cxnSp>
+      <p:sp>
+        <p:nvSpPr>
+          <p:cNvPr id="5" name="TextBox 4">
+            <a:extLst>
+              <a:ext uri="{FF2B5EF4-FFF2-40B4-BE49-F238E27FC236}">
+                <a16:creationId xmlns:a16="http://schemas.microsoft.com/office/drawing/2014/main" id="{3F4FBE9D-3AEF-DE1B-64C1-120BA77CD7A8}"/>
+              </a:ext>
+            </a:extLst>
+          </p:cNvPr>
+          <p:cNvSpPr txBox="1"/>
+          <p:nvPr/>
+        </p:nvSpPr>
+        <p:spPr>
+          <a:xfrm>
+            <a:off x="299880" y="196684"/>
+            <a:ext cx="9979584" cy="461665"/>
+          </a:xfrm>
+          <a:prstGeom prst="rect">
+            <a:avLst/>
+          </a:prstGeom>
+          <a:noFill/>
+        </p:spPr>
+        <p:txBody>
+          <a:bodyPr wrap="square" rtlCol="0">
+            <a:spAutoFit/>
+          </a:bodyPr>
+          <a:lstStyle>
+            <a:defPPr>
+              <a:defRPr lang="en-US"/>
+            </a:defPPr>
+            <a:lvl1pPr>
+              <a:defRPr sz="2300">
+                <a:solidFill>
+                  <a:schemeClr val="accent1">
+                    <a:lumMod val="50000"/>
+                  </a:schemeClr>
+                </a:solidFill>
+                <a:latin typeface="Georgia Pro" panose="020F0502020204030204" pitchFamily="18" charset="0"/>
+              </a:defRPr>
+            </a:lvl1pPr>
+          </a:lstStyle>
+          <a:p>
+            <a:r>
+              <a:rPr lang="en-IN" dirty="0"/>
+              <a:t>Optimum Threshold Selection</a:t>
+            </a:r>
+          </a:p>
+        </p:txBody>
+      </p:sp>
+      <p:sp>
+        <p:nvSpPr>
+          <p:cNvPr id="2" name="Content Placeholder 1">
+            <a:extLst>
+              <a:ext uri="{FF2B5EF4-FFF2-40B4-BE49-F238E27FC236}">
+                <a16:creationId xmlns:a16="http://schemas.microsoft.com/office/drawing/2014/main" id="{E1145B79-220E-029B-D24B-8AB513456705}"/>
+              </a:ext>
+            </a:extLst>
+          </p:cNvPr>
+          <p:cNvSpPr>
+            <a:spLocks noGrp="1" noChangeArrowheads="1"/>
+          </p:cNvSpPr>
+          <p:nvPr>
+            <p:ph idx="1"/>
+          </p:nvPr>
+        </p:nvSpPr>
+        <p:spPr bwMode="auto">
+          <a:xfrm>
+            <a:off x="299880" y="619321"/>
+            <a:ext cx="11469333" cy="1028423"/>
+          </a:xfrm>
+          <a:prstGeom prst="rect">
+            <a:avLst/>
+          </a:prstGeom>
+          <a:noFill/>
+          <a:ln>
+            <a:noFill/>
+          </a:ln>
+          <a:effectLst/>
+          <a:extLst>
+            <a:ext uri="{909E8E84-426E-40DD-AFC4-6F175D3DCCD1}">
+              <a14:hiddenFill xmlns:a14="http://schemas.microsoft.com/office/drawing/2010/main">
+                <a:solidFill>
+                  <a:schemeClr val="accent1"/>
+                </a:solidFill>
+              </a14:hiddenFill>
+            </a:ext>
+            <a:ext uri="{91240B29-F687-4F45-9708-019B960494DF}">
+              <a14:hiddenLine xmlns:a14="http://schemas.microsoft.com/office/drawing/2010/main" w="9525">
+                <a:solidFill>
+                  <a:schemeClr val="tx1"/>
+                </a:solidFill>
+                <a:miter lim="800000"/>
+                <a:headEnd/>
+                <a:tailEnd/>
+              </a14:hiddenLine>
+            </a:ext>
+            <a:ext uri="{AF507438-7753-43E0-B8FC-AC1667EBCBE1}">
+              <a14:hiddenEffects xmlns:a14="http://schemas.microsoft.com/office/drawing/2010/main">
+                <a:effectLst>
+                  <a:outerShdw dist="35921" dir="2700000" algn="ctr" rotWithShape="0">
+                    <a:schemeClr val="bg2"/>
+                  </a:outerShdw>
+                </a:effectLst>
+              </a14:hiddenEffects>
+            </a:ext>
+          </a:extLst>
+        </p:spPr>
+        <p:txBody>
+          <a:bodyPr vert="horz" wrap="square" lIns="91440" tIns="45720" rIns="91440" bIns="45720" numCol="1" anchor="ctr" anchorCtr="0" compatLnSpc="1">
+            <a:prstTxWarp prst="textNoShape">
+              <a:avLst/>
+            </a:prstTxWarp>
+            <a:spAutoFit/>
+          </a:bodyPr>
+          <a:lstStyle/>
+          <a:p>
+            <a:pPr eaLnBrk="0" fontAlgn="base" hangingPunct="0">
+              <a:lnSpc>
+                <a:spcPct val="150000"/>
+              </a:lnSpc>
+              <a:spcBef>
+                <a:spcPct val="0"/>
+              </a:spcBef>
+              <a:spcAft>
+                <a:spcPct val="0"/>
+              </a:spcAft>
+            </a:pPr>
+            <a:r>
+              <a:rPr kumimoji="0" lang="en-US" altLang="en-US" sz="1400" b="0" i="0" u="none" strike="noStrike" cap="none" normalizeH="0" baseline="0" dirty="0">
+                <a:ln>
+                  <a:noFill/>
+                </a:ln>
+                <a:solidFill>
+                  <a:schemeClr val="tx1"/>
+                </a:solidFill>
+                <a:effectLst/>
+              </a:rPr>
+              <a:t>Determined the best threshold using Youden's J Statistic and F1 Score.</a:t>
+            </a:r>
+          </a:p>
+          <a:p>
+            <a:pPr eaLnBrk="0" fontAlgn="base" hangingPunct="0">
+              <a:lnSpc>
+                <a:spcPct val="150000"/>
+              </a:lnSpc>
+              <a:spcBef>
+                <a:spcPct val="0"/>
+              </a:spcBef>
+              <a:spcAft>
+                <a:spcPct val="0"/>
+              </a:spcAft>
+            </a:pPr>
+            <a:r>
+              <a:rPr kumimoji="0" lang="en-US" altLang="en-US" sz="1400" b="0" i="0" u="none" strike="noStrike" cap="none" normalizeH="0" baseline="0" dirty="0">
+                <a:ln>
+                  <a:noFill/>
+                </a:ln>
+                <a:solidFill>
+                  <a:schemeClr val="tx1"/>
+                </a:solidFill>
+                <a:effectLst/>
+              </a:rPr>
+              <a:t>Visualized confusion matrices to compare the effectiveness of each threshold. </a:t>
+            </a:r>
+            <a:endParaRPr lang="en-US" altLang="en-US" sz="1400" dirty="0"/>
+          </a:p>
+          <a:p>
+            <a:pPr marL="0" marR="0" lvl="0" indent="0" algn="l" defTabSz="914400" rtl="0" eaLnBrk="0" fontAlgn="base" latinLnBrk="0" hangingPunct="0">
+              <a:lnSpc>
+                <a:spcPct val="150000"/>
+              </a:lnSpc>
+              <a:spcBef>
+                <a:spcPct val="0"/>
+              </a:spcBef>
+              <a:spcAft>
+                <a:spcPct val="0"/>
+              </a:spcAft>
+              <a:buClrTx/>
+              <a:buSzTx/>
+              <a:buFontTx/>
+              <a:buNone/>
+              <a:tabLst/>
+            </a:pPr>
+            <a:endParaRPr kumimoji="0" lang="en-US" altLang="en-US" sz="1400" b="0" i="0" u="none" strike="noStrike" cap="none" normalizeH="0" baseline="0" dirty="0">
+              <a:ln>
+                <a:noFill/>
+              </a:ln>
+              <a:solidFill>
+                <a:schemeClr val="tx1"/>
+              </a:solidFill>
+              <a:effectLst/>
+            </a:endParaRPr>
+          </a:p>
+        </p:txBody>
+      </p:sp>
+      <p:pic>
+        <p:nvPicPr>
+          <p:cNvPr id="10" name="Picture 9">
+            <a:extLst>
+              <a:ext uri="{FF2B5EF4-FFF2-40B4-BE49-F238E27FC236}">
+                <a16:creationId xmlns:a16="http://schemas.microsoft.com/office/drawing/2014/main" id="{9836B579-72C0-45D0-9075-569C46CC013B}"/>
+              </a:ext>
+            </a:extLst>
+          </p:cNvPr>
+          <p:cNvPicPr>
+            <a:picLocks noChangeAspect="1"/>
+          </p:cNvPicPr>
+          <p:nvPr/>
+        </p:nvPicPr>
+        <p:blipFill>
+          <a:blip r:embed="rId2"/>
+          <a:stretch>
+            <a:fillRect/>
+          </a:stretch>
+        </p:blipFill>
+        <p:spPr>
+          <a:xfrm>
+            <a:off x="608033" y="1403557"/>
+            <a:ext cx="2952414" cy="2446390"/>
+          </a:xfrm>
+          <a:prstGeom prst="rect">
+            <a:avLst/>
+          </a:prstGeom>
+          <a:ln>
+            <a:solidFill>
+              <a:schemeClr val="accent1"/>
+            </a:solidFill>
+          </a:ln>
+        </p:spPr>
+      </p:pic>
+      <p:pic>
+        <p:nvPicPr>
+          <p:cNvPr id="11" name="Picture 10">
+            <a:extLst>
+              <a:ext uri="{FF2B5EF4-FFF2-40B4-BE49-F238E27FC236}">
+                <a16:creationId xmlns:a16="http://schemas.microsoft.com/office/drawing/2014/main" id="{9322B29A-9D07-4A14-8469-B32C62795833}"/>
+              </a:ext>
+            </a:extLst>
+          </p:cNvPr>
+          <p:cNvPicPr>
+            <a:picLocks noChangeAspect="1"/>
+          </p:cNvPicPr>
+          <p:nvPr/>
+        </p:nvPicPr>
+        <p:blipFill>
+          <a:blip r:embed="rId3"/>
+          <a:stretch>
+            <a:fillRect/>
+          </a:stretch>
+        </p:blipFill>
+        <p:spPr>
+          <a:xfrm>
+            <a:off x="4111757" y="1403557"/>
+            <a:ext cx="3077232" cy="2444004"/>
+          </a:xfrm>
+          <a:prstGeom prst="rect">
+            <a:avLst/>
+          </a:prstGeom>
+          <a:ln>
+            <a:solidFill>
+              <a:schemeClr val="accent1"/>
+            </a:solidFill>
+          </a:ln>
+        </p:spPr>
+      </p:pic>
+      <p:pic>
+        <p:nvPicPr>
+          <p:cNvPr id="12" name="Picture 11">
+            <a:extLst>
+              <a:ext uri="{FF2B5EF4-FFF2-40B4-BE49-F238E27FC236}">
+                <a16:creationId xmlns:a16="http://schemas.microsoft.com/office/drawing/2014/main" id="{352F6908-351A-4627-AF4B-8C5C5ABF1B18}"/>
+              </a:ext>
+            </a:extLst>
+          </p:cNvPr>
+          <p:cNvPicPr>
+            <a:picLocks noChangeAspect="1"/>
+          </p:cNvPicPr>
+          <p:nvPr/>
+        </p:nvPicPr>
+        <p:blipFill>
+          <a:blip r:embed="rId4"/>
+          <a:stretch>
+            <a:fillRect/>
+          </a:stretch>
+        </p:blipFill>
+        <p:spPr>
+          <a:xfrm>
+            <a:off x="586231" y="4117586"/>
+            <a:ext cx="2957327" cy="2573899"/>
+          </a:xfrm>
+          <a:prstGeom prst="rect">
+            <a:avLst/>
+          </a:prstGeom>
+          <a:ln>
+            <a:solidFill>
+              <a:schemeClr val="accent1"/>
+            </a:solidFill>
+          </a:ln>
+        </p:spPr>
+      </p:pic>
+      <p:pic>
+        <p:nvPicPr>
+          <p:cNvPr id="13" name="Picture 12">
+            <a:extLst>
+              <a:ext uri="{FF2B5EF4-FFF2-40B4-BE49-F238E27FC236}">
+                <a16:creationId xmlns:a16="http://schemas.microsoft.com/office/drawing/2014/main" id="{11AE565B-C4D2-4CA3-91CD-174BE2A9889C}"/>
+              </a:ext>
+            </a:extLst>
+          </p:cNvPr>
+          <p:cNvPicPr>
+            <a:picLocks noChangeAspect="1"/>
+          </p:cNvPicPr>
+          <p:nvPr/>
+        </p:nvPicPr>
+        <p:blipFill>
+          <a:blip r:embed="rId5"/>
+          <a:stretch>
+            <a:fillRect/>
+          </a:stretch>
+        </p:blipFill>
+        <p:spPr>
+          <a:xfrm>
+            <a:off x="4111756" y="4117585"/>
+            <a:ext cx="3077233" cy="2573895"/>
+          </a:xfrm>
+          <a:prstGeom prst="rect">
+            <a:avLst/>
+          </a:prstGeom>
+          <a:ln>
+            <a:solidFill>
+              <a:schemeClr val="accent1"/>
+            </a:solidFill>
+          </a:ln>
+        </p:spPr>
+      </p:pic>
+      <p:sp>
+        <p:nvSpPr>
+          <p:cNvPr id="14" name="TextBox 13">
+            <a:extLst>
+              <a:ext uri="{FF2B5EF4-FFF2-40B4-BE49-F238E27FC236}">
+                <a16:creationId xmlns:a16="http://schemas.microsoft.com/office/drawing/2014/main" id="{9E2F54DA-A382-E592-8A77-E277242D3FB1}"/>
+              </a:ext>
+            </a:extLst>
+          </p:cNvPr>
+          <p:cNvSpPr txBox="1"/>
+          <p:nvPr/>
+        </p:nvSpPr>
+        <p:spPr>
+          <a:xfrm>
+            <a:off x="8349899" y="992749"/>
+            <a:ext cx="3077232" cy="1169551"/>
+          </a:xfrm>
+          <a:prstGeom prst="rect">
+            <a:avLst/>
+          </a:prstGeom>
+          <a:noFill/>
+          <a:ln>
+            <a:solidFill>
+              <a:schemeClr val="accent1"/>
+            </a:solidFill>
+          </a:ln>
+        </p:spPr>
+        <p:txBody>
+          <a:bodyPr wrap="square" rtlCol="0">
+            <a:spAutoFit/>
+          </a:bodyPr>
+          <a:lstStyle/>
+          <a:p>
+            <a:r>
+              <a:rPr lang="en-US" sz="1400" b="1" dirty="0">
+                <a:solidFill>
+                  <a:schemeClr val="accent1">
+                    <a:lumMod val="75000"/>
+                  </a:schemeClr>
+                </a:solidFill>
+              </a:rPr>
+              <a:t>Inference with Train Dataset:</a:t>
+            </a:r>
+          </a:p>
+          <a:p>
+            <a:pPr marL="285750" indent="-285750">
+              <a:buFont typeface="Arial" panose="020B0604020202020204" pitchFamily="34" charset="0"/>
+              <a:buChar char="•"/>
+            </a:pPr>
+            <a:r>
+              <a:rPr lang="en-US" sz="1400" dirty="0"/>
+              <a:t>J-statistics: 512 Suspicious alerts are predicted as Non-Suspicious</a:t>
+            </a:r>
+          </a:p>
+          <a:p>
+            <a:pPr marL="285750" indent="-285750">
+              <a:buFont typeface="Arial" panose="020B0604020202020204" pitchFamily="34" charset="0"/>
+              <a:buChar char="•"/>
+            </a:pPr>
+            <a:r>
+              <a:rPr lang="en-US" sz="1400" dirty="0"/>
+              <a:t>F1 Score: 472 Suspicious alerts are predicted as Non-Suspicious</a:t>
+            </a:r>
+            <a:endParaRPr lang="en-IN" sz="1400" dirty="0"/>
+          </a:p>
+        </p:txBody>
+      </p:sp>
+      <p:sp>
+        <p:nvSpPr>
+          <p:cNvPr id="17" name="TextBox 16">
+            <a:extLst>
+              <a:ext uri="{FF2B5EF4-FFF2-40B4-BE49-F238E27FC236}">
+                <a16:creationId xmlns:a16="http://schemas.microsoft.com/office/drawing/2014/main" id="{899062AC-C154-DFDC-432A-BF89BC7BD471}"/>
+              </a:ext>
+            </a:extLst>
+          </p:cNvPr>
+          <p:cNvSpPr txBox="1"/>
+          <p:nvPr/>
+        </p:nvSpPr>
+        <p:spPr>
+          <a:xfrm>
+            <a:off x="8349899" y="2362682"/>
+            <a:ext cx="3077232" cy="1169551"/>
+          </a:xfrm>
+          <a:prstGeom prst="rect">
+            <a:avLst/>
+          </a:prstGeom>
+          <a:noFill/>
+          <a:ln>
+            <a:solidFill>
+              <a:schemeClr val="accent1"/>
+            </a:solidFill>
+          </a:ln>
+        </p:spPr>
+        <p:txBody>
+          <a:bodyPr wrap="square" rtlCol="0">
+            <a:spAutoFit/>
+          </a:bodyPr>
+          <a:lstStyle/>
+          <a:p>
+            <a:r>
+              <a:rPr lang="en-US" sz="1400" b="1" dirty="0">
+                <a:solidFill>
+                  <a:schemeClr val="accent1">
+                    <a:lumMod val="75000"/>
+                  </a:schemeClr>
+                </a:solidFill>
+              </a:rPr>
+              <a:t>Inference with Test Dataset:</a:t>
+            </a:r>
+          </a:p>
+          <a:p>
+            <a:pPr marL="285750" indent="-285750">
+              <a:buFont typeface="Arial" panose="020B0604020202020204" pitchFamily="34" charset="0"/>
+              <a:buChar char="•"/>
+            </a:pPr>
+            <a:r>
+              <a:rPr lang="en-US" sz="1400" dirty="0"/>
+              <a:t>J-statistics: 305 Suspicious alerts are predicted as Non-Suspicious</a:t>
+            </a:r>
+          </a:p>
+          <a:p>
+            <a:pPr marL="285750" indent="-285750">
+              <a:buFont typeface="Arial" panose="020B0604020202020204" pitchFamily="34" charset="0"/>
+              <a:buChar char="•"/>
+            </a:pPr>
+            <a:r>
+              <a:rPr lang="en-US" sz="1400" dirty="0"/>
+              <a:t>F1 Score: 281 Suspicious alerts are predicted as Non-Suspicious</a:t>
+            </a:r>
+            <a:endParaRPr lang="en-IN" sz="1400" dirty="0"/>
+          </a:p>
+        </p:txBody>
+      </p:sp>
+      <p:cxnSp>
+        <p:nvCxnSpPr>
+          <p:cNvPr id="21" name="Connector: Elbow 20">
+            <a:extLst>
+              <a:ext uri="{FF2B5EF4-FFF2-40B4-BE49-F238E27FC236}">
+                <a16:creationId xmlns:a16="http://schemas.microsoft.com/office/drawing/2014/main" id="{5310DBC6-90C7-9E90-B187-1897FAE972C9}"/>
+              </a:ext>
+            </a:extLst>
+          </p:cNvPr>
+          <p:cNvCxnSpPr>
+            <a:stCxn id="13" idx="3"/>
+            <a:endCxn id="17" idx="1"/>
+          </p:cNvCxnSpPr>
+          <p:nvPr/>
+        </p:nvCxnSpPr>
+        <p:spPr>
+          <a:xfrm flipV="1">
+            <a:off x="7188989" y="2947458"/>
+            <a:ext cx="1160910" cy="2457075"/>
+          </a:xfrm>
+          <a:prstGeom prst="bentConnector3">
+            <a:avLst/>
+          </a:prstGeom>
+          <a:ln>
+            <a:tailEnd type="triangle"/>
+          </a:ln>
+        </p:spPr>
+        <p:style>
+          <a:lnRef idx="1">
+            <a:schemeClr val="accent1"/>
+          </a:lnRef>
+          <a:fillRef idx="0">
+            <a:schemeClr val="accent1"/>
+          </a:fillRef>
+          <a:effectRef idx="0">
+            <a:schemeClr val="accent1"/>
+          </a:effectRef>
+          <a:fontRef idx="minor">
+            <a:schemeClr val="tx1"/>
+          </a:fontRef>
+        </p:style>
+      </p:cxnSp>
+      <p:sp>
+        <p:nvSpPr>
+          <p:cNvPr id="22" name="TextBox 21">
+            <a:extLst>
+              <a:ext uri="{FF2B5EF4-FFF2-40B4-BE49-F238E27FC236}">
+                <a16:creationId xmlns:a16="http://schemas.microsoft.com/office/drawing/2014/main" id="{8D0B0617-CA17-5E5A-4620-E9189C6EE5A5}"/>
+              </a:ext>
+            </a:extLst>
+          </p:cNvPr>
+          <p:cNvSpPr txBox="1"/>
+          <p:nvPr/>
+        </p:nvSpPr>
+        <p:spPr>
+          <a:xfrm>
+            <a:off x="8349899" y="3732615"/>
+            <a:ext cx="3077232" cy="3108543"/>
+          </a:xfrm>
+          <a:prstGeom prst="rect">
+            <a:avLst/>
+          </a:prstGeom>
+          <a:noFill/>
+          <a:ln>
+            <a:solidFill>
+              <a:schemeClr val="accent1"/>
+            </a:solidFill>
+          </a:ln>
+        </p:spPr>
+        <p:txBody>
+          <a:bodyPr wrap="square" rtlCol="0">
+            <a:spAutoFit/>
+          </a:bodyPr>
+          <a:lstStyle/>
+          <a:p>
+            <a:r>
+              <a:rPr lang="en-US" sz="1400" b="1" dirty="0">
+                <a:solidFill>
+                  <a:schemeClr val="accent1">
+                    <a:lumMod val="75000"/>
+                  </a:schemeClr>
+                </a:solidFill>
+              </a:rPr>
+              <a:t>Conclusion:</a:t>
+            </a:r>
+          </a:p>
+          <a:p>
+            <a:pPr marL="285750" indent="-285750">
+              <a:buFont typeface="Arial" panose="020B0604020202020204" pitchFamily="34" charset="0"/>
+              <a:buChar char="•"/>
+            </a:pPr>
+            <a:r>
+              <a:rPr lang="en-US" sz="1400" dirty="0"/>
+              <a:t>False Positives are lower using both J-statistics and F1-score</a:t>
+            </a:r>
+          </a:p>
+          <a:p>
+            <a:pPr marL="285750" indent="-285750">
+              <a:buFont typeface="Arial" panose="020B0604020202020204" pitchFamily="34" charset="0"/>
+              <a:buChar char="•"/>
+            </a:pPr>
+            <a:r>
+              <a:rPr lang="en-US" sz="1400" dirty="0"/>
+              <a:t>False Negative is lower while using F1 score as metric for tuning compared to J-statistics.</a:t>
+            </a:r>
+          </a:p>
+          <a:p>
+            <a:pPr marL="285750" indent="-285750">
+              <a:buFont typeface="Arial" panose="020B0604020202020204" pitchFamily="34" charset="0"/>
+              <a:buChar char="•"/>
+            </a:pPr>
+            <a:r>
+              <a:rPr lang="en-US" sz="1400" dirty="0"/>
+              <a:t> </a:t>
+            </a:r>
+            <a:r>
+              <a:rPr lang="en-US" sz="1400" b="1" dirty="0">
+                <a:solidFill>
+                  <a:schemeClr val="accent1">
+                    <a:lumMod val="75000"/>
+                  </a:schemeClr>
+                </a:solidFill>
+              </a:rPr>
+              <a:t>Even though False negative is lower using F1 score relatively, 7.86% and 7% FP in train and test data sets can be unacceptable for a market based on their risk tolerance.</a:t>
+            </a:r>
+          </a:p>
+          <a:p>
+            <a:pPr marL="285750" indent="-285750">
+              <a:buFont typeface="Arial" panose="020B0604020202020204" pitchFamily="34" charset="0"/>
+              <a:buChar char="•"/>
+            </a:pPr>
+            <a:r>
+              <a:rPr lang="en-US" sz="1400" b="1" dirty="0">
+                <a:solidFill>
+                  <a:schemeClr val="accent1">
+                    <a:lumMod val="75000"/>
+                  </a:schemeClr>
+                </a:solidFill>
+              </a:rPr>
+              <a:t>As a result, this tuning approach should be optimized</a:t>
+            </a:r>
+          </a:p>
+        </p:txBody>
+      </p:sp>
+      <p:cxnSp>
+        <p:nvCxnSpPr>
+          <p:cNvPr id="29" name="Straight Arrow Connector 28">
+            <a:extLst>
+              <a:ext uri="{FF2B5EF4-FFF2-40B4-BE49-F238E27FC236}">
+                <a16:creationId xmlns:a16="http://schemas.microsoft.com/office/drawing/2014/main" id="{F4E74D40-1207-F9E8-DE02-C8E64AD57B79}"/>
+              </a:ext>
+            </a:extLst>
+          </p:cNvPr>
+          <p:cNvCxnSpPr>
+            <a:endCxn id="14" idx="1"/>
+          </p:cNvCxnSpPr>
+          <p:nvPr/>
+        </p:nvCxnSpPr>
+        <p:spPr>
+          <a:xfrm>
+            <a:off x="7188989" y="1573161"/>
+            <a:ext cx="1160910" cy="4364"/>
+          </a:xfrm>
+          <a:prstGeom prst="straightConnector1">
+            <a:avLst/>
+          </a:prstGeom>
+          <a:ln>
+            <a:tailEnd type="triangle"/>
+          </a:ln>
+        </p:spPr>
+        <p:style>
+          <a:lnRef idx="1">
+            <a:schemeClr val="accent1"/>
+          </a:lnRef>
+          <a:fillRef idx="0">
+            <a:schemeClr val="accent1"/>
+          </a:fillRef>
+          <a:effectRef idx="0">
+            <a:schemeClr val="accent1"/>
+          </a:effectRef>
+          <a:fontRef idx="minor">
+            <a:schemeClr val="tx1"/>
+          </a:fontRef>
+        </p:style>
+      </p:cxnSp>
+    </p:spTree>
+    <p:extLst>
+      <p:ext uri="{BB962C8B-B14F-4D97-AF65-F5344CB8AC3E}">
+        <p14:creationId xmlns:p14="http://schemas.microsoft.com/office/powerpoint/2010/main" val="2799033045"/>
+      </p:ext>
+    </p:extLst>
+  </p:cSld>
+  <p:clrMapOvr>
+    <a:masterClrMapping/>
+  </p:clrMapOvr>
+</p:sld>
+</file>
+
+<file path=ppt/slides/slide8.xml><?xml version="1.0" encoding="utf-8"?>
+<p:sld xmlns:a="http://schemas.openxmlformats.org/drawingml/2006/main" xmlns:r="http://schemas.openxmlformats.org/officeDocument/2006/relationships" xmlns:p="http://schemas.openxmlformats.org/presentationml/2006/main">
+  <p:cSld>
+    <p:spTree>
+      <p:nvGrpSpPr>
+        <p:cNvPr id="1" name=""/>
+        <p:cNvGrpSpPr/>
+        <p:nvPr/>
+      </p:nvGrpSpPr>
+      <p:grpSpPr>
+        <a:xfrm>
+          <a:off x="0" y="0"/>
+          <a:ext cx="0" cy="0"/>
+          <a:chOff x="0" y="0"/>
+          <a:chExt cx="0" cy="0"/>
+        </a:xfrm>
+      </p:grpSpPr>
+      <p:cxnSp>
+        <p:nvCxnSpPr>
+          <p:cNvPr id="4" name="Straight Connector 3">
+            <a:extLst>
+              <a:ext uri="{FF2B5EF4-FFF2-40B4-BE49-F238E27FC236}">
+                <a16:creationId xmlns:a16="http://schemas.microsoft.com/office/drawing/2014/main" id="{FEC7D071-925A-A25D-E05E-32C77ACDD222}"/>
+              </a:ext>
+            </a:extLst>
+          </p:cNvPr>
+          <p:cNvCxnSpPr/>
+          <p:nvPr/>
+        </p:nvCxnSpPr>
+        <p:spPr>
+          <a:xfrm>
+            <a:off x="422787" y="688259"/>
+            <a:ext cx="11346426" cy="0"/>
+          </a:xfrm>
+          <a:prstGeom prst="line">
+            <a:avLst/>
+          </a:prstGeom>
+        </p:spPr>
+        <p:style>
+          <a:lnRef idx="2">
+            <a:schemeClr val="accent1"/>
+          </a:lnRef>
+          <a:fillRef idx="0">
+            <a:schemeClr val="accent1"/>
+          </a:fillRef>
+          <a:effectRef idx="1">
+            <a:schemeClr val="accent1"/>
+          </a:effectRef>
+          <a:fontRef idx="minor">
+            <a:schemeClr val="tx1"/>
+          </a:fontRef>
+        </p:style>
+      </p:cxnSp>
+      <p:sp>
+        <p:nvSpPr>
+          <p:cNvPr id="5" name="TextBox 4">
+            <a:extLst>
+              <a:ext uri="{FF2B5EF4-FFF2-40B4-BE49-F238E27FC236}">
+                <a16:creationId xmlns:a16="http://schemas.microsoft.com/office/drawing/2014/main" id="{3F4FBE9D-3AEF-DE1B-64C1-120BA77CD7A8}"/>
+              </a:ext>
+            </a:extLst>
+          </p:cNvPr>
+          <p:cNvSpPr txBox="1"/>
+          <p:nvPr/>
+        </p:nvSpPr>
+        <p:spPr>
+          <a:xfrm>
+            <a:off x="309712" y="166563"/>
+            <a:ext cx="9979584" cy="446276"/>
+          </a:xfrm>
+          <a:prstGeom prst="rect">
+            <a:avLst/>
+          </a:prstGeom>
+          <a:noFill/>
+        </p:spPr>
+        <p:txBody>
+          <a:bodyPr wrap="square" rtlCol="0">
+            <a:spAutoFit/>
+          </a:bodyPr>
+          <a:lstStyle/>
+          <a:p>
+            <a:r>
+              <a:rPr lang="en-US" sz="2300" dirty="0">
+                <a:solidFill>
+                  <a:schemeClr val="accent1">
+                    <a:lumMod val="50000"/>
+                  </a:schemeClr>
+                </a:solidFill>
+                <a:latin typeface="Georgia Pro" panose="020F0502020204030204" pitchFamily="18" charset="0"/>
+              </a:rPr>
+              <a:t>Introduction</a:t>
+            </a:r>
+            <a:endParaRPr lang="en-IN" sz="2300" dirty="0">
+              <a:solidFill>
+                <a:schemeClr val="accent1">
+                  <a:lumMod val="50000"/>
+                </a:schemeClr>
+              </a:solidFill>
+              <a:latin typeface="Georgia Pro" panose="020F0502020204030204" pitchFamily="18" charset="0"/>
+            </a:endParaRPr>
+          </a:p>
+        </p:txBody>
+      </p:sp>
+      <p:graphicFrame>
+        <p:nvGraphicFramePr>
+          <p:cNvPr id="9" name="Content Placeholder 8">
+            <a:extLst>
+              <a:ext uri="{FF2B5EF4-FFF2-40B4-BE49-F238E27FC236}">
+                <a16:creationId xmlns:a16="http://schemas.microsoft.com/office/drawing/2014/main" id="{85E7ED15-3F7C-0E96-34A4-6DE6C2ACC86C}"/>
+              </a:ext>
+            </a:extLst>
+          </p:cNvPr>
+          <p:cNvGraphicFramePr>
+            <a:graphicFrameLocks noGrp="1"/>
+          </p:cNvGraphicFramePr>
+          <p:nvPr>
+            <p:ph idx="1"/>
+            <p:extLst>
+              <p:ext uri="{D42A27DB-BD31-4B8C-83A1-F6EECF244321}">
+                <p14:modId xmlns:p14="http://schemas.microsoft.com/office/powerpoint/2010/main" val="2121732930"/>
+              </p:ext>
+            </p:extLst>
+          </p:nvPr>
+        </p:nvGraphicFramePr>
+        <p:xfrm>
+          <a:off x="422787" y="718419"/>
+          <a:ext cx="11469334" cy="5933186"/>
+        </p:xfrm>
+        <a:graphic>
+          <a:graphicData uri="http://schemas.openxmlformats.org/drawingml/2006/diagram">
+            <dgm:relIds xmlns:dgm="http://schemas.openxmlformats.org/drawingml/2006/diagram" xmlns:r="http://schemas.openxmlformats.org/officeDocument/2006/relationships" r:dm="rId2" r:lo="rId3" r:qs="rId4" r:cs="rId5"/>
+          </a:graphicData>
+        </a:graphic>
+      </p:graphicFrame>
+    </p:spTree>
+    <p:extLst>
+      <p:ext uri="{BB962C8B-B14F-4D97-AF65-F5344CB8AC3E}">
+        <p14:creationId xmlns:p14="http://schemas.microsoft.com/office/powerpoint/2010/main" val="2071541558"/>
+      </p:ext>
+    </p:extLst>
+  </p:cSld>
+  <p:clrMapOvr>
+    <a:masterClrMapping/>
+  </p:clrMapOvr>
+</p:sld>
+</file>
+
+<file path=ppt/slides/slide9.xml><?xml version="1.0" encoding="utf-8"?>
+<p:sld xmlns:a="http://schemas.openxmlformats.org/drawingml/2006/main" xmlns:r="http://schemas.openxmlformats.org/officeDocument/2006/relationships" xmlns:p="http://schemas.openxmlformats.org/presentationml/2006/main">
+  <p:cSld>
+    <p:spTree>
+      <p:nvGrpSpPr>
+        <p:cNvPr id="1" name=""/>
+        <p:cNvGrpSpPr/>
+        <p:nvPr/>
+      </p:nvGrpSpPr>
+      <p:grpSpPr>
+        <a:xfrm>
+          <a:off x="0" y="0"/>
+          <a:ext cx="0" cy="0"/>
+          <a:chOff x="0" y="0"/>
+          <a:chExt cx="0" cy="0"/>
+        </a:xfrm>
+      </p:grpSpPr>
+      <p:cxnSp>
+        <p:nvCxnSpPr>
+          <p:cNvPr id="4" name="Straight Connector 3">
+            <a:extLst>
+              <a:ext uri="{FF2B5EF4-FFF2-40B4-BE49-F238E27FC236}">
+                <a16:creationId xmlns:a16="http://schemas.microsoft.com/office/drawing/2014/main" id="{FEC7D071-925A-A25D-E05E-32C77ACDD222}"/>
+              </a:ext>
+            </a:extLst>
+          </p:cNvPr>
+          <p:cNvCxnSpPr/>
+          <p:nvPr/>
+        </p:nvCxnSpPr>
+        <p:spPr>
+          <a:xfrm>
+            <a:off x="422787" y="688259"/>
+            <a:ext cx="11346426" cy="0"/>
+          </a:xfrm>
+          <a:prstGeom prst="line">
+            <a:avLst/>
+          </a:prstGeom>
+        </p:spPr>
+        <p:style>
+          <a:lnRef idx="2">
+            <a:schemeClr val="accent1"/>
+          </a:lnRef>
+          <a:fillRef idx="0">
+            <a:schemeClr val="accent1"/>
+          </a:fillRef>
+          <a:effectRef idx="1">
+            <a:schemeClr val="accent1"/>
+          </a:effectRef>
+          <a:fontRef idx="minor">
+            <a:schemeClr val="tx1"/>
+          </a:fontRef>
+        </p:style>
+      </p:cxnSp>
+      <p:sp>
+        <p:nvSpPr>
+          <p:cNvPr id="5" name="TextBox 4">
+            <a:extLst>
+              <a:ext uri="{FF2B5EF4-FFF2-40B4-BE49-F238E27FC236}">
+                <a16:creationId xmlns:a16="http://schemas.microsoft.com/office/drawing/2014/main" id="{3F4FBE9D-3AEF-DE1B-64C1-120BA77CD7A8}"/>
+              </a:ext>
+            </a:extLst>
+          </p:cNvPr>
+          <p:cNvSpPr txBox="1"/>
+          <p:nvPr/>
+        </p:nvSpPr>
+        <p:spPr>
+          <a:xfrm>
+            <a:off x="299880" y="196684"/>
+            <a:ext cx="9979584" cy="446276"/>
+          </a:xfrm>
+          <a:prstGeom prst="rect">
+            <a:avLst/>
+          </a:prstGeom>
+          <a:noFill/>
+        </p:spPr>
+        <p:txBody>
+          <a:bodyPr wrap="square" rtlCol="0">
+            <a:spAutoFit/>
+          </a:bodyPr>
+          <a:lstStyle/>
+          <a:p>
+            <a:r>
+              <a:rPr lang="en-US" sz="2300" dirty="0">
+                <a:solidFill>
+                  <a:schemeClr val="accent1">
+                    <a:lumMod val="50000"/>
+                  </a:schemeClr>
+                </a:solidFill>
+                <a:latin typeface="Georgia Pro" panose="020F0502020204030204" pitchFamily="18" charset="0"/>
+              </a:rPr>
+              <a:t>Project Overview</a:t>
+            </a:r>
+            <a:endParaRPr lang="en-IN" sz="2300" dirty="0">
+              <a:solidFill>
+                <a:schemeClr val="accent1">
+                  <a:lumMod val="50000"/>
+                </a:schemeClr>
+              </a:solidFill>
+              <a:latin typeface="Georgia Pro" panose="020F0502020204030204" pitchFamily="18" charset="0"/>
+            </a:endParaRPr>
+          </a:p>
+        </p:txBody>
+      </p:sp>
+      <p:graphicFrame>
+        <p:nvGraphicFramePr>
+          <p:cNvPr id="13" name="Content Placeholder 12">
+            <a:extLst>
+              <a:ext uri="{FF2B5EF4-FFF2-40B4-BE49-F238E27FC236}">
+                <a16:creationId xmlns:a16="http://schemas.microsoft.com/office/drawing/2014/main" id="{FFBD53CF-02D0-9B51-5DDF-89EAEDB80DA2}"/>
+              </a:ext>
+            </a:extLst>
+          </p:cNvPr>
+          <p:cNvGraphicFramePr>
+            <a:graphicFrameLocks noGrp="1"/>
+          </p:cNvGraphicFramePr>
+          <p:nvPr>
+            <p:ph idx="1"/>
+            <p:extLst>
+              <p:ext uri="{D42A27DB-BD31-4B8C-83A1-F6EECF244321}">
+                <p14:modId xmlns:p14="http://schemas.microsoft.com/office/powerpoint/2010/main" val="4057921441"/>
+              </p:ext>
+            </p:extLst>
+          </p:nvPr>
+        </p:nvGraphicFramePr>
+        <p:xfrm>
+          <a:off x="361333" y="669136"/>
+          <a:ext cx="11496370" cy="6188863"/>
+        </p:xfrm>
+        <a:graphic>
+          <a:graphicData uri="http://schemas.openxmlformats.org/drawingml/2006/diagram">
+            <dgm:relIds xmlns:dgm="http://schemas.openxmlformats.org/drawingml/2006/diagram" xmlns:r="http://schemas.openxmlformats.org/officeDocument/2006/relationships" r:dm="rId2" r:lo="rId3" r:qs="rId4" r:cs="rId5"/>
+          </a:graphicData>
+        </a:graphic>
+      </p:graphicFrame>
+    </p:spTree>
+    <p:extLst>
+      <p:ext uri="{BB962C8B-B14F-4D97-AF65-F5344CB8AC3E}">
+        <p14:creationId xmlns:p14="http://schemas.microsoft.com/office/powerpoint/2010/main" val="840516372"/>
       </p:ext>
     </p:extLst>
   </p:cSld>
